--- a/THESIS/DACN_UD_Hoc_KHo_CTK37_ThuyetTrinh_06102017.pptx
+++ b/THESIS/DACN_UD_Hoc_KHo_CTK37_ThuyetTrinh_06102017.pptx
@@ -237,7 +237,7 @@
           <a:p>
             <a:fld id="{5F3C816B-6264-4CFF-B007-776089C8006A}" type="datetimeFigureOut">
               <a:rPr lang="en-US" smtClean="0"/>
-              <a:t>10/6/2017</a:t>
+              <a:t>10/12/2017</a:t>
             </a:fld>
             <a:endParaRPr lang="en-US"/>
           </a:p>
@@ -686,7 +686,7 @@
           <a:p>
             <a:fld id="{8262F83D-21AC-4462-A57F-A062BBC2BA25}" type="datetimeFigureOut">
               <a:rPr lang="en-US" smtClean="0"/>
-              <a:t>10/6/2017</a:t>
+              <a:t>10/12/2017</a:t>
             </a:fld>
             <a:endParaRPr lang="en-US"/>
           </a:p>
@@ -863,7 +863,7 @@
           <a:p>
             <a:fld id="{8262F83D-21AC-4462-A57F-A062BBC2BA25}" type="datetimeFigureOut">
               <a:rPr lang="en-US" smtClean="0"/>
-              <a:t>10/6/2017</a:t>
+              <a:t>10/12/2017</a:t>
             </a:fld>
             <a:endParaRPr lang="en-US"/>
           </a:p>
@@ -1050,7 +1050,7 @@
           <a:p>
             <a:fld id="{8262F83D-21AC-4462-A57F-A062BBC2BA25}" type="datetimeFigureOut">
               <a:rPr lang="en-US" smtClean="0"/>
-              <a:t>10/6/2017</a:t>
+              <a:t>10/12/2017</a:t>
             </a:fld>
             <a:endParaRPr lang="en-US"/>
           </a:p>
@@ -1227,7 +1227,7 @@
           <a:p>
             <a:fld id="{8262F83D-21AC-4462-A57F-A062BBC2BA25}" type="datetimeFigureOut">
               <a:rPr lang="en-US" smtClean="0"/>
-              <a:t>10/6/2017</a:t>
+              <a:t>10/12/2017</a:t>
             </a:fld>
             <a:endParaRPr lang="en-US"/>
           </a:p>
@@ -1480,7 +1480,7 @@
           <a:p>
             <a:fld id="{8262F83D-21AC-4462-A57F-A062BBC2BA25}" type="datetimeFigureOut">
               <a:rPr lang="en-US" smtClean="0"/>
-              <a:t>10/6/2017</a:t>
+              <a:t>10/12/2017</a:t>
             </a:fld>
             <a:endParaRPr lang="en-US"/>
           </a:p>
@@ -1775,7 +1775,7 @@
           <a:p>
             <a:fld id="{8262F83D-21AC-4462-A57F-A062BBC2BA25}" type="datetimeFigureOut">
               <a:rPr lang="en-US" smtClean="0"/>
-              <a:t>10/6/2017</a:t>
+              <a:t>10/12/2017</a:t>
             </a:fld>
             <a:endParaRPr lang="en-US"/>
           </a:p>
@@ -2204,7 +2204,7 @@
           <a:p>
             <a:fld id="{8262F83D-21AC-4462-A57F-A062BBC2BA25}" type="datetimeFigureOut">
               <a:rPr lang="en-US" smtClean="0"/>
-              <a:t>10/6/2017</a:t>
+              <a:t>10/12/2017</a:t>
             </a:fld>
             <a:endParaRPr lang="en-US"/>
           </a:p>
@@ -2346,7 +2346,7 @@
           <a:p>
             <a:fld id="{8262F83D-21AC-4462-A57F-A062BBC2BA25}" type="datetimeFigureOut">
               <a:rPr lang="en-US" smtClean="0"/>
-              <a:t>10/6/2017</a:t>
+              <a:t>10/12/2017</a:t>
             </a:fld>
             <a:endParaRPr lang="en-US"/>
           </a:p>
@@ -2448,7 +2448,7 @@
           <a:p>
             <a:fld id="{8262F83D-21AC-4462-A57F-A062BBC2BA25}" type="datetimeFigureOut">
               <a:rPr lang="en-US" smtClean="0"/>
-              <a:t>10/6/2017</a:t>
+              <a:t>10/12/2017</a:t>
             </a:fld>
             <a:endParaRPr lang="en-US"/>
           </a:p>
@@ -2732,7 +2732,7 @@
           <a:p>
             <a:fld id="{8262F83D-21AC-4462-A57F-A062BBC2BA25}" type="datetimeFigureOut">
               <a:rPr lang="en-US" smtClean="0"/>
-              <a:t>10/6/2017</a:t>
+              <a:t>10/12/2017</a:t>
             </a:fld>
             <a:endParaRPr lang="en-US"/>
           </a:p>
@@ -2992,7 +2992,7 @@
           <a:p>
             <a:fld id="{8262F83D-21AC-4462-A57F-A062BBC2BA25}" type="datetimeFigureOut">
               <a:rPr lang="en-US" smtClean="0"/>
-              <a:t>10/6/2017</a:t>
+              <a:t>10/12/2017</a:t>
             </a:fld>
             <a:endParaRPr lang="en-US"/>
           </a:p>
@@ -3212,7 +3212,7 @@
           <a:p>
             <a:fld id="{8262F83D-21AC-4462-A57F-A062BBC2BA25}" type="datetimeFigureOut">
               <a:rPr lang="en-US" smtClean="0"/>
-              <a:t>10/6/2017</a:t>
+              <a:t>10/12/2017</a:t>
             </a:fld>
             <a:endParaRPr lang="en-US"/>
           </a:p>
@@ -3620,20 +3620,52 @@
           <a:lstStyle/>
           <a:p>
             <a:r>
-              <a:rPr lang="en-US" sz="4000" b="1" dirty="0" smtClean="0">
+              <a:rPr lang="en-US" sz="4000" b="1" u="sng" dirty="0" smtClean="0">
                 <a:solidFill>
                   <a:schemeClr val="lt1"/>
                 </a:solidFill>
+                <a:effectLst>
+                  <a:outerShdw blurRad="38100" dist="38100" dir="2700000" algn="tl">
+                    <a:srgbClr val="000000">
+                      <a:alpha val="43137"/>
+                    </a:srgbClr>
+                  </a:outerShdw>
+                </a:effectLst>
                 <a:latin typeface="Segoe UI Light" pitchFamily="34" charset="0"/>
                 <a:ea typeface="+mn-ea"/>
                 <a:cs typeface="Segoe UI Light" pitchFamily="34" charset="0"/>
               </a:rPr>
-              <a:t>BÁO CÁO ĐỒ ÁN CHUYÊN NGÀNH</a:t>
+              <a:t>B</a:t>
+            </a:r>
+            <a:r>
+              <a:rPr lang="en-US" sz="4000" b="1" dirty="0" smtClean="0">
+                <a:solidFill>
+                  <a:schemeClr val="lt1"/>
+                </a:solidFill>
+                <a:effectLst>
+                  <a:outerShdw blurRad="38100" dist="38100" dir="2700000" algn="tl">
+                    <a:srgbClr val="000000">
+                      <a:alpha val="43137"/>
+                    </a:srgbClr>
+                  </a:outerShdw>
+                </a:effectLst>
+                <a:latin typeface="Segoe UI Light" pitchFamily="34" charset="0"/>
+                <a:ea typeface="+mn-ea"/>
+                <a:cs typeface="Segoe UI Light" pitchFamily="34" charset="0"/>
+              </a:rPr>
+              <a:t>ÁO CÁO ĐỒ ÁN CHUYÊN NGÀNH</a:t>
             </a:r>
             <a:endParaRPr lang="en-US" sz="4000" b="1" dirty="0">
               <a:solidFill>
                 <a:schemeClr val="lt1"/>
               </a:solidFill>
+              <a:effectLst>
+                <a:outerShdw blurRad="38100" dist="38100" dir="2700000" algn="tl">
+                  <a:srgbClr val="000000">
+                    <a:alpha val="43137"/>
+                  </a:srgbClr>
+                </a:outerShdw>
+              </a:effectLst>
               <a:latin typeface="Segoe UI Light" pitchFamily="34" charset="0"/>
               <a:ea typeface="+mn-ea"/>
               <a:cs typeface="Segoe UI Light" pitchFamily="34" charset="0"/>
@@ -3683,11 +3715,18 @@
           <a:lstStyle/>
           <a:p>
             <a:r>
+              <a:rPr lang="en-US" sz="3200" u="sng" dirty="0" smtClean="0">
+                <a:latin typeface="Segoe UI Light" pitchFamily="34" charset="0"/>
+                <a:cs typeface="Segoe UI Light" pitchFamily="34" charset="0"/>
+              </a:rPr>
+              <a:t>Đ</a:t>
+            </a:r>
+            <a:r>
               <a:rPr lang="en-US" sz="3200" dirty="0" smtClean="0">
                 <a:latin typeface="Segoe UI Light" pitchFamily="34" charset="0"/>
                 <a:cs typeface="Segoe UI Light" pitchFamily="34" charset="0"/>
               </a:rPr>
-              <a:t>Đề tài: </a:t>
+              <a:t>ề tài: </a:t>
             </a:r>
             <a:r>
               <a:rPr lang="en-US" sz="3200" b="1" dirty="0" smtClean="0">
@@ -3879,11 +3918,18 @@
           <a:p>
             <a:pPr algn="ctr"/>
             <a:r>
+              <a:rPr lang="en-US" sz="2800" u="sng" dirty="0" smtClean="0">
+                <a:latin typeface="Segoe UI Light" pitchFamily="34" charset="0"/>
+                <a:cs typeface="Segoe UI Light" pitchFamily="34" charset="0"/>
+              </a:rPr>
+              <a:t>S</a:t>
+            </a:r>
+            <a:r>
               <a:rPr lang="en-US" sz="2800" dirty="0" smtClean="0">
                 <a:latin typeface="Segoe UI Light" pitchFamily="34" charset="0"/>
                 <a:cs typeface="Segoe UI Light" pitchFamily="34" charset="0"/>
               </a:rPr>
-              <a:t>Start </a:t>
+              <a:t>tart </a:t>
             </a:r>
             <a:endParaRPr lang="en-US" sz="2800" dirty="0">
               <a:latin typeface="Segoe UI Light" pitchFamily="34" charset="0"/>
@@ -4579,13 +4625,6 @@
               </a:rPr>
               <a:t>CTK37</a:t>
             </a:r>
-            <a:endParaRPr lang="en-US" sz="3600" dirty="0">
-              <a:solidFill>
-                <a:srgbClr val="00B404"/>
-              </a:solidFill>
-              <a:latin typeface="Segoe UI Semilight" pitchFamily="34" charset="0"/>
-              <a:cs typeface="Segoe UI Semilight" pitchFamily="34" charset="0"/>
-            </a:endParaRPr>
           </a:p>
         </p:txBody>
       </p:sp>
@@ -4833,16 +4872,6 @@
               </a:rPr>
               <a:t>Giao diện</a:t>
             </a:r>
-            <a:endParaRPr lang="en-US" sz="2400" dirty="0">
-              <a:solidFill>
-                <a:schemeClr val="tx1">
-                  <a:lumMod val="75000"/>
-                  <a:lumOff val="25000"/>
-                </a:schemeClr>
-              </a:solidFill>
-              <a:latin typeface="Segoe UI Light" pitchFamily="34" charset="0"/>
-              <a:cs typeface="Segoe UI Light" pitchFamily="34" charset="0"/>
-            </a:endParaRPr>
           </a:p>
         </p:txBody>
       </p:sp>
@@ -4904,16 +4933,6 @@
               </a:rPr>
               <a:t>Lời cảm ơn</a:t>
             </a:r>
-            <a:endParaRPr lang="en-US" sz="2400" dirty="0">
-              <a:solidFill>
-                <a:schemeClr val="tx1">
-                  <a:lumMod val="75000"/>
-                  <a:lumOff val="25000"/>
-                </a:schemeClr>
-              </a:solidFill>
-              <a:latin typeface="Segoe UI Light" pitchFamily="34" charset="0"/>
-              <a:cs typeface="Segoe UI Light" pitchFamily="34" charset="0"/>
-            </a:endParaRPr>
           </a:p>
         </p:txBody>
       </p:sp>
@@ -5017,16 +5036,6 @@
               </a:rPr>
               <a:t>Phương pháp</a:t>
             </a:r>
-            <a:endParaRPr lang="en-US" sz="2400" dirty="0">
-              <a:solidFill>
-                <a:schemeClr val="tx1">
-                  <a:lumMod val="75000"/>
-                  <a:lumOff val="25000"/>
-                </a:schemeClr>
-              </a:solidFill>
-              <a:latin typeface="Segoe UI Light" pitchFamily="34" charset="0"/>
-              <a:cs typeface="Segoe UI Light" pitchFamily="34" charset="0"/>
-            </a:endParaRPr>
           </a:p>
         </p:txBody>
       </p:sp>
@@ -5528,13 +5537,6 @@
               </a:rPr>
               <a:t>CTK37</a:t>
             </a:r>
-            <a:endParaRPr lang="en-US" sz="3600" dirty="0">
-              <a:solidFill>
-                <a:srgbClr val="00B404"/>
-              </a:solidFill>
-              <a:latin typeface="Segoe UI Semilight" pitchFamily="34" charset="0"/>
-              <a:cs typeface="Segoe UI Semilight" pitchFamily="34" charset="0"/>
-            </a:endParaRPr>
           </a:p>
         </p:txBody>
       </p:sp>
@@ -5782,16 +5784,6 @@
               </a:rPr>
               <a:t>Giao diện</a:t>
             </a:r>
-            <a:endParaRPr lang="en-US" sz="2400" dirty="0">
-              <a:solidFill>
-                <a:schemeClr val="tx1">
-                  <a:lumMod val="75000"/>
-                  <a:lumOff val="25000"/>
-                </a:schemeClr>
-              </a:solidFill>
-              <a:latin typeface="Segoe UI Light" pitchFamily="34" charset="0"/>
-              <a:cs typeface="Segoe UI Light" pitchFamily="34" charset="0"/>
-            </a:endParaRPr>
           </a:p>
         </p:txBody>
       </p:sp>
@@ -5853,16 +5845,6 @@
               </a:rPr>
               <a:t>Lời cảm ơn</a:t>
             </a:r>
-            <a:endParaRPr lang="en-US" sz="2400" dirty="0">
-              <a:solidFill>
-                <a:schemeClr val="tx1">
-                  <a:lumMod val="75000"/>
-                  <a:lumOff val="25000"/>
-                </a:schemeClr>
-              </a:solidFill>
-              <a:latin typeface="Segoe UI Light" pitchFamily="34" charset="0"/>
-              <a:cs typeface="Segoe UI Light" pitchFamily="34" charset="0"/>
-            </a:endParaRPr>
           </a:p>
         </p:txBody>
       </p:sp>
@@ -5966,16 +5948,6 @@
               </a:rPr>
               <a:t>Phương pháp</a:t>
             </a:r>
-            <a:endParaRPr lang="en-US" sz="2400" dirty="0">
-              <a:solidFill>
-                <a:schemeClr val="tx1">
-                  <a:lumMod val="75000"/>
-                  <a:lumOff val="25000"/>
-                </a:schemeClr>
-              </a:solidFill>
-              <a:latin typeface="Segoe UI Light" pitchFamily="34" charset="0"/>
-              <a:cs typeface="Segoe UI Light" pitchFamily="34" charset="0"/>
-            </a:endParaRPr>
           </a:p>
         </p:txBody>
       </p:sp>
@@ -6078,12 +6050,10 @@
             </a:r>
           </a:p>
           <a:p>
-            <a:pPr marL="342900" indent="-342900">
+            <a:pPr indent="344488">
               <a:buClr>
                 <a:srgbClr val="00B404"/>
               </a:buClr>
-              <a:buFont typeface="Wingdings" panose="05000000000000000000" pitchFamily="2" charset="2"/>
-              <a:buChar char="§"/>
             </a:pPr>
             <a:r>
               <a:rPr lang="en-US" sz="2000" dirty="0" smtClean="0">
@@ -6096,7 +6066,20 @@
                 <a:latin typeface="Segoe UI Light" pitchFamily="34" charset="0"/>
                 <a:cs typeface="Segoe UI Light" pitchFamily="34" charset="0"/>
               </a:rPr>
-              <a:t>Thanh điệu (dấu giọng):</a:t>
+              <a:t>Thanh </a:t>
+            </a:r>
+            <a:r>
+              <a:rPr lang="en-US" sz="2000" dirty="0" smtClean="0">
+                <a:solidFill>
+                  <a:schemeClr val="tx1">
+                    <a:lumMod val="75000"/>
+                    <a:lumOff val="25000"/>
+                  </a:schemeClr>
+                </a:solidFill>
+                <a:latin typeface="Segoe UI Light" pitchFamily="34" charset="0"/>
+                <a:cs typeface="Segoe UI Light" pitchFamily="34" charset="0"/>
+              </a:rPr>
+              <a:t>điệu (dấu giọng):</a:t>
             </a:r>
           </a:p>
           <a:p>
@@ -6272,6 +6255,421 @@
                                         <p:cTn id="9" dur="1000" fill="hold"/>
                                         <p:tgtEl>
                                           <p:spTgt spid="21"/>
+                                        </p:tgtEl>
+                                        <p:attrNameLst>
+                                          <p:attrName>ppt_y</p:attrName>
+                                        </p:attrNameLst>
+                                      </p:cBhvr>
+                                      <p:tavLst>
+                                        <p:tav tm="0">
+                                          <p:val>
+                                            <p:strVal val="#ppt_y+.1"/>
+                                          </p:val>
+                                        </p:tav>
+                                        <p:tav tm="100000">
+                                          <p:val>
+                                            <p:strVal val="#ppt_y"/>
+                                          </p:val>
+                                        </p:tav>
+                                      </p:tavLst>
+                                    </p:anim>
+                                  </p:childTnLst>
+                                </p:cTn>
+                              </p:par>
+                              <p:par>
+                                <p:cTn id="10" presetID="42" presetClass="entr" presetSubtype="0" fill="hold" nodeType="withEffect">
+                                  <p:stCondLst>
+                                    <p:cond delay="0"/>
+                                  </p:stCondLst>
+                                  <p:childTnLst>
+                                    <p:set>
+                                      <p:cBhvr>
+                                        <p:cTn id="11" dur="1" fill="hold">
+                                          <p:stCondLst>
+                                            <p:cond delay="0"/>
+                                          </p:stCondLst>
+                                        </p:cTn>
+                                        <p:tgtEl>
+                                          <p:spTgt spid="21">
+                                            <p:txEl>
+                                              <p:pRg st="0" end="0"/>
+                                            </p:txEl>
+                                          </p:spTgt>
+                                        </p:tgtEl>
+                                        <p:attrNameLst>
+                                          <p:attrName>style.visibility</p:attrName>
+                                        </p:attrNameLst>
+                                      </p:cBhvr>
+                                      <p:to>
+                                        <p:strVal val="visible"/>
+                                      </p:to>
+                                    </p:set>
+                                    <p:animEffect transition="in" filter="fade">
+                                      <p:cBhvr>
+                                        <p:cTn id="12" dur="1000"/>
+                                        <p:tgtEl>
+                                          <p:spTgt spid="21">
+                                            <p:txEl>
+                                              <p:pRg st="0" end="0"/>
+                                            </p:txEl>
+                                          </p:spTgt>
+                                        </p:tgtEl>
+                                      </p:cBhvr>
+                                    </p:animEffect>
+                                    <p:anim calcmode="lin" valueType="num">
+                                      <p:cBhvr>
+                                        <p:cTn id="13" dur="1000" fill="hold"/>
+                                        <p:tgtEl>
+                                          <p:spTgt spid="21">
+                                            <p:txEl>
+                                              <p:pRg st="0" end="0"/>
+                                            </p:txEl>
+                                          </p:spTgt>
+                                        </p:tgtEl>
+                                        <p:attrNameLst>
+                                          <p:attrName>ppt_x</p:attrName>
+                                        </p:attrNameLst>
+                                      </p:cBhvr>
+                                      <p:tavLst>
+                                        <p:tav tm="0">
+                                          <p:val>
+                                            <p:strVal val="#ppt_x"/>
+                                          </p:val>
+                                        </p:tav>
+                                        <p:tav tm="100000">
+                                          <p:val>
+                                            <p:strVal val="#ppt_x"/>
+                                          </p:val>
+                                        </p:tav>
+                                      </p:tavLst>
+                                    </p:anim>
+                                    <p:anim calcmode="lin" valueType="num">
+                                      <p:cBhvr>
+                                        <p:cTn id="14" dur="1000" fill="hold"/>
+                                        <p:tgtEl>
+                                          <p:spTgt spid="21">
+                                            <p:txEl>
+                                              <p:pRg st="0" end="0"/>
+                                            </p:txEl>
+                                          </p:spTgt>
+                                        </p:tgtEl>
+                                        <p:attrNameLst>
+                                          <p:attrName>ppt_y</p:attrName>
+                                        </p:attrNameLst>
+                                      </p:cBhvr>
+                                      <p:tavLst>
+                                        <p:tav tm="0">
+                                          <p:val>
+                                            <p:strVal val="#ppt_y+.1"/>
+                                          </p:val>
+                                        </p:tav>
+                                        <p:tav tm="100000">
+                                          <p:val>
+                                            <p:strVal val="#ppt_y"/>
+                                          </p:val>
+                                        </p:tav>
+                                      </p:tavLst>
+                                    </p:anim>
+                                  </p:childTnLst>
+                                </p:cTn>
+                              </p:par>
+                            </p:childTnLst>
+                          </p:cTn>
+                        </p:par>
+                        <p:par>
+                          <p:cTn id="15" fill="hold">
+                            <p:stCondLst>
+                              <p:cond delay="1000"/>
+                            </p:stCondLst>
+                            <p:childTnLst>
+                              <p:par>
+                                <p:cTn id="16" presetID="42" presetClass="entr" presetSubtype="0" fill="hold" nodeType="afterEffect">
+                                  <p:stCondLst>
+                                    <p:cond delay="0"/>
+                                  </p:stCondLst>
+                                  <p:childTnLst>
+                                    <p:set>
+                                      <p:cBhvr>
+                                        <p:cTn id="17" dur="1" fill="hold">
+                                          <p:stCondLst>
+                                            <p:cond delay="0"/>
+                                          </p:stCondLst>
+                                        </p:cTn>
+                                        <p:tgtEl>
+                                          <p:spTgt spid="21">
+                                            <p:txEl>
+                                              <p:pRg st="1" end="1"/>
+                                            </p:txEl>
+                                          </p:spTgt>
+                                        </p:tgtEl>
+                                        <p:attrNameLst>
+                                          <p:attrName>style.visibility</p:attrName>
+                                        </p:attrNameLst>
+                                      </p:cBhvr>
+                                      <p:to>
+                                        <p:strVal val="visible"/>
+                                      </p:to>
+                                    </p:set>
+                                    <p:animEffect transition="in" filter="fade">
+                                      <p:cBhvr>
+                                        <p:cTn id="18" dur="1000"/>
+                                        <p:tgtEl>
+                                          <p:spTgt spid="21">
+                                            <p:txEl>
+                                              <p:pRg st="1" end="1"/>
+                                            </p:txEl>
+                                          </p:spTgt>
+                                        </p:tgtEl>
+                                      </p:cBhvr>
+                                    </p:animEffect>
+                                    <p:anim calcmode="lin" valueType="num">
+                                      <p:cBhvr>
+                                        <p:cTn id="19" dur="1000" fill="hold"/>
+                                        <p:tgtEl>
+                                          <p:spTgt spid="21">
+                                            <p:txEl>
+                                              <p:pRg st="1" end="1"/>
+                                            </p:txEl>
+                                          </p:spTgt>
+                                        </p:tgtEl>
+                                        <p:attrNameLst>
+                                          <p:attrName>ppt_x</p:attrName>
+                                        </p:attrNameLst>
+                                      </p:cBhvr>
+                                      <p:tavLst>
+                                        <p:tav tm="0">
+                                          <p:val>
+                                            <p:strVal val="#ppt_x"/>
+                                          </p:val>
+                                        </p:tav>
+                                        <p:tav tm="100000">
+                                          <p:val>
+                                            <p:strVal val="#ppt_x"/>
+                                          </p:val>
+                                        </p:tav>
+                                      </p:tavLst>
+                                    </p:anim>
+                                    <p:anim calcmode="lin" valueType="num">
+                                      <p:cBhvr>
+                                        <p:cTn id="20" dur="1000" fill="hold"/>
+                                        <p:tgtEl>
+                                          <p:spTgt spid="21">
+                                            <p:txEl>
+                                              <p:pRg st="1" end="1"/>
+                                            </p:txEl>
+                                          </p:spTgt>
+                                        </p:tgtEl>
+                                        <p:attrNameLst>
+                                          <p:attrName>ppt_y</p:attrName>
+                                        </p:attrNameLst>
+                                      </p:cBhvr>
+                                      <p:tavLst>
+                                        <p:tav tm="0">
+                                          <p:val>
+                                            <p:strVal val="#ppt_y+.1"/>
+                                          </p:val>
+                                        </p:tav>
+                                        <p:tav tm="100000">
+                                          <p:val>
+                                            <p:strVal val="#ppt_y"/>
+                                          </p:val>
+                                        </p:tav>
+                                      </p:tavLst>
+                                    </p:anim>
+                                  </p:childTnLst>
+                                </p:cTn>
+                              </p:par>
+                            </p:childTnLst>
+                          </p:cTn>
+                        </p:par>
+                        <p:par>
+                          <p:cTn id="21" fill="hold">
+                            <p:stCondLst>
+                              <p:cond delay="2000"/>
+                            </p:stCondLst>
+                            <p:childTnLst>
+                              <p:par>
+                                <p:cTn id="22" presetID="42" presetClass="entr" presetSubtype="0" fill="hold" nodeType="afterEffect">
+                                  <p:stCondLst>
+                                    <p:cond delay="0"/>
+                                  </p:stCondLst>
+                                  <p:childTnLst>
+                                    <p:set>
+                                      <p:cBhvr>
+                                        <p:cTn id="23" dur="1" fill="hold">
+                                          <p:stCondLst>
+                                            <p:cond delay="0"/>
+                                          </p:stCondLst>
+                                        </p:cTn>
+                                        <p:tgtEl>
+                                          <p:spTgt spid="21">
+                                            <p:txEl>
+                                              <p:pRg st="2" end="2"/>
+                                            </p:txEl>
+                                          </p:spTgt>
+                                        </p:tgtEl>
+                                        <p:attrNameLst>
+                                          <p:attrName>style.visibility</p:attrName>
+                                        </p:attrNameLst>
+                                      </p:cBhvr>
+                                      <p:to>
+                                        <p:strVal val="visible"/>
+                                      </p:to>
+                                    </p:set>
+                                    <p:animEffect transition="in" filter="fade">
+                                      <p:cBhvr>
+                                        <p:cTn id="24" dur="1000"/>
+                                        <p:tgtEl>
+                                          <p:spTgt spid="21">
+                                            <p:txEl>
+                                              <p:pRg st="2" end="2"/>
+                                            </p:txEl>
+                                          </p:spTgt>
+                                        </p:tgtEl>
+                                      </p:cBhvr>
+                                    </p:animEffect>
+                                    <p:anim calcmode="lin" valueType="num">
+                                      <p:cBhvr>
+                                        <p:cTn id="25" dur="1000" fill="hold"/>
+                                        <p:tgtEl>
+                                          <p:spTgt spid="21">
+                                            <p:txEl>
+                                              <p:pRg st="2" end="2"/>
+                                            </p:txEl>
+                                          </p:spTgt>
+                                        </p:tgtEl>
+                                        <p:attrNameLst>
+                                          <p:attrName>ppt_x</p:attrName>
+                                        </p:attrNameLst>
+                                      </p:cBhvr>
+                                      <p:tavLst>
+                                        <p:tav tm="0">
+                                          <p:val>
+                                            <p:strVal val="#ppt_x"/>
+                                          </p:val>
+                                        </p:tav>
+                                        <p:tav tm="100000">
+                                          <p:val>
+                                            <p:strVal val="#ppt_x"/>
+                                          </p:val>
+                                        </p:tav>
+                                      </p:tavLst>
+                                    </p:anim>
+                                    <p:anim calcmode="lin" valueType="num">
+                                      <p:cBhvr>
+                                        <p:cTn id="26" dur="1000" fill="hold"/>
+                                        <p:tgtEl>
+                                          <p:spTgt spid="21">
+                                            <p:txEl>
+                                              <p:pRg st="2" end="2"/>
+                                            </p:txEl>
+                                          </p:spTgt>
+                                        </p:tgtEl>
+                                        <p:attrNameLst>
+                                          <p:attrName>ppt_y</p:attrName>
+                                        </p:attrNameLst>
+                                      </p:cBhvr>
+                                      <p:tavLst>
+                                        <p:tav tm="0">
+                                          <p:val>
+                                            <p:strVal val="#ppt_y+.1"/>
+                                          </p:val>
+                                        </p:tav>
+                                        <p:tav tm="100000">
+                                          <p:val>
+                                            <p:strVal val="#ppt_y"/>
+                                          </p:val>
+                                        </p:tav>
+                                      </p:tavLst>
+                                    </p:anim>
+                                  </p:childTnLst>
+                                </p:cTn>
+                              </p:par>
+                            </p:childTnLst>
+                          </p:cTn>
+                        </p:par>
+                        <p:par>
+                          <p:cTn id="27" fill="hold">
+                            <p:stCondLst>
+                              <p:cond delay="3000"/>
+                            </p:stCondLst>
+                            <p:childTnLst>
+                              <p:par>
+                                <p:cTn id="28" presetID="42" presetClass="entr" presetSubtype="0" fill="hold" nodeType="afterEffect">
+                                  <p:stCondLst>
+                                    <p:cond delay="0"/>
+                                  </p:stCondLst>
+                                  <p:childTnLst>
+                                    <p:set>
+                                      <p:cBhvr>
+                                        <p:cTn id="29" dur="1" fill="hold">
+                                          <p:stCondLst>
+                                            <p:cond delay="0"/>
+                                          </p:stCondLst>
+                                        </p:cTn>
+                                        <p:tgtEl>
+                                          <p:spTgt spid="21">
+                                            <p:txEl>
+                                              <p:pRg st="3" end="3"/>
+                                            </p:txEl>
+                                          </p:spTgt>
+                                        </p:tgtEl>
+                                        <p:attrNameLst>
+                                          <p:attrName>style.visibility</p:attrName>
+                                        </p:attrNameLst>
+                                      </p:cBhvr>
+                                      <p:to>
+                                        <p:strVal val="visible"/>
+                                      </p:to>
+                                    </p:set>
+                                    <p:animEffect transition="in" filter="fade">
+                                      <p:cBhvr>
+                                        <p:cTn id="30" dur="1000"/>
+                                        <p:tgtEl>
+                                          <p:spTgt spid="21">
+                                            <p:txEl>
+                                              <p:pRg st="3" end="3"/>
+                                            </p:txEl>
+                                          </p:spTgt>
+                                        </p:tgtEl>
+                                      </p:cBhvr>
+                                    </p:animEffect>
+                                    <p:anim calcmode="lin" valueType="num">
+                                      <p:cBhvr>
+                                        <p:cTn id="31" dur="1000" fill="hold"/>
+                                        <p:tgtEl>
+                                          <p:spTgt spid="21">
+                                            <p:txEl>
+                                              <p:pRg st="3" end="3"/>
+                                            </p:txEl>
+                                          </p:spTgt>
+                                        </p:tgtEl>
+                                        <p:attrNameLst>
+                                          <p:attrName>ppt_x</p:attrName>
+                                        </p:attrNameLst>
+                                      </p:cBhvr>
+                                      <p:tavLst>
+                                        <p:tav tm="0">
+                                          <p:val>
+                                            <p:strVal val="#ppt_x"/>
+                                          </p:val>
+                                        </p:tav>
+                                        <p:tav tm="100000">
+                                          <p:val>
+                                            <p:strVal val="#ppt_x"/>
+                                          </p:val>
+                                        </p:tav>
+                                      </p:tavLst>
+                                    </p:anim>
+                                    <p:anim calcmode="lin" valueType="num">
+                                      <p:cBhvr>
+                                        <p:cTn id="32" dur="1000" fill="hold"/>
+                                        <p:tgtEl>
+                                          <p:spTgt spid="21">
+                                            <p:txEl>
+                                              <p:pRg st="3" end="3"/>
+                                            </p:txEl>
+                                          </p:spTgt>
                                         </p:tgtEl>
                                         <p:attrNameLst>
                                           <p:attrName>ppt_y</p:attrName>
@@ -6424,13 +6822,6 @@
               </a:rPr>
               <a:t>CTK37</a:t>
             </a:r>
-            <a:endParaRPr lang="en-US" sz="3600" dirty="0">
-              <a:solidFill>
-                <a:srgbClr val="00B404"/>
-              </a:solidFill>
-              <a:latin typeface="Segoe UI Semilight" pitchFamily="34" charset="0"/>
-              <a:cs typeface="Segoe UI Semilight" pitchFamily="34" charset="0"/>
-            </a:endParaRPr>
           </a:p>
         </p:txBody>
       </p:sp>
@@ -6678,16 +7069,6 @@
               </a:rPr>
               <a:t>Giao diện</a:t>
             </a:r>
-            <a:endParaRPr lang="en-US" sz="2400" dirty="0">
-              <a:solidFill>
-                <a:schemeClr val="tx1">
-                  <a:lumMod val="75000"/>
-                  <a:lumOff val="25000"/>
-                </a:schemeClr>
-              </a:solidFill>
-              <a:latin typeface="Segoe UI Light" pitchFamily="34" charset="0"/>
-              <a:cs typeface="Segoe UI Light" pitchFamily="34" charset="0"/>
-            </a:endParaRPr>
           </a:p>
         </p:txBody>
       </p:sp>
@@ -6749,16 +7130,6 @@
               </a:rPr>
               <a:t>Lời cảm ơn</a:t>
             </a:r>
-            <a:endParaRPr lang="en-US" sz="2400" dirty="0">
-              <a:solidFill>
-                <a:schemeClr val="tx1">
-                  <a:lumMod val="75000"/>
-                  <a:lumOff val="25000"/>
-                </a:schemeClr>
-              </a:solidFill>
-              <a:latin typeface="Segoe UI Light" pitchFamily="34" charset="0"/>
-              <a:cs typeface="Segoe UI Light" pitchFamily="34" charset="0"/>
-            </a:endParaRPr>
           </a:p>
         </p:txBody>
       </p:sp>
@@ -6862,16 +7233,6 @@
               </a:rPr>
               <a:t>Phương pháp</a:t>
             </a:r>
-            <a:endParaRPr lang="en-US" sz="2400" dirty="0">
-              <a:solidFill>
-                <a:schemeClr val="tx1">
-                  <a:lumMod val="75000"/>
-                  <a:lumOff val="25000"/>
-                </a:schemeClr>
-              </a:solidFill>
-              <a:latin typeface="Segoe UI Light" pitchFamily="34" charset="0"/>
-              <a:cs typeface="Segoe UI Light" pitchFamily="34" charset="0"/>
-            </a:endParaRPr>
           </a:p>
         </p:txBody>
       </p:sp>
@@ -7326,30 +7687,131 @@
                                   </p:childTnLst>
                                 </p:cTn>
                               </p:par>
+                              <p:par>
+                                <p:cTn id="16" presetID="42" presetClass="entr" presetSubtype="0" fill="hold" nodeType="withEffect">
+                                  <p:stCondLst>
+                                    <p:cond delay="0"/>
+                                  </p:stCondLst>
+                                  <p:childTnLst>
+                                    <p:set>
+                                      <p:cBhvr>
+                                        <p:cTn id="17" dur="1" fill="hold">
+                                          <p:stCondLst>
+                                            <p:cond delay="0"/>
+                                          </p:stCondLst>
+                                        </p:cTn>
+                                        <p:tgtEl>
+                                          <p:spTgt spid="21">
+                                            <p:txEl>
+                                              <p:pRg st="0" end="0"/>
+                                            </p:txEl>
+                                          </p:spTgt>
+                                        </p:tgtEl>
+                                        <p:attrNameLst>
+                                          <p:attrName>style.visibility</p:attrName>
+                                        </p:attrNameLst>
+                                      </p:cBhvr>
+                                      <p:to>
+                                        <p:strVal val="visible"/>
+                                      </p:to>
+                                    </p:set>
+                                    <p:animEffect transition="in" filter="fade">
+                                      <p:cBhvr>
+                                        <p:cTn id="18" dur="1000"/>
+                                        <p:tgtEl>
+                                          <p:spTgt spid="21">
+                                            <p:txEl>
+                                              <p:pRg st="0" end="0"/>
+                                            </p:txEl>
+                                          </p:spTgt>
+                                        </p:tgtEl>
+                                      </p:cBhvr>
+                                    </p:animEffect>
+                                    <p:anim calcmode="lin" valueType="num">
+                                      <p:cBhvr>
+                                        <p:cTn id="19" dur="1000" fill="hold"/>
+                                        <p:tgtEl>
+                                          <p:spTgt spid="21">
+                                            <p:txEl>
+                                              <p:pRg st="0" end="0"/>
+                                            </p:txEl>
+                                          </p:spTgt>
+                                        </p:tgtEl>
+                                        <p:attrNameLst>
+                                          <p:attrName>ppt_x</p:attrName>
+                                        </p:attrNameLst>
+                                      </p:cBhvr>
+                                      <p:tavLst>
+                                        <p:tav tm="0">
+                                          <p:val>
+                                            <p:strVal val="#ppt_x"/>
+                                          </p:val>
+                                        </p:tav>
+                                        <p:tav tm="100000">
+                                          <p:val>
+                                            <p:strVal val="#ppt_x"/>
+                                          </p:val>
+                                        </p:tav>
+                                      </p:tavLst>
+                                    </p:anim>
+                                    <p:anim calcmode="lin" valueType="num">
+                                      <p:cBhvr>
+                                        <p:cTn id="20" dur="1000" fill="hold"/>
+                                        <p:tgtEl>
+                                          <p:spTgt spid="21">
+                                            <p:txEl>
+                                              <p:pRg st="0" end="0"/>
+                                            </p:txEl>
+                                          </p:spTgt>
+                                        </p:tgtEl>
+                                        <p:attrNameLst>
+                                          <p:attrName>ppt_y</p:attrName>
+                                        </p:attrNameLst>
+                                      </p:cBhvr>
+                                      <p:tavLst>
+                                        <p:tav tm="0">
+                                          <p:val>
+                                            <p:strVal val="#ppt_y+.1"/>
+                                          </p:val>
+                                        </p:tav>
+                                        <p:tav tm="100000">
+                                          <p:val>
+                                            <p:strVal val="#ppt_y"/>
+                                          </p:val>
+                                        </p:tav>
+                                      </p:tavLst>
+                                    </p:anim>
+                                  </p:childTnLst>
+                                </p:cTn>
+                              </p:par>
                             </p:childTnLst>
                           </p:cTn>
                         </p:par>
                         <p:par>
-                          <p:cTn id="16" fill="hold">
+                          <p:cTn id="21" fill="hold">
                             <p:stCondLst>
                               <p:cond delay="2000"/>
                             </p:stCondLst>
                             <p:childTnLst>
                               <p:par>
-                                <p:cTn id="17" presetID="42" presetClass="entr" presetSubtype="0" fill="hold" nodeType="afterEffect">
+                                <p:cTn id="22" presetID="42" presetClass="entr" presetSubtype="0" fill="hold" nodeType="afterEffect">
                                   <p:stCondLst>
                                     <p:cond delay="0"/>
                                   </p:stCondLst>
                                   <p:childTnLst>
                                     <p:set>
                                       <p:cBhvr>
-                                        <p:cTn id="18" dur="1" fill="hold">
+                                        <p:cTn id="23" dur="1" fill="hold">
                                           <p:stCondLst>
                                             <p:cond delay="0"/>
                                           </p:stCondLst>
                                         </p:cTn>
                                         <p:tgtEl>
-                                          <p:spTgt spid="22"/>
+                                          <p:spTgt spid="21">
+                                            <p:txEl>
+                                              <p:pRg st="1" end="1"/>
+                                            </p:txEl>
+                                          </p:spTgt>
                                         </p:tgtEl>
                                         <p:attrNameLst>
                                           <p:attrName>style.visibility</p:attrName>
@@ -7361,17 +7823,25 @@
                                     </p:set>
                                     <p:animEffect transition="in" filter="fade">
                                       <p:cBhvr>
-                                        <p:cTn id="19" dur="1000"/>
-                                        <p:tgtEl>
-                                          <p:spTgt spid="22"/>
+                                        <p:cTn id="24" dur="1000"/>
+                                        <p:tgtEl>
+                                          <p:spTgt spid="21">
+                                            <p:txEl>
+                                              <p:pRg st="1" end="1"/>
+                                            </p:txEl>
+                                          </p:spTgt>
                                         </p:tgtEl>
                                       </p:cBhvr>
                                     </p:animEffect>
                                     <p:anim calcmode="lin" valueType="num">
                                       <p:cBhvr>
-                                        <p:cTn id="20" dur="1000" fill="hold"/>
-                                        <p:tgtEl>
-                                          <p:spTgt spid="22"/>
+                                        <p:cTn id="25" dur="1000" fill="hold"/>
+                                        <p:tgtEl>
+                                          <p:spTgt spid="21">
+                                            <p:txEl>
+                                              <p:pRg st="1" end="1"/>
+                                            </p:txEl>
+                                          </p:spTgt>
                                         </p:tgtEl>
                                         <p:attrNameLst>
                                           <p:attrName>ppt_x</p:attrName>
@@ -7392,7 +7862,525 @@
                                     </p:anim>
                                     <p:anim calcmode="lin" valueType="num">
                                       <p:cBhvr>
-                                        <p:cTn id="21" dur="1000" fill="hold"/>
+                                        <p:cTn id="26" dur="1000" fill="hold"/>
+                                        <p:tgtEl>
+                                          <p:spTgt spid="21">
+                                            <p:txEl>
+                                              <p:pRg st="1" end="1"/>
+                                            </p:txEl>
+                                          </p:spTgt>
+                                        </p:tgtEl>
+                                        <p:attrNameLst>
+                                          <p:attrName>ppt_y</p:attrName>
+                                        </p:attrNameLst>
+                                      </p:cBhvr>
+                                      <p:tavLst>
+                                        <p:tav tm="0">
+                                          <p:val>
+                                            <p:strVal val="#ppt_y+.1"/>
+                                          </p:val>
+                                        </p:tav>
+                                        <p:tav tm="100000">
+                                          <p:val>
+                                            <p:strVal val="#ppt_y"/>
+                                          </p:val>
+                                        </p:tav>
+                                      </p:tavLst>
+                                    </p:anim>
+                                  </p:childTnLst>
+                                </p:cTn>
+                              </p:par>
+                            </p:childTnLst>
+                          </p:cTn>
+                        </p:par>
+                        <p:par>
+                          <p:cTn id="27" fill="hold">
+                            <p:stCondLst>
+                              <p:cond delay="3000"/>
+                            </p:stCondLst>
+                            <p:childTnLst>
+                              <p:par>
+                                <p:cTn id="28" presetID="42" presetClass="entr" presetSubtype="0" fill="hold" nodeType="afterEffect">
+                                  <p:stCondLst>
+                                    <p:cond delay="0"/>
+                                  </p:stCondLst>
+                                  <p:childTnLst>
+                                    <p:set>
+                                      <p:cBhvr>
+                                        <p:cTn id="29" dur="1" fill="hold">
+                                          <p:stCondLst>
+                                            <p:cond delay="0"/>
+                                          </p:stCondLst>
+                                        </p:cTn>
+                                        <p:tgtEl>
+                                          <p:spTgt spid="21">
+                                            <p:txEl>
+                                              <p:pRg st="2" end="2"/>
+                                            </p:txEl>
+                                          </p:spTgt>
+                                        </p:tgtEl>
+                                        <p:attrNameLst>
+                                          <p:attrName>style.visibility</p:attrName>
+                                        </p:attrNameLst>
+                                      </p:cBhvr>
+                                      <p:to>
+                                        <p:strVal val="visible"/>
+                                      </p:to>
+                                    </p:set>
+                                    <p:animEffect transition="in" filter="fade">
+                                      <p:cBhvr>
+                                        <p:cTn id="30" dur="1000"/>
+                                        <p:tgtEl>
+                                          <p:spTgt spid="21">
+                                            <p:txEl>
+                                              <p:pRg st="2" end="2"/>
+                                            </p:txEl>
+                                          </p:spTgt>
+                                        </p:tgtEl>
+                                      </p:cBhvr>
+                                    </p:animEffect>
+                                    <p:anim calcmode="lin" valueType="num">
+                                      <p:cBhvr>
+                                        <p:cTn id="31" dur="1000" fill="hold"/>
+                                        <p:tgtEl>
+                                          <p:spTgt spid="21">
+                                            <p:txEl>
+                                              <p:pRg st="2" end="2"/>
+                                            </p:txEl>
+                                          </p:spTgt>
+                                        </p:tgtEl>
+                                        <p:attrNameLst>
+                                          <p:attrName>ppt_x</p:attrName>
+                                        </p:attrNameLst>
+                                      </p:cBhvr>
+                                      <p:tavLst>
+                                        <p:tav tm="0">
+                                          <p:val>
+                                            <p:strVal val="#ppt_x"/>
+                                          </p:val>
+                                        </p:tav>
+                                        <p:tav tm="100000">
+                                          <p:val>
+                                            <p:strVal val="#ppt_x"/>
+                                          </p:val>
+                                        </p:tav>
+                                      </p:tavLst>
+                                    </p:anim>
+                                    <p:anim calcmode="lin" valueType="num">
+                                      <p:cBhvr>
+                                        <p:cTn id="32" dur="1000" fill="hold"/>
+                                        <p:tgtEl>
+                                          <p:spTgt spid="21">
+                                            <p:txEl>
+                                              <p:pRg st="2" end="2"/>
+                                            </p:txEl>
+                                          </p:spTgt>
+                                        </p:tgtEl>
+                                        <p:attrNameLst>
+                                          <p:attrName>ppt_y</p:attrName>
+                                        </p:attrNameLst>
+                                      </p:cBhvr>
+                                      <p:tavLst>
+                                        <p:tav tm="0">
+                                          <p:val>
+                                            <p:strVal val="#ppt_y+.1"/>
+                                          </p:val>
+                                        </p:tav>
+                                        <p:tav tm="100000">
+                                          <p:val>
+                                            <p:strVal val="#ppt_y"/>
+                                          </p:val>
+                                        </p:tav>
+                                      </p:tavLst>
+                                    </p:anim>
+                                  </p:childTnLst>
+                                </p:cTn>
+                              </p:par>
+                            </p:childTnLst>
+                          </p:cTn>
+                        </p:par>
+                        <p:par>
+                          <p:cTn id="33" fill="hold">
+                            <p:stCondLst>
+                              <p:cond delay="4000"/>
+                            </p:stCondLst>
+                            <p:childTnLst>
+                              <p:par>
+                                <p:cTn id="34" presetID="42" presetClass="entr" presetSubtype="0" fill="hold" nodeType="afterEffect">
+                                  <p:stCondLst>
+                                    <p:cond delay="0"/>
+                                  </p:stCondLst>
+                                  <p:childTnLst>
+                                    <p:set>
+                                      <p:cBhvr>
+                                        <p:cTn id="35" dur="1" fill="hold">
+                                          <p:stCondLst>
+                                            <p:cond delay="0"/>
+                                          </p:stCondLst>
+                                        </p:cTn>
+                                        <p:tgtEl>
+                                          <p:spTgt spid="21">
+                                            <p:txEl>
+                                              <p:pRg st="3" end="3"/>
+                                            </p:txEl>
+                                          </p:spTgt>
+                                        </p:tgtEl>
+                                        <p:attrNameLst>
+                                          <p:attrName>style.visibility</p:attrName>
+                                        </p:attrNameLst>
+                                      </p:cBhvr>
+                                      <p:to>
+                                        <p:strVal val="visible"/>
+                                      </p:to>
+                                    </p:set>
+                                    <p:animEffect transition="in" filter="fade">
+                                      <p:cBhvr>
+                                        <p:cTn id="36" dur="1000"/>
+                                        <p:tgtEl>
+                                          <p:spTgt spid="21">
+                                            <p:txEl>
+                                              <p:pRg st="3" end="3"/>
+                                            </p:txEl>
+                                          </p:spTgt>
+                                        </p:tgtEl>
+                                      </p:cBhvr>
+                                    </p:animEffect>
+                                    <p:anim calcmode="lin" valueType="num">
+                                      <p:cBhvr>
+                                        <p:cTn id="37" dur="1000" fill="hold"/>
+                                        <p:tgtEl>
+                                          <p:spTgt spid="21">
+                                            <p:txEl>
+                                              <p:pRg st="3" end="3"/>
+                                            </p:txEl>
+                                          </p:spTgt>
+                                        </p:tgtEl>
+                                        <p:attrNameLst>
+                                          <p:attrName>ppt_x</p:attrName>
+                                        </p:attrNameLst>
+                                      </p:cBhvr>
+                                      <p:tavLst>
+                                        <p:tav tm="0">
+                                          <p:val>
+                                            <p:strVal val="#ppt_x"/>
+                                          </p:val>
+                                        </p:tav>
+                                        <p:tav tm="100000">
+                                          <p:val>
+                                            <p:strVal val="#ppt_x"/>
+                                          </p:val>
+                                        </p:tav>
+                                      </p:tavLst>
+                                    </p:anim>
+                                    <p:anim calcmode="lin" valueType="num">
+                                      <p:cBhvr>
+                                        <p:cTn id="38" dur="1000" fill="hold"/>
+                                        <p:tgtEl>
+                                          <p:spTgt spid="21">
+                                            <p:txEl>
+                                              <p:pRg st="3" end="3"/>
+                                            </p:txEl>
+                                          </p:spTgt>
+                                        </p:tgtEl>
+                                        <p:attrNameLst>
+                                          <p:attrName>ppt_y</p:attrName>
+                                        </p:attrNameLst>
+                                      </p:cBhvr>
+                                      <p:tavLst>
+                                        <p:tav tm="0">
+                                          <p:val>
+                                            <p:strVal val="#ppt_y+.1"/>
+                                          </p:val>
+                                        </p:tav>
+                                        <p:tav tm="100000">
+                                          <p:val>
+                                            <p:strVal val="#ppt_y"/>
+                                          </p:val>
+                                        </p:tav>
+                                      </p:tavLst>
+                                    </p:anim>
+                                  </p:childTnLst>
+                                </p:cTn>
+                              </p:par>
+                            </p:childTnLst>
+                          </p:cTn>
+                        </p:par>
+                        <p:par>
+                          <p:cTn id="39" fill="hold">
+                            <p:stCondLst>
+                              <p:cond delay="5000"/>
+                            </p:stCondLst>
+                            <p:childTnLst>
+                              <p:par>
+                                <p:cTn id="40" presetID="42" presetClass="entr" presetSubtype="0" fill="hold" nodeType="afterEffect">
+                                  <p:stCondLst>
+                                    <p:cond delay="0"/>
+                                  </p:stCondLst>
+                                  <p:childTnLst>
+                                    <p:set>
+                                      <p:cBhvr>
+                                        <p:cTn id="41" dur="1" fill="hold">
+                                          <p:stCondLst>
+                                            <p:cond delay="0"/>
+                                          </p:stCondLst>
+                                        </p:cTn>
+                                        <p:tgtEl>
+                                          <p:spTgt spid="21">
+                                            <p:txEl>
+                                              <p:pRg st="4" end="4"/>
+                                            </p:txEl>
+                                          </p:spTgt>
+                                        </p:tgtEl>
+                                        <p:attrNameLst>
+                                          <p:attrName>style.visibility</p:attrName>
+                                        </p:attrNameLst>
+                                      </p:cBhvr>
+                                      <p:to>
+                                        <p:strVal val="visible"/>
+                                      </p:to>
+                                    </p:set>
+                                    <p:animEffect transition="in" filter="fade">
+                                      <p:cBhvr>
+                                        <p:cTn id="42" dur="1000"/>
+                                        <p:tgtEl>
+                                          <p:spTgt spid="21">
+                                            <p:txEl>
+                                              <p:pRg st="4" end="4"/>
+                                            </p:txEl>
+                                          </p:spTgt>
+                                        </p:tgtEl>
+                                      </p:cBhvr>
+                                    </p:animEffect>
+                                    <p:anim calcmode="lin" valueType="num">
+                                      <p:cBhvr>
+                                        <p:cTn id="43" dur="1000" fill="hold"/>
+                                        <p:tgtEl>
+                                          <p:spTgt spid="21">
+                                            <p:txEl>
+                                              <p:pRg st="4" end="4"/>
+                                            </p:txEl>
+                                          </p:spTgt>
+                                        </p:tgtEl>
+                                        <p:attrNameLst>
+                                          <p:attrName>ppt_x</p:attrName>
+                                        </p:attrNameLst>
+                                      </p:cBhvr>
+                                      <p:tavLst>
+                                        <p:tav tm="0">
+                                          <p:val>
+                                            <p:strVal val="#ppt_x"/>
+                                          </p:val>
+                                        </p:tav>
+                                        <p:tav tm="100000">
+                                          <p:val>
+                                            <p:strVal val="#ppt_x"/>
+                                          </p:val>
+                                        </p:tav>
+                                      </p:tavLst>
+                                    </p:anim>
+                                    <p:anim calcmode="lin" valueType="num">
+                                      <p:cBhvr>
+                                        <p:cTn id="44" dur="1000" fill="hold"/>
+                                        <p:tgtEl>
+                                          <p:spTgt spid="21">
+                                            <p:txEl>
+                                              <p:pRg st="4" end="4"/>
+                                            </p:txEl>
+                                          </p:spTgt>
+                                        </p:tgtEl>
+                                        <p:attrNameLst>
+                                          <p:attrName>ppt_y</p:attrName>
+                                        </p:attrNameLst>
+                                      </p:cBhvr>
+                                      <p:tavLst>
+                                        <p:tav tm="0">
+                                          <p:val>
+                                            <p:strVal val="#ppt_y+.1"/>
+                                          </p:val>
+                                        </p:tav>
+                                        <p:tav tm="100000">
+                                          <p:val>
+                                            <p:strVal val="#ppt_y"/>
+                                          </p:val>
+                                        </p:tav>
+                                      </p:tavLst>
+                                    </p:anim>
+                                  </p:childTnLst>
+                                </p:cTn>
+                              </p:par>
+                            </p:childTnLst>
+                          </p:cTn>
+                        </p:par>
+                        <p:par>
+                          <p:cTn id="45" fill="hold">
+                            <p:stCondLst>
+                              <p:cond delay="6000"/>
+                            </p:stCondLst>
+                            <p:childTnLst>
+                              <p:par>
+                                <p:cTn id="46" presetID="42" presetClass="entr" presetSubtype="0" fill="hold" nodeType="afterEffect">
+                                  <p:stCondLst>
+                                    <p:cond delay="0"/>
+                                  </p:stCondLst>
+                                  <p:childTnLst>
+                                    <p:set>
+                                      <p:cBhvr>
+                                        <p:cTn id="47" dur="1" fill="hold">
+                                          <p:stCondLst>
+                                            <p:cond delay="0"/>
+                                          </p:stCondLst>
+                                        </p:cTn>
+                                        <p:tgtEl>
+                                          <p:spTgt spid="21">
+                                            <p:txEl>
+                                              <p:pRg st="5" end="5"/>
+                                            </p:txEl>
+                                          </p:spTgt>
+                                        </p:tgtEl>
+                                        <p:attrNameLst>
+                                          <p:attrName>style.visibility</p:attrName>
+                                        </p:attrNameLst>
+                                      </p:cBhvr>
+                                      <p:to>
+                                        <p:strVal val="visible"/>
+                                      </p:to>
+                                    </p:set>
+                                    <p:animEffect transition="in" filter="fade">
+                                      <p:cBhvr>
+                                        <p:cTn id="48" dur="1000"/>
+                                        <p:tgtEl>
+                                          <p:spTgt spid="21">
+                                            <p:txEl>
+                                              <p:pRg st="5" end="5"/>
+                                            </p:txEl>
+                                          </p:spTgt>
+                                        </p:tgtEl>
+                                      </p:cBhvr>
+                                    </p:animEffect>
+                                    <p:anim calcmode="lin" valueType="num">
+                                      <p:cBhvr>
+                                        <p:cTn id="49" dur="1000" fill="hold"/>
+                                        <p:tgtEl>
+                                          <p:spTgt spid="21">
+                                            <p:txEl>
+                                              <p:pRg st="5" end="5"/>
+                                            </p:txEl>
+                                          </p:spTgt>
+                                        </p:tgtEl>
+                                        <p:attrNameLst>
+                                          <p:attrName>ppt_x</p:attrName>
+                                        </p:attrNameLst>
+                                      </p:cBhvr>
+                                      <p:tavLst>
+                                        <p:tav tm="0">
+                                          <p:val>
+                                            <p:strVal val="#ppt_x"/>
+                                          </p:val>
+                                        </p:tav>
+                                        <p:tav tm="100000">
+                                          <p:val>
+                                            <p:strVal val="#ppt_x"/>
+                                          </p:val>
+                                        </p:tav>
+                                      </p:tavLst>
+                                    </p:anim>
+                                    <p:anim calcmode="lin" valueType="num">
+                                      <p:cBhvr>
+                                        <p:cTn id="50" dur="1000" fill="hold"/>
+                                        <p:tgtEl>
+                                          <p:spTgt spid="21">
+                                            <p:txEl>
+                                              <p:pRg st="5" end="5"/>
+                                            </p:txEl>
+                                          </p:spTgt>
+                                        </p:tgtEl>
+                                        <p:attrNameLst>
+                                          <p:attrName>ppt_y</p:attrName>
+                                        </p:attrNameLst>
+                                      </p:cBhvr>
+                                      <p:tavLst>
+                                        <p:tav tm="0">
+                                          <p:val>
+                                            <p:strVal val="#ppt_y+.1"/>
+                                          </p:val>
+                                        </p:tav>
+                                        <p:tav tm="100000">
+                                          <p:val>
+                                            <p:strVal val="#ppt_y"/>
+                                          </p:val>
+                                        </p:tav>
+                                      </p:tavLst>
+                                    </p:anim>
+                                  </p:childTnLst>
+                                </p:cTn>
+                              </p:par>
+                            </p:childTnLst>
+                          </p:cTn>
+                        </p:par>
+                        <p:par>
+                          <p:cTn id="51" fill="hold">
+                            <p:stCondLst>
+                              <p:cond delay="7000"/>
+                            </p:stCondLst>
+                            <p:childTnLst>
+                              <p:par>
+                                <p:cTn id="52" presetID="42" presetClass="entr" presetSubtype="0" fill="hold" nodeType="afterEffect">
+                                  <p:stCondLst>
+                                    <p:cond delay="0"/>
+                                  </p:stCondLst>
+                                  <p:childTnLst>
+                                    <p:set>
+                                      <p:cBhvr>
+                                        <p:cTn id="53" dur="1" fill="hold">
+                                          <p:stCondLst>
+                                            <p:cond delay="0"/>
+                                          </p:stCondLst>
+                                        </p:cTn>
+                                        <p:tgtEl>
+                                          <p:spTgt spid="22"/>
+                                        </p:tgtEl>
+                                        <p:attrNameLst>
+                                          <p:attrName>style.visibility</p:attrName>
+                                        </p:attrNameLst>
+                                      </p:cBhvr>
+                                      <p:to>
+                                        <p:strVal val="visible"/>
+                                      </p:to>
+                                    </p:set>
+                                    <p:animEffect transition="in" filter="fade">
+                                      <p:cBhvr>
+                                        <p:cTn id="54" dur="1000"/>
+                                        <p:tgtEl>
+                                          <p:spTgt spid="22"/>
+                                        </p:tgtEl>
+                                      </p:cBhvr>
+                                    </p:animEffect>
+                                    <p:anim calcmode="lin" valueType="num">
+                                      <p:cBhvr>
+                                        <p:cTn id="55" dur="1000" fill="hold"/>
+                                        <p:tgtEl>
+                                          <p:spTgt spid="22"/>
+                                        </p:tgtEl>
+                                        <p:attrNameLst>
+                                          <p:attrName>ppt_x</p:attrName>
+                                        </p:attrNameLst>
+                                      </p:cBhvr>
+                                      <p:tavLst>
+                                        <p:tav tm="0">
+                                          <p:val>
+                                            <p:strVal val="#ppt_x"/>
+                                          </p:val>
+                                        </p:tav>
+                                        <p:tav tm="100000">
+                                          <p:val>
+                                            <p:strVal val="#ppt_x"/>
+                                          </p:val>
+                                        </p:tav>
+                                      </p:tavLst>
+                                    </p:anim>
+                                    <p:anim calcmode="lin" valueType="num">
+                                      <p:cBhvr>
+                                        <p:cTn id="56" dur="1000" fill="hold"/>
                                         <p:tgtEl>
                                           <p:spTgt spid="22"/>
                                         </p:tgtEl>
@@ -7548,13 +8536,6 @@
               </a:rPr>
               <a:t>CTK37</a:t>
             </a:r>
-            <a:endParaRPr lang="en-US" sz="3600" dirty="0">
-              <a:solidFill>
-                <a:srgbClr val="00B404"/>
-              </a:solidFill>
-              <a:latin typeface="Segoe UI Semilight" pitchFamily="34" charset="0"/>
-              <a:cs typeface="Segoe UI Semilight" pitchFamily="34" charset="0"/>
-            </a:endParaRPr>
           </a:p>
         </p:txBody>
       </p:sp>
@@ -7802,16 +8783,6 @@
               </a:rPr>
               <a:t>Giao diện</a:t>
             </a:r>
-            <a:endParaRPr lang="en-US" sz="2400" dirty="0">
-              <a:solidFill>
-                <a:schemeClr val="tx1">
-                  <a:lumMod val="75000"/>
-                  <a:lumOff val="25000"/>
-                </a:schemeClr>
-              </a:solidFill>
-              <a:latin typeface="Segoe UI Light" pitchFamily="34" charset="0"/>
-              <a:cs typeface="Segoe UI Light" pitchFamily="34" charset="0"/>
-            </a:endParaRPr>
           </a:p>
         </p:txBody>
       </p:sp>
@@ -7873,16 +8844,6 @@
               </a:rPr>
               <a:t>Lời cảm ơn</a:t>
             </a:r>
-            <a:endParaRPr lang="en-US" sz="2400" dirty="0">
-              <a:solidFill>
-                <a:schemeClr val="tx1">
-                  <a:lumMod val="75000"/>
-                  <a:lumOff val="25000"/>
-                </a:schemeClr>
-              </a:solidFill>
-              <a:latin typeface="Segoe UI Light" pitchFamily="34" charset="0"/>
-              <a:cs typeface="Segoe UI Light" pitchFamily="34" charset="0"/>
-            </a:endParaRPr>
           </a:p>
         </p:txBody>
       </p:sp>
@@ -7986,16 +8947,6 @@
               </a:rPr>
               <a:t>Phương pháp</a:t>
             </a:r>
-            <a:endParaRPr lang="en-US" sz="2400" dirty="0">
-              <a:solidFill>
-                <a:schemeClr val="tx1">
-                  <a:lumMod val="75000"/>
-                  <a:lumOff val="25000"/>
-                </a:schemeClr>
-              </a:solidFill>
-              <a:latin typeface="Segoe UI Light" pitchFamily="34" charset="0"/>
-              <a:cs typeface="Segoe UI Light" pitchFamily="34" charset="0"/>
-            </a:endParaRPr>
           </a:p>
         </p:txBody>
       </p:sp>
@@ -8360,30 +9311,131 @@
                                   </p:childTnLst>
                                 </p:cTn>
                               </p:par>
+                              <p:par>
+                                <p:cTn id="10" presetID="42" presetClass="entr" presetSubtype="0" fill="hold" nodeType="withEffect">
+                                  <p:stCondLst>
+                                    <p:cond delay="0"/>
+                                  </p:stCondLst>
+                                  <p:childTnLst>
+                                    <p:set>
+                                      <p:cBhvr>
+                                        <p:cTn id="11" dur="1" fill="hold">
+                                          <p:stCondLst>
+                                            <p:cond delay="0"/>
+                                          </p:stCondLst>
+                                        </p:cTn>
+                                        <p:tgtEl>
+                                          <p:spTgt spid="21">
+                                            <p:txEl>
+                                              <p:pRg st="0" end="0"/>
+                                            </p:txEl>
+                                          </p:spTgt>
+                                        </p:tgtEl>
+                                        <p:attrNameLst>
+                                          <p:attrName>style.visibility</p:attrName>
+                                        </p:attrNameLst>
+                                      </p:cBhvr>
+                                      <p:to>
+                                        <p:strVal val="visible"/>
+                                      </p:to>
+                                    </p:set>
+                                    <p:animEffect transition="in" filter="fade">
+                                      <p:cBhvr>
+                                        <p:cTn id="12" dur="1000"/>
+                                        <p:tgtEl>
+                                          <p:spTgt spid="21">
+                                            <p:txEl>
+                                              <p:pRg st="0" end="0"/>
+                                            </p:txEl>
+                                          </p:spTgt>
+                                        </p:tgtEl>
+                                      </p:cBhvr>
+                                    </p:animEffect>
+                                    <p:anim calcmode="lin" valueType="num">
+                                      <p:cBhvr>
+                                        <p:cTn id="13" dur="1000" fill="hold"/>
+                                        <p:tgtEl>
+                                          <p:spTgt spid="21">
+                                            <p:txEl>
+                                              <p:pRg st="0" end="0"/>
+                                            </p:txEl>
+                                          </p:spTgt>
+                                        </p:tgtEl>
+                                        <p:attrNameLst>
+                                          <p:attrName>ppt_x</p:attrName>
+                                        </p:attrNameLst>
+                                      </p:cBhvr>
+                                      <p:tavLst>
+                                        <p:tav tm="0">
+                                          <p:val>
+                                            <p:strVal val="#ppt_x"/>
+                                          </p:val>
+                                        </p:tav>
+                                        <p:tav tm="100000">
+                                          <p:val>
+                                            <p:strVal val="#ppt_x"/>
+                                          </p:val>
+                                        </p:tav>
+                                      </p:tavLst>
+                                    </p:anim>
+                                    <p:anim calcmode="lin" valueType="num">
+                                      <p:cBhvr>
+                                        <p:cTn id="14" dur="1000" fill="hold"/>
+                                        <p:tgtEl>
+                                          <p:spTgt spid="21">
+                                            <p:txEl>
+                                              <p:pRg st="0" end="0"/>
+                                            </p:txEl>
+                                          </p:spTgt>
+                                        </p:tgtEl>
+                                        <p:attrNameLst>
+                                          <p:attrName>ppt_y</p:attrName>
+                                        </p:attrNameLst>
+                                      </p:cBhvr>
+                                      <p:tavLst>
+                                        <p:tav tm="0">
+                                          <p:val>
+                                            <p:strVal val="#ppt_y+.1"/>
+                                          </p:val>
+                                        </p:tav>
+                                        <p:tav tm="100000">
+                                          <p:val>
+                                            <p:strVal val="#ppt_y"/>
+                                          </p:val>
+                                        </p:tav>
+                                      </p:tavLst>
+                                    </p:anim>
+                                  </p:childTnLst>
+                                </p:cTn>
+                              </p:par>
                             </p:childTnLst>
                           </p:cTn>
                         </p:par>
                         <p:par>
-                          <p:cTn id="10" fill="hold">
+                          <p:cTn id="15" fill="hold">
                             <p:stCondLst>
                               <p:cond delay="1000"/>
                             </p:stCondLst>
                             <p:childTnLst>
                               <p:par>
-                                <p:cTn id="11" presetID="42" presetClass="entr" presetSubtype="0" fill="hold" nodeType="afterEffect">
+                                <p:cTn id="16" presetID="42" presetClass="entr" presetSubtype="0" fill="hold" nodeType="afterEffect">
                                   <p:stCondLst>
                                     <p:cond delay="0"/>
                                   </p:stCondLst>
                                   <p:childTnLst>
                                     <p:set>
                                       <p:cBhvr>
-                                        <p:cTn id="12" dur="1" fill="hold">
+                                        <p:cTn id="17" dur="1" fill="hold">
                                           <p:stCondLst>
                                             <p:cond delay="0"/>
                                           </p:stCondLst>
                                         </p:cTn>
                                         <p:tgtEl>
-                                          <p:spTgt spid="18"/>
+                                          <p:spTgt spid="21">
+                                            <p:txEl>
+                                              <p:pRg st="1" end="1"/>
+                                            </p:txEl>
+                                          </p:spTgt>
                                         </p:tgtEl>
                                         <p:attrNameLst>
                                           <p:attrName>style.visibility</p:attrName>
@@ -8395,17 +9447,25 @@
                                     </p:set>
                                     <p:animEffect transition="in" filter="fade">
                                       <p:cBhvr>
-                                        <p:cTn id="13" dur="1000"/>
-                                        <p:tgtEl>
-                                          <p:spTgt spid="18"/>
+                                        <p:cTn id="18" dur="1000"/>
+                                        <p:tgtEl>
+                                          <p:spTgt spid="21">
+                                            <p:txEl>
+                                              <p:pRg st="1" end="1"/>
+                                            </p:txEl>
+                                          </p:spTgt>
                                         </p:tgtEl>
                                       </p:cBhvr>
                                     </p:animEffect>
                                     <p:anim calcmode="lin" valueType="num">
                                       <p:cBhvr>
-                                        <p:cTn id="14" dur="1000" fill="hold"/>
-                                        <p:tgtEl>
-                                          <p:spTgt spid="18"/>
+                                        <p:cTn id="19" dur="1000" fill="hold"/>
+                                        <p:tgtEl>
+                                          <p:spTgt spid="21">
+                                            <p:txEl>
+                                              <p:pRg st="1" end="1"/>
+                                            </p:txEl>
+                                          </p:spTgt>
                                         </p:tgtEl>
                                         <p:attrNameLst>
                                           <p:attrName>ppt_x</p:attrName>
@@ -8426,7 +9486,525 @@
                                     </p:anim>
                                     <p:anim calcmode="lin" valueType="num">
                                       <p:cBhvr>
-                                        <p:cTn id="15" dur="1000" fill="hold"/>
+                                        <p:cTn id="20" dur="1000" fill="hold"/>
+                                        <p:tgtEl>
+                                          <p:spTgt spid="21">
+                                            <p:txEl>
+                                              <p:pRg st="1" end="1"/>
+                                            </p:txEl>
+                                          </p:spTgt>
+                                        </p:tgtEl>
+                                        <p:attrNameLst>
+                                          <p:attrName>ppt_y</p:attrName>
+                                        </p:attrNameLst>
+                                      </p:cBhvr>
+                                      <p:tavLst>
+                                        <p:tav tm="0">
+                                          <p:val>
+                                            <p:strVal val="#ppt_y+.1"/>
+                                          </p:val>
+                                        </p:tav>
+                                        <p:tav tm="100000">
+                                          <p:val>
+                                            <p:strVal val="#ppt_y"/>
+                                          </p:val>
+                                        </p:tav>
+                                      </p:tavLst>
+                                    </p:anim>
+                                  </p:childTnLst>
+                                </p:cTn>
+                              </p:par>
+                            </p:childTnLst>
+                          </p:cTn>
+                        </p:par>
+                        <p:par>
+                          <p:cTn id="21" fill="hold">
+                            <p:stCondLst>
+                              <p:cond delay="2000"/>
+                            </p:stCondLst>
+                            <p:childTnLst>
+                              <p:par>
+                                <p:cTn id="22" presetID="42" presetClass="entr" presetSubtype="0" fill="hold" nodeType="afterEffect">
+                                  <p:stCondLst>
+                                    <p:cond delay="0"/>
+                                  </p:stCondLst>
+                                  <p:childTnLst>
+                                    <p:set>
+                                      <p:cBhvr>
+                                        <p:cTn id="23" dur="1" fill="hold">
+                                          <p:stCondLst>
+                                            <p:cond delay="0"/>
+                                          </p:stCondLst>
+                                        </p:cTn>
+                                        <p:tgtEl>
+                                          <p:spTgt spid="21">
+                                            <p:txEl>
+                                              <p:pRg st="2" end="2"/>
+                                            </p:txEl>
+                                          </p:spTgt>
+                                        </p:tgtEl>
+                                        <p:attrNameLst>
+                                          <p:attrName>style.visibility</p:attrName>
+                                        </p:attrNameLst>
+                                      </p:cBhvr>
+                                      <p:to>
+                                        <p:strVal val="visible"/>
+                                      </p:to>
+                                    </p:set>
+                                    <p:animEffect transition="in" filter="fade">
+                                      <p:cBhvr>
+                                        <p:cTn id="24" dur="1000"/>
+                                        <p:tgtEl>
+                                          <p:spTgt spid="21">
+                                            <p:txEl>
+                                              <p:pRg st="2" end="2"/>
+                                            </p:txEl>
+                                          </p:spTgt>
+                                        </p:tgtEl>
+                                      </p:cBhvr>
+                                    </p:animEffect>
+                                    <p:anim calcmode="lin" valueType="num">
+                                      <p:cBhvr>
+                                        <p:cTn id="25" dur="1000" fill="hold"/>
+                                        <p:tgtEl>
+                                          <p:spTgt spid="21">
+                                            <p:txEl>
+                                              <p:pRg st="2" end="2"/>
+                                            </p:txEl>
+                                          </p:spTgt>
+                                        </p:tgtEl>
+                                        <p:attrNameLst>
+                                          <p:attrName>ppt_x</p:attrName>
+                                        </p:attrNameLst>
+                                      </p:cBhvr>
+                                      <p:tavLst>
+                                        <p:tav tm="0">
+                                          <p:val>
+                                            <p:strVal val="#ppt_x"/>
+                                          </p:val>
+                                        </p:tav>
+                                        <p:tav tm="100000">
+                                          <p:val>
+                                            <p:strVal val="#ppt_x"/>
+                                          </p:val>
+                                        </p:tav>
+                                      </p:tavLst>
+                                    </p:anim>
+                                    <p:anim calcmode="lin" valueType="num">
+                                      <p:cBhvr>
+                                        <p:cTn id="26" dur="1000" fill="hold"/>
+                                        <p:tgtEl>
+                                          <p:spTgt spid="21">
+                                            <p:txEl>
+                                              <p:pRg st="2" end="2"/>
+                                            </p:txEl>
+                                          </p:spTgt>
+                                        </p:tgtEl>
+                                        <p:attrNameLst>
+                                          <p:attrName>ppt_y</p:attrName>
+                                        </p:attrNameLst>
+                                      </p:cBhvr>
+                                      <p:tavLst>
+                                        <p:tav tm="0">
+                                          <p:val>
+                                            <p:strVal val="#ppt_y+.1"/>
+                                          </p:val>
+                                        </p:tav>
+                                        <p:tav tm="100000">
+                                          <p:val>
+                                            <p:strVal val="#ppt_y"/>
+                                          </p:val>
+                                        </p:tav>
+                                      </p:tavLst>
+                                    </p:anim>
+                                  </p:childTnLst>
+                                </p:cTn>
+                              </p:par>
+                            </p:childTnLst>
+                          </p:cTn>
+                        </p:par>
+                        <p:par>
+                          <p:cTn id="27" fill="hold">
+                            <p:stCondLst>
+                              <p:cond delay="3000"/>
+                            </p:stCondLst>
+                            <p:childTnLst>
+                              <p:par>
+                                <p:cTn id="28" presetID="42" presetClass="entr" presetSubtype="0" fill="hold" nodeType="afterEffect">
+                                  <p:stCondLst>
+                                    <p:cond delay="0"/>
+                                  </p:stCondLst>
+                                  <p:childTnLst>
+                                    <p:set>
+                                      <p:cBhvr>
+                                        <p:cTn id="29" dur="1" fill="hold">
+                                          <p:stCondLst>
+                                            <p:cond delay="0"/>
+                                          </p:stCondLst>
+                                        </p:cTn>
+                                        <p:tgtEl>
+                                          <p:spTgt spid="21">
+                                            <p:txEl>
+                                              <p:pRg st="3" end="3"/>
+                                            </p:txEl>
+                                          </p:spTgt>
+                                        </p:tgtEl>
+                                        <p:attrNameLst>
+                                          <p:attrName>style.visibility</p:attrName>
+                                        </p:attrNameLst>
+                                      </p:cBhvr>
+                                      <p:to>
+                                        <p:strVal val="visible"/>
+                                      </p:to>
+                                    </p:set>
+                                    <p:animEffect transition="in" filter="fade">
+                                      <p:cBhvr>
+                                        <p:cTn id="30" dur="1000"/>
+                                        <p:tgtEl>
+                                          <p:spTgt spid="21">
+                                            <p:txEl>
+                                              <p:pRg st="3" end="3"/>
+                                            </p:txEl>
+                                          </p:spTgt>
+                                        </p:tgtEl>
+                                      </p:cBhvr>
+                                    </p:animEffect>
+                                    <p:anim calcmode="lin" valueType="num">
+                                      <p:cBhvr>
+                                        <p:cTn id="31" dur="1000" fill="hold"/>
+                                        <p:tgtEl>
+                                          <p:spTgt spid="21">
+                                            <p:txEl>
+                                              <p:pRg st="3" end="3"/>
+                                            </p:txEl>
+                                          </p:spTgt>
+                                        </p:tgtEl>
+                                        <p:attrNameLst>
+                                          <p:attrName>ppt_x</p:attrName>
+                                        </p:attrNameLst>
+                                      </p:cBhvr>
+                                      <p:tavLst>
+                                        <p:tav tm="0">
+                                          <p:val>
+                                            <p:strVal val="#ppt_x"/>
+                                          </p:val>
+                                        </p:tav>
+                                        <p:tav tm="100000">
+                                          <p:val>
+                                            <p:strVal val="#ppt_x"/>
+                                          </p:val>
+                                        </p:tav>
+                                      </p:tavLst>
+                                    </p:anim>
+                                    <p:anim calcmode="lin" valueType="num">
+                                      <p:cBhvr>
+                                        <p:cTn id="32" dur="1000" fill="hold"/>
+                                        <p:tgtEl>
+                                          <p:spTgt spid="21">
+                                            <p:txEl>
+                                              <p:pRg st="3" end="3"/>
+                                            </p:txEl>
+                                          </p:spTgt>
+                                        </p:tgtEl>
+                                        <p:attrNameLst>
+                                          <p:attrName>ppt_y</p:attrName>
+                                        </p:attrNameLst>
+                                      </p:cBhvr>
+                                      <p:tavLst>
+                                        <p:tav tm="0">
+                                          <p:val>
+                                            <p:strVal val="#ppt_y+.1"/>
+                                          </p:val>
+                                        </p:tav>
+                                        <p:tav tm="100000">
+                                          <p:val>
+                                            <p:strVal val="#ppt_y"/>
+                                          </p:val>
+                                        </p:tav>
+                                      </p:tavLst>
+                                    </p:anim>
+                                  </p:childTnLst>
+                                </p:cTn>
+                              </p:par>
+                            </p:childTnLst>
+                          </p:cTn>
+                        </p:par>
+                        <p:par>
+                          <p:cTn id="33" fill="hold">
+                            <p:stCondLst>
+                              <p:cond delay="4000"/>
+                            </p:stCondLst>
+                            <p:childTnLst>
+                              <p:par>
+                                <p:cTn id="34" presetID="42" presetClass="entr" presetSubtype="0" fill="hold" nodeType="afterEffect">
+                                  <p:stCondLst>
+                                    <p:cond delay="0"/>
+                                  </p:stCondLst>
+                                  <p:childTnLst>
+                                    <p:set>
+                                      <p:cBhvr>
+                                        <p:cTn id="35" dur="1" fill="hold">
+                                          <p:stCondLst>
+                                            <p:cond delay="0"/>
+                                          </p:stCondLst>
+                                        </p:cTn>
+                                        <p:tgtEl>
+                                          <p:spTgt spid="21">
+                                            <p:txEl>
+                                              <p:pRg st="4" end="4"/>
+                                            </p:txEl>
+                                          </p:spTgt>
+                                        </p:tgtEl>
+                                        <p:attrNameLst>
+                                          <p:attrName>style.visibility</p:attrName>
+                                        </p:attrNameLst>
+                                      </p:cBhvr>
+                                      <p:to>
+                                        <p:strVal val="visible"/>
+                                      </p:to>
+                                    </p:set>
+                                    <p:animEffect transition="in" filter="fade">
+                                      <p:cBhvr>
+                                        <p:cTn id="36" dur="1000"/>
+                                        <p:tgtEl>
+                                          <p:spTgt spid="21">
+                                            <p:txEl>
+                                              <p:pRg st="4" end="4"/>
+                                            </p:txEl>
+                                          </p:spTgt>
+                                        </p:tgtEl>
+                                      </p:cBhvr>
+                                    </p:animEffect>
+                                    <p:anim calcmode="lin" valueType="num">
+                                      <p:cBhvr>
+                                        <p:cTn id="37" dur="1000" fill="hold"/>
+                                        <p:tgtEl>
+                                          <p:spTgt spid="21">
+                                            <p:txEl>
+                                              <p:pRg st="4" end="4"/>
+                                            </p:txEl>
+                                          </p:spTgt>
+                                        </p:tgtEl>
+                                        <p:attrNameLst>
+                                          <p:attrName>ppt_x</p:attrName>
+                                        </p:attrNameLst>
+                                      </p:cBhvr>
+                                      <p:tavLst>
+                                        <p:tav tm="0">
+                                          <p:val>
+                                            <p:strVal val="#ppt_x"/>
+                                          </p:val>
+                                        </p:tav>
+                                        <p:tav tm="100000">
+                                          <p:val>
+                                            <p:strVal val="#ppt_x"/>
+                                          </p:val>
+                                        </p:tav>
+                                      </p:tavLst>
+                                    </p:anim>
+                                    <p:anim calcmode="lin" valueType="num">
+                                      <p:cBhvr>
+                                        <p:cTn id="38" dur="1000" fill="hold"/>
+                                        <p:tgtEl>
+                                          <p:spTgt spid="21">
+                                            <p:txEl>
+                                              <p:pRg st="4" end="4"/>
+                                            </p:txEl>
+                                          </p:spTgt>
+                                        </p:tgtEl>
+                                        <p:attrNameLst>
+                                          <p:attrName>ppt_y</p:attrName>
+                                        </p:attrNameLst>
+                                      </p:cBhvr>
+                                      <p:tavLst>
+                                        <p:tav tm="0">
+                                          <p:val>
+                                            <p:strVal val="#ppt_y+.1"/>
+                                          </p:val>
+                                        </p:tav>
+                                        <p:tav tm="100000">
+                                          <p:val>
+                                            <p:strVal val="#ppt_y"/>
+                                          </p:val>
+                                        </p:tav>
+                                      </p:tavLst>
+                                    </p:anim>
+                                  </p:childTnLst>
+                                </p:cTn>
+                              </p:par>
+                            </p:childTnLst>
+                          </p:cTn>
+                        </p:par>
+                        <p:par>
+                          <p:cTn id="39" fill="hold">
+                            <p:stCondLst>
+                              <p:cond delay="5000"/>
+                            </p:stCondLst>
+                            <p:childTnLst>
+                              <p:par>
+                                <p:cTn id="40" presetID="42" presetClass="entr" presetSubtype="0" fill="hold" nodeType="afterEffect">
+                                  <p:stCondLst>
+                                    <p:cond delay="0"/>
+                                  </p:stCondLst>
+                                  <p:childTnLst>
+                                    <p:set>
+                                      <p:cBhvr>
+                                        <p:cTn id="41" dur="1" fill="hold">
+                                          <p:stCondLst>
+                                            <p:cond delay="0"/>
+                                          </p:stCondLst>
+                                        </p:cTn>
+                                        <p:tgtEl>
+                                          <p:spTgt spid="21">
+                                            <p:txEl>
+                                              <p:pRg st="5" end="5"/>
+                                            </p:txEl>
+                                          </p:spTgt>
+                                        </p:tgtEl>
+                                        <p:attrNameLst>
+                                          <p:attrName>style.visibility</p:attrName>
+                                        </p:attrNameLst>
+                                      </p:cBhvr>
+                                      <p:to>
+                                        <p:strVal val="visible"/>
+                                      </p:to>
+                                    </p:set>
+                                    <p:animEffect transition="in" filter="fade">
+                                      <p:cBhvr>
+                                        <p:cTn id="42" dur="1000"/>
+                                        <p:tgtEl>
+                                          <p:spTgt spid="21">
+                                            <p:txEl>
+                                              <p:pRg st="5" end="5"/>
+                                            </p:txEl>
+                                          </p:spTgt>
+                                        </p:tgtEl>
+                                      </p:cBhvr>
+                                    </p:animEffect>
+                                    <p:anim calcmode="lin" valueType="num">
+                                      <p:cBhvr>
+                                        <p:cTn id="43" dur="1000" fill="hold"/>
+                                        <p:tgtEl>
+                                          <p:spTgt spid="21">
+                                            <p:txEl>
+                                              <p:pRg st="5" end="5"/>
+                                            </p:txEl>
+                                          </p:spTgt>
+                                        </p:tgtEl>
+                                        <p:attrNameLst>
+                                          <p:attrName>ppt_x</p:attrName>
+                                        </p:attrNameLst>
+                                      </p:cBhvr>
+                                      <p:tavLst>
+                                        <p:tav tm="0">
+                                          <p:val>
+                                            <p:strVal val="#ppt_x"/>
+                                          </p:val>
+                                        </p:tav>
+                                        <p:tav tm="100000">
+                                          <p:val>
+                                            <p:strVal val="#ppt_x"/>
+                                          </p:val>
+                                        </p:tav>
+                                      </p:tavLst>
+                                    </p:anim>
+                                    <p:anim calcmode="lin" valueType="num">
+                                      <p:cBhvr>
+                                        <p:cTn id="44" dur="1000" fill="hold"/>
+                                        <p:tgtEl>
+                                          <p:spTgt spid="21">
+                                            <p:txEl>
+                                              <p:pRg st="5" end="5"/>
+                                            </p:txEl>
+                                          </p:spTgt>
+                                        </p:tgtEl>
+                                        <p:attrNameLst>
+                                          <p:attrName>ppt_y</p:attrName>
+                                        </p:attrNameLst>
+                                      </p:cBhvr>
+                                      <p:tavLst>
+                                        <p:tav tm="0">
+                                          <p:val>
+                                            <p:strVal val="#ppt_y+.1"/>
+                                          </p:val>
+                                        </p:tav>
+                                        <p:tav tm="100000">
+                                          <p:val>
+                                            <p:strVal val="#ppt_y"/>
+                                          </p:val>
+                                        </p:tav>
+                                      </p:tavLst>
+                                    </p:anim>
+                                  </p:childTnLst>
+                                </p:cTn>
+                              </p:par>
+                            </p:childTnLst>
+                          </p:cTn>
+                        </p:par>
+                        <p:par>
+                          <p:cTn id="45" fill="hold">
+                            <p:stCondLst>
+                              <p:cond delay="6000"/>
+                            </p:stCondLst>
+                            <p:childTnLst>
+                              <p:par>
+                                <p:cTn id="46" presetID="42" presetClass="entr" presetSubtype="0" fill="hold" nodeType="afterEffect">
+                                  <p:stCondLst>
+                                    <p:cond delay="0"/>
+                                  </p:stCondLst>
+                                  <p:childTnLst>
+                                    <p:set>
+                                      <p:cBhvr>
+                                        <p:cTn id="47" dur="1" fill="hold">
+                                          <p:stCondLst>
+                                            <p:cond delay="0"/>
+                                          </p:stCondLst>
+                                        </p:cTn>
+                                        <p:tgtEl>
+                                          <p:spTgt spid="18"/>
+                                        </p:tgtEl>
+                                        <p:attrNameLst>
+                                          <p:attrName>style.visibility</p:attrName>
+                                        </p:attrNameLst>
+                                      </p:cBhvr>
+                                      <p:to>
+                                        <p:strVal val="visible"/>
+                                      </p:to>
+                                    </p:set>
+                                    <p:animEffect transition="in" filter="fade">
+                                      <p:cBhvr>
+                                        <p:cTn id="48" dur="1000"/>
+                                        <p:tgtEl>
+                                          <p:spTgt spid="18"/>
+                                        </p:tgtEl>
+                                      </p:cBhvr>
+                                    </p:animEffect>
+                                    <p:anim calcmode="lin" valueType="num">
+                                      <p:cBhvr>
+                                        <p:cTn id="49" dur="1000" fill="hold"/>
+                                        <p:tgtEl>
+                                          <p:spTgt spid="18"/>
+                                        </p:tgtEl>
+                                        <p:attrNameLst>
+                                          <p:attrName>ppt_x</p:attrName>
+                                        </p:attrNameLst>
+                                      </p:cBhvr>
+                                      <p:tavLst>
+                                        <p:tav tm="0">
+                                          <p:val>
+                                            <p:strVal val="#ppt_x"/>
+                                          </p:val>
+                                        </p:tav>
+                                        <p:tav tm="100000">
+                                          <p:val>
+                                            <p:strVal val="#ppt_x"/>
+                                          </p:val>
+                                        </p:tav>
+                                      </p:tavLst>
+                                    </p:anim>
+                                    <p:anim calcmode="lin" valueType="num">
+                                      <p:cBhvr>
+                                        <p:cTn id="50" dur="1000" fill="hold"/>
                                         <p:tgtEl>
                                           <p:spTgt spid="18"/>
                                         </p:tgtEl>
@@ -8581,13 +10159,6 @@
               </a:rPr>
               <a:t>CTK37</a:t>
             </a:r>
-            <a:endParaRPr lang="en-US" sz="3600" dirty="0">
-              <a:solidFill>
-                <a:srgbClr val="00B404"/>
-              </a:solidFill>
-              <a:latin typeface="Segoe UI Semilight" pitchFamily="34" charset="0"/>
-              <a:cs typeface="Segoe UI Semilight" pitchFamily="34" charset="0"/>
-            </a:endParaRPr>
           </a:p>
         </p:txBody>
       </p:sp>
@@ -8835,16 +10406,6 @@
               </a:rPr>
               <a:t>Giao diện</a:t>
             </a:r>
-            <a:endParaRPr lang="en-US" sz="2400" dirty="0">
-              <a:solidFill>
-                <a:schemeClr val="tx1">
-                  <a:lumMod val="75000"/>
-                  <a:lumOff val="25000"/>
-                </a:schemeClr>
-              </a:solidFill>
-              <a:latin typeface="Segoe UI Light" pitchFamily="34" charset="0"/>
-              <a:cs typeface="Segoe UI Light" pitchFamily="34" charset="0"/>
-            </a:endParaRPr>
           </a:p>
         </p:txBody>
       </p:sp>
@@ -8906,16 +10467,6 @@
               </a:rPr>
               <a:t>Lời cảm ơn</a:t>
             </a:r>
-            <a:endParaRPr lang="en-US" sz="2400" dirty="0">
-              <a:solidFill>
-                <a:schemeClr val="tx1">
-                  <a:lumMod val="75000"/>
-                  <a:lumOff val="25000"/>
-                </a:schemeClr>
-              </a:solidFill>
-              <a:latin typeface="Segoe UI Light" pitchFamily="34" charset="0"/>
-              <a:cs typeface="Segoe UI Light" pitchFamily="34" charset="0"/>
-            </a:endParaRPr>
           </a:p>
         </p:txBody>
       </p:sp>
@@ -9019,16 +10570,6 @@
               </a:rPr>
               <a:t>Phương pháp</a:t>
             </a:r>
-            <a:endParaRPr lang="en-US" sz="2400" dirty="0">
-              <a:solidFill>
-                <a:schemeClr val="tx1">
-                  <a:lumMod val="75000"/>
-                  <a:lumOff val="25000"/>
-                </a:schemeClr>
-              </a:solidFill>
-              <a:latin typeface="Segoe UI Light" pitchFamily="34" charset="0"/>
-              <a:cs typeface="Segoe UI Light" pitchFamily="34" charset="0"/>
-            </a:endParaRPr>
           </a:p>
         </p:txBody>
       </p:sp>
@@ -9398,30 +10939,131 @@
                                   </p:childTnLst>
                                 </p:cTn>
                               </p:par>
+                              <p:par>
+                                <p:cTn id="10" presetID="42" presetClass="entr" presetSubtype="0" fill="hold" nodeType="withEffect">
+                                  <p:stCondLst>
+                                    <p:cond delay="0"/>
+                                  </p:stCondLst>
+                                  <p:childTnLst>
+                                    <p:set>
+                                      <p:cBhvr>
+                                        <p:cTn id="11" dur="1" fill="hold">
+                                          <p:stCondLst>
+                                            <p:cond delay="0"/>
+                                          </p:stCondLst>
+                                        </p:cTn>
+                                        <p:tgtEl>
+                                          <p:spTgt spid="21">
+                                            <p:txEl>
+                                              <p:pRg st="0" end="0"/>
+                                            </p:txEl>
+                                          </p:spTgt>
+                                        </p:tgtEl>
+                                        <p:attrNameLst>
+                                          <p:attrName>style.visibility</p:attrName>
+                                        </p:attrNameLst>
+                                      </p:cBhvr>
+                                      <p:to>
+                                        <p:strVal val="visible"/>
+                                      </p:to>
+                                    </p:set>
+                                    <p:animEffect transition="in" filter="fade">
+                                      <p:cBhvr>
+                                        <p:cTn id="12" dur="1000"/>
+                                        <p:tgtEl>
+                                          <p:spTgt spid="21">
+                                            <p:txEl>
+                                              <p:pRg st="0" end="0"/>
+                                            </p:txEl>
+                                          </p:spTgt>
+                                        </p:tgtEl>
+                                      </p:cBhvr>
+                                    </p:animEffect>
+                                    <p:anim calcmode="lin" valueType="num">
+                                      <p:cBhvr>
+                                        <p:cTn id="13" dur="1000" fill="hold"/>
+                                        <p:tgtEl>
+                                          <p:spTgt spid="21">
+                                            <p:txEl>
+                                              <p:pRg st="0" end="0"/>
+                                            </p:txEl>
+                                          </p:spTgt>
+                                        </p:tgtEl>
+                                        <p:attrNameLst>
+                                          <p:attrName>ppt_x</p:attrName>
+                                        </p:attrNameLst>
+                                      </p:cBhvr>
+                                      <p:tavLst>
+                                        <p:tav tm="0">
+                                          <p:val>
+                                            <p:strVal val="#ppt_x"/>
+                                          </p:val>
+                                        </p:tav>
+                                        <p:tav tm="100000">
+                                          <p:val>
+                                            <p:strVal val="#ppt_x"/>
+                                          </p:val>
+                                        </p:tav>
+                                      </p:tavLst>
+                                    </p:anim>
+                                    <p:anim calcmode="lin" valueType="num">
+                                      <p:cBhvr>
+                                        <p:cTn id="14" dur="1000" fill="hold"/>
+                                        <p:tgtEl>
+                                          <p:spTgt spid="21">
+                                            <p:txEl>
+                                              <p:pRg st="0" end="0"/>
+                                            </p:txEl>
+                                          </p:spTgt>
+                                        </p:tgtEl>
+                                        <p:attrNameLst>
+                                          <p:attrName>ppt_y</p:attrName>
+                                        </p:attrNameLst>
+                                      </p:cBhvr>
+                                      <p:tavLst>
+                                        <p:tav tm="0">
+                                          <p:val>
+                                            <p:strVal val="#ppt_y+.1"/>
+                                          </p:val>
+                                        </p:tav>
+                                        <p:tav tm="100000">
+                                          <p:val>
+                                            <p:strVal val="#ppt_y"/>
+                                          </p:val>
+                                        </p:tav>
+                                      </p:tavLst>
+                                    </p:anim>
+                                  </p:childTnLst>
+                                </p:cTn>
+                              </p:par>
                             </p:childTnLst>
                           </p:cTn>
                         </p:par>
                         <p:par>
-                          <p:cTn id="10" fill="hold">
+                          <p:cTn id="15" fill="hold">
                             <p:stCondLst>
                               <p:cond delay="1000"/>
                             </p:stCondLst>
                             <p:childTnLst>
                               <p:par>
-                                <p:cTn id="11" presetID="42" presetClass="entr" presetSubtype="0" fill="hold" nodeType="afterEffect">
+                                <p:cTn id="16" presetID="42" presetClass="entr" presetSubtype="0" fill="hold" nodeType="afterEffect">
                                   <p:stCondLst>
                                     <p:cond delay="0"/>
                                   </p:stCondLst>
                                   <p:childTnLst>
                                     <p:set>
                                       <p:cBhvr>
-                                        <p:cTn id="12" dur="1" fill="hold">
+                                        <p:cTn id="17" dur="1" fill="hold">
                                           <p:stCondLst>
                                             <p:cond delay="0"/>
                                           </p:stCondLst>
                                         </p:cTn>
                                         <p:tgtEl>
-                                          <p:spTgt spid="18"/>
+                                          <p:spTgt spid="21">
+                                            <p:txEl>
+                                              <p:pRg st="1" end="1"/>
+                                            </p:txEl>
+                                          </p:spTgt>
                                         </p:tgtEl>
                                         <p:attrNameLst>
                                           <p:attrName>style.visibility</p:attrName>
@@ -9433,17 +11075,25 @@
                                     </p:set>
                                     <p:animEffect transition="in" filter="fade">
                                       <p:cBhvr>
-                                        <p:cTn id="13" dur="1000"/>
-                                        <p:tgtEl>
-                                          <p:spTgt spid="18"/>
+                                        <p:cTn id="18" dur="1000"/>
+                                        <p:tgtEl>
+                                          <p:spTgt spid="21">
+                                            <p:txEl>
+                                              <p:pRg st="1" end="1"/>
+                                            </p:txEl>
+                                          </p:spTgt>
                                         </p:tgtEl>
                                       </p:cBhvr>
                                     </p:animEffect>
                                     <p:anim calcmode="lin" valueType="num">
                                       <p:cBhvr>
-                                        <p:cTn id="14" dur="1000" fill="hold"/>
-                                        <p:tgtEl>
-                                          <p:spTgt spid="18"/>
+                                        <p:cTn id="19" dur="1000" fill="hold"/>
+                                        <p:tgtEl>
+                                          <p:spTgt spid="21">
+                                            <p:txEl>
+                                              <p:pRg st="1" end="1"/>
+                                            </p:txEl>
+                                          </p:spTgt>
                                         </p:tgtEl>
                                         <p:attrNameLst>
                                           <p:attrName>ppt_x</p:attrName>
@@ -9464,7 +11114,525 @@
                                     </p:anim>
                                     <p:anim calcmode="lin" valueType="num">
                                       <p:cBhvr>
-                                        <p:cTn id="15" dur="1000" fill="hold"/>
+                                        <p:cTn id="20" dur="1000" fill="hold"/>
+                                        <p:tgtEl>
+                                          <p:spTgt spid="21">
+                                            <p:txEl>
+                                              <p:pRg st="1" end="1"/>
+                                            </p:txEl>
+                                          </p:spTgt>
+                                        </p:tgtEl>
+                                        <p:attrNameLst>
+                                          <p:attrName>ppt_y</p:attrName>
+                                        </p:attrNameLst>
+                                      </p:cBhvr>
+                                      <p:tavLst>
+                                        <p:tav tm="0">
+                                          <p:val>
+                                            <p:strVal val="#ppt_y+.1"/>
+                                          </p:val>
+                                        </p:tav>
+                                        <p:tav tm="100000">
+                                          <p:val>
+                                            <p:strVal val="#ppt_y"/>
+                                          </p:val>
+                                        </p:tav>
+                                      </p:tavLst>
+                                    </p:anim>
+                                  </p:childTnLst>
+                                </p:cTn>
+                              </p:par>
+                            </p:childTnLst>
+                          </p:cTn>
+                        </p:par>
+                        <p:par>
+                          <p:cTn id="21" fill="hold">
+                            <p:stCondLst>
+                              <p:cond delay="2000"/>
+                            </p:stCondLst>
+                            <p:childTnLst>
+                              <p:par>
+                                <p:cTn id="22" presetID="42" presetClass="entr" presetSubtype="0" fill="hold" nodeType="afterEffect">
+                                  <p:stCondLst>
+                                    <p:cond delay="0"/>
+                                  </p:stCondLst>
+                                  <p:childTnLst>
+                                    <p:set>
+                                      <p:cBhvr>
+                                        <p:cTn id="23" dur="1" fill="hold">
+                                          <p:stCondLst>
+                                            <p:cond delay="0"/>
+                                          </p:stCondLst>
+                                        </p:cTn>
+                                        <p:tgtEl>
+                                          <p:spTgt spid="21">
+                                            <p:txEl>
+                                              <p:pRg st="2" end="2"/>
+                                            </p:txEl>
+                                          </p:spTgt>
+                                        </p:tgtEl>
+                                        <p:attrNameLst>
+                                          <p:attrName>style.visibility</p:attrName>
+                                        </p:attrNameLst>
+                                      </p:cBhvr>
+                                      <p:to>
+                                        <p:strVal val="visible"/>
+                                      </p:to>
+                                    </p:set>
+                                    <p:animEffect transition="in" filter="fade">
+                                      <p:cBhvr>
+                                        <p:cTn id="24" dur="1000"/>
+                                        <p:tgtEl>
+                                          <p:spTgt spid="21">
+                                            <p:txEl>
+                                              <p:pRg st="2" end="2"/>
+                                            </p:txEl>
+                                          </p:spTgt>
+                                        </p:tgtEl>
+                                      </p:cBhvr>
+                                    </p:animEffect>
+                                    <p:anim calcmode="lin" valueType="num">
+                                      <p:cBhvr>
+                                        <p:cTn id="25" dur="1000" fill="hold"/>
+                                        <p:tgtEl>
+                                          <p:spTgt spid="21">
+                                            <p:txEl>
+                                              <p:pRg st="2" end="2"/>
+                                            </p:txEl>
+                                          </p:spTgt>
+                                        </p:tgtEl>
+                                        <p:attrNameLst>
+                                          <p:attrName>ppt_x</p:attrName>
+                                        </p:attrNameLst>
+                                      </p:cBhvr>
+                                      <p:tavLst>
+                                        <p:tav tm="0">
+                                          <p:val>
+                                            <p:strVal val="#ppt_x"/>
+                                          </p:val>
+                                        </p:tav>
+                                        <p:tav tm="100000">
+                                          <p:val>
+                                            <p:strVal val="#ppt_x"/>
+                                          </p:val>
+                                        </p:tav>
+                                      </p:tavLst>
+                                    </p:anim>
+                                    <p:anim calcmode="lin" valueType="num">
+                                      <p:cBhvr>
+                                        <p:cTn id="26" dur="1000" fill="hold"/>
+                                        <p:tgtEl>
+                                          <p:spTgt spid="21">
+                                            <p:txEl>
+                                              <p:pRg st="2" end="2"/>
+                                            </p:txEl>
+                                          </p:spTgt>
+                                        </p:tgtEl>
+                                        <p:attrNameLst>
+                                          <p:attrName>ppt_y</p:attrName>
+                                        </p:attrNameLst>
+                                      </p:cBhvr>
+                                      <p:tavLst>
+                                        <p:tav tm="0">
+                                          <p:val>
+                                            <p:strVal val="#ppt_y+.1"/>
+                                          </p:val>
+                                        </p:tav>
+                                        <p:tav tm="100000">
+                                          <p:val>
+                                            <p:strVal val="#ppt_y"/>
+                                          </p:val>
+                                        </p:tav>
+                                      </p:tavLst>
+                                    </p:anim>
+                                  </p:childTnLst>
+                                </p:cTn>
+                              </p:par>
+                            </p:childTnLst>
+                          </p:cTn>
+                        </p:par>
+                        <p:par>
+                          <p:cTn id="27" fill="hold">
+                            <p:stCondLst>
+                              <p:cond delay="3000"/>
+                            </p:stCondLst>
+                            <p:childTnLst>
+                              <p:par>
+                                <p:cTn id="28" presetID="42" presetClass="entr" presetSubtype="0" fill="hold" nodeType="afterEffect">
+                                  <p:stCondLst>
+                                    <p:cond delay="0"/>
+                                  </p:stCondLst>
+                                  <p:childTnLst>
+                                    <p:set>
+                                      <p:cBhvr>
+                                        <p:cTn id="29" dur="1" fill="hold">
+                                          <p:stCondLst>
+                                            <p:cond delay="0"/>
+                                          </p:stCondLst>
+                                        </p:cTn>
+                                        <p:tgtEl>
+                                          <p:spTgt spid="21">
+                                            <p:txEl>
+                                              <p:pRg st="3" end="3"/>
+                                            </p:txEl>
+                                          </p:spTgt>
+                                        </p:tgtEl>
+                                        <p:attrNameLst>
+                                          <p:attrName>style.visibility</p:attrName>
+                                        </p:attrNameLst>
+                                      </p:cBhvr>
+                                      <p:to>
+                                        <p:strVal val="visible"/>
+                                      </p:to>
+                                    </p:set>
+                                    <p:animEffect transition="in" filter="fade">
+                                      <p:cBhvr>
+                                        <p:cTn id="30" dur="1000"/>
+                                        <p:tgtEl>
+                                          <p:spTgt spid="21">
+                                            <p:txEl>
+                                              <p:pRg st="3" end="3"/>
+                                            </p:txEl>
+                                          </p:spTgt>
+                                        </p:tgtEl>
+                                      </p:cBhvr>
+                                    </p:animEffect>
+                                    <p:anim calcmode="lin" valueType="num">
+                                      <p:cBhvr>
+                                        <p:cTn id="31" dur="1000" fill="hold"/>
+                                        <p:tgtEl>
+                                          <p:spTgt spid="21">
+                                            <p:txEl>
+                                              <p:pRg st="3" end="3"/>
+                                            </p:txEl>
+                                          </p:spTgt>
+                                        </p:tgtEl>
+                                        <p:attrNameLst>
+                                          <p:attrName>ppt_x</p:attrName>
+                                        </p:attrNameLst>
+                                      </p:cBhvr>
+                                      <p:tavLst>
+                                        <p:tav tm="0">
+                                          <p:val>
+                                            <p:strVal val="#ppt_x"/>
+                                          </p:val>
+                                        </p:tav>
+                                        <p:tav tm="100000">
+                                          <p:val>
+                                            <p:strVal val="#ppt_x"/>
+                                          </p:val>
+                                        </p:tav>
+                                      </p:tavLst>
+                                    </p:anim>
+                                    <p:anim calcmode="lin" valueType="num">
+                                      <p:cBhvr>
+                                        <p:cTn id="32" dur="1000" fill="hold"/>
+                                        <p:tgtEl>
+                                          <p:spTgt spid="21">
+                                            <p:txEl>
+                                              <p:pRg st="3" end="3"/>
+                                            </p:txEl>
+                                          </p:spTgt>
+                                        </p:tgtEl>
+                                        <p:attrNameLst>
+                                          <p:attrName>ppt_y</p:attrName>
+                                        </p:attrNameLst>
+                                      </p:cBhvr>
+                                      <p:tavLst>
+                                        <p:tav tm="0">
+                                          <p:val>
+                                            <p:strVal val="#ppt_y+.1"/>
+                                          </p:val>
+                                        </p:tav>
+                                        <p:tav tm="100000">
+                                          <p:val>
+                                            <p:strVal val="#ppt_y"/>
+                                          </p:val>
+                                        </p:tav>
+                                      </p:tavLst>
+                                    </p:anim>
+                                  </p:childTnLst>
+                                </p:cTn>
+                              </p:par>
+                            </p:childTnLst>
+                          </p:cTn>
+                        </p:par>
+                        <p:par>
+                          <p:cTn id="33" fill="hold">
+                            <p:stCondLst>
+                              <p:cond delay="4000"/>
+                            </p:stCondLst>
+                            <p:childTnLst>
+                              <p:par>
+                                <p:cTn id="34" presetID="42" presetClass="entr" presetSubtype="0" fill="hold" nodeType="afterEffect">
+                                  <p:stCondLst>
+                                    <p:cond delay="0"/>
+                                  </p:stCondLst>
+                                  <p:childTnLst>
+                                    <p:set>
+                                      <p:cBhvr>
+                                        <p:cTn id="35" dur="1" fill="hold">
+                                          <p:stCondLst>
+                                            <p:cond delay="0"/>
+                                          </p:stCondLst>
+                                        </p:cTn>
+                                        <p:tgtEl>
+                                          <p:spTgt spid="21">
+                                            <p:txEl>
+                                              <p:pRg st="4" end="4"/>
+                                            </p:txEl>
+                                          </p:spTgt>
+                                        </p:tgtEl>
+                                        <p:attrNameLst>
+                                          <p:attrName>style.visibility</p:attrName>
+                                        </p:attrNameLst>
+                                      </p:cBhvr>
+                                      <p:to>
+                                        <p:strVal val="visible"/>
+                                      </p:to>
+                                    </p:set>
+                                    <p:animEffect transition="in" filter="fade">
+                                      <p:cBhvr>
+                                        <p:cTn id="36" dur="1000"/>
+                                        <p:tgtEl>
+                                          <p:spTgt spid="21">
+                                            <p:txEl>
+                                              <p:pRg st="4" end="4"/>
+                                            </p:txEl>
+                                          </p:spTgt>
+                                        </p:tgtEl>
+                                      </p:cBhvr>
+                                    </p:animEffect>
+                                    <p:anim calcmode="lin" valueType="num">
+                                      <p:cBhvr>
+                                        <p:cTn id="37" dur="1000" fill="hold"/>
+                                        <p:tgtEl>
+                                          <p:spTgt spid="21">
+                                            <p:txEl>
+                                              <p:pRg st="4" end="4"/>
+                                            </p:txEl>
+                                          </p:spTgt>
+                                        </p:tgtEl>
+                                        <p:attrNameLst>
+                                          <p:attrName>ppt_x</p:attrName>
+                                        </p:attrNameLst>
+                                      </p:cBhvr>
+                                      <p:tavLst>
+                                        <p:tav tm="0">
+                                          <p:val>
+                                            <p:strVal val="#ppt_x"/>
+                                          </p:val>
+                                        </p:tav>
+                                        <p:tav tm="100000">
+                                          <p:val>
+                                            <p:strVal val="#ppt_x"/>
+                                          </p:val>
+                                        </p:tav>
+                                      </p:tavLst>
+                                    </p:anim>
+                                    <p:anim calcmode="lin" valueType="num">
+                                      <p:cBhvr>
+                                        <p:cTn id="38" dur="1000" fill="hold"/>
+                                        <p:tgtEl>
+                                          <p:spTgt spid="21">
+                                            <p:txEl>
+                                              <p:pRg st="4" end="4"/>
+                                            </p:txEl>
+                                          </p:spTgt>
+                                        </p:tgtEl>
+                                        <p:attrNameLst>
+                                          <p:attrName>ppt_y</p:attrName>
+                                        </p:attrNameLst>
+                                      </p:cBhvr>
+                                      <p:tavLst>
+                                        <p:tav tm="0">
+                                          <p:val>
+                                            <p:strVal val="#ppt_y+.1"/>
+                                          </p:val>
+                                        </p:tav>
+                                        <p:tav tm="100000">
+                                          <p:val>
+                                            <p:strVal val="#ppt_y"/>
+                                          </p:val>
+                                        </p:tav>
+                                      </p:tavLst>
+                                    </p:anim>
+                                  </p:childTnLst>
+                                </p:cTn>
+                              </p:par>
+                            </p:childTnLst>
+                          </p:cTn>
+                        </p:par>
+                        <p:par>
+                          <p:cTn id="39" fill="hold">
+                            <p:stCondLst>
+                              <p:cond delay="5000"/>
+                            </p:stCondLst>
+                            <p:childTnLst>
+                              <p:par>
+                                <p:cTn id="40" presetID="42" presetClass="entr" presetSubtype="0" fill="hold" nodeType="afterEffect">
+                                  <p:stCondLst>
+                                    <p:cond delay="0"/>
+                                  </p:stCondLst>
+                                  <p:childTnLst>
+                                    <p:set>
+                                      <p:cBhvr>
+                                        <p:cTn id="41" dur="1" fill="hold">
+                                          <p:stCondLst>
+                                            <p:cond delay="0"/>
+                                          </p:stCondLst>
+                                        </p:cTn>
+                                        <p:tgtEl>
+                                          <p:spTgt spid="21">
+                                            <p:txEl>
+                                              <p:pRg st="5" end="5"/>
+                                            </p:txEl>
+                                          </p:spTgt>
+                                        </p:tgtEl>
+                                        <p:attrNameLst>
+                                          <p:attrName>style.visibility</p:attrName>
+                                        </p:attrNameLst>
+                                      </p:cBhvr>
+                                      <p:to>
+                                        <p:strVal val="visible"/>
+                                      </p:to>
+                                    </p:set>
+                                    <p:animEffect transition="in" filter="fade">
+                                      <p:cBhvr>
+                                        <p:cTn id="42" dur="1000"/>
+                                        <p:tgtEl>
+                                          <p:spTgt spid="21">
+                                            <p:txEl>
+                                              <p:pRg st="5" end="5"/>
+                                            </p:txEl>
+                                          </p:spTgt>
+                                        </p:tgtEl>
+                                      </p:cBhvr>
+                                    </p:animEffect>
+                                    <p:anim calcmode="lin" valueType="num">
+                                      <p:cBhvr>
+                                        <p:cTn id="43" dur="1000" fill="hold"/>
+                                        <p:tgtEl>
+                                          <p:spTgt spid="21">
+                                            <p:txEl>
+                                              <p:pRg st="5" end="5"/>
+                                            </p:txEl>
+                                          </p:spTgt>
+                                        </p:tgtEl>
+                                        <p:attrNameLst>
+                                          <p:attrName>ppt_x</p:attrName>
+                                        </p:attrNameLst>
+                                      </p:cBhvr>
+                                      <p:tavLst>
+                                        <p:tav tm="0">
+                                          <p:val>
+                                            <p:strVal val="#ppt_x"/>
+                                          </p:val>
+                                        </p:tav>
+                                        <p:tav tm="100000">
+                                          <p:val>
+                                            <p:strVal val="#ppt_x"/>
+                                          </p:val>
+                                        </p:tav>
+                                      </p:tavLst>
+                                    </p:anim>
+                                    <p:anim calcmode="lin" valueType="num">
+                                      <p:cBhvr>
+                                        <p:cTn id="44" dur="1000" fill="hold"/>
+                                        <p:tgtEl>
+                                          <p:spTgt spid="21">
+                                            <p:txEl>
+                                              <p:pRg st="5" end="5"/>
+                                            </p:txEl>
+                                          </p:spTgt>
+                                        </p:tgtEl>
+                                        <p:attrNameLst>
+                                          <p:attrName>ppt_y</p:attrName>
+                                        </p:attrNameLst>
+                                      </p:cBhvr>
+                                      <p:tavLst>
+                                        <p:tav tm="0">
+                                          <p:val>
+                                            <p:strVal val="#ppt_y+.1"/>
+                                          </p:val>
+                                        </p:tav>
+                                        <p:tav tm="100000">
+                                          <p:val>
+                                            <p:strVal val="#ppt_y"/>
+                                          </p:val>
+                                        </p:tav>
+                                      </p:tavLst>
+                                    </p:anim>
+                                  </p:childTnLst>
+                                </p:cTn>
+                              </p:par>
+                            </p:childTnLst>
+                          </p:cTn>
+                        </p:par>
+                        <p:par>
+                          <p:cTn id="45" fill="hold">
+                            <p:stCondLst>
+                              <p:cond delay="6000"/>
+                            </p:stCondLst>
+                            <p:childTnLst>
+                              <p:par>
+                                <p:cTn id="46" presetID="42" presetClass="entr" presetSubtype="0" fill="hold" nodeType="afterEffect">
+                                  <p:stCondLst>
+                                    <p:cond delay="0"/>
+                                  </p:stCondLst>
+                                  <p:childTnLst>
+                                    <p:set>
+                                      <p:cBhvr>
+                                        <p:cTn id="47" dur="1" fill="hold">
+                                          <p:stCondLst>
+                                            <p:cond delay="0"/>
+                                          </p:stCondLst>
+                                        </p:cTn>
+                                        <p:tgtEl>
+                                          <p:spTgt spid="18"/>
+                                        </p:tgtEl>
+                                        <p:attrNameLst>
+                                          <p:attrName>style.visibility</p:attrName>
+                                        </p:attrNameLst>
+                                      </p:cBhvr>
+                                      <p:to>
+                                        <p:strVal val="visible"/>
+                                      </p:to>
+                                    </p:set>
+                                    <p:animEffect transition="in" filter="fade">
+                                      <p:cBhvr>
+                                        <p:cTn id="48" dur="1000"/>
+                                        <p:tgtEl>
+                                          <p:spTgt spid="18"/>
+                                        </p:tgtEl>
+                                      </p:cBhvr>
+                                    </p:animEffect>
+                                    <p:anim calcmode="lin" valueType="num">
+                                      <p:cBhvr>
+                                        <p:cTn id="49" dur="1000" fill="hold"/>
+                                        <p:tgtEl>
+                                          <p:spTgt spid="18"/>
+                                        </p:tgtEl>
+                                        <p:attrNameLst>
+                                          <p:attrName>ppt_x</p:attrName>
+                                        </p:attrNameLst>
+                                      </p:cBhvr>
+                                      <p:tavLst>
+                                        <p:tav tm="0">
+                                          <p:val>
+                                            <p:strVal val="#ppt_x"/>
+                                          </p:val>
+                                        </p:tav>
+                                        <p:tav tm="100000">
+                                          <p:val>
+                                            <p:strVal val="#ppt_x"/>
+                                          </p:val>
+                                        </p:tav>
+                                      </p:tavLst>
+                                    </p:anim>
+                                    <p:anim calcmode="lin" valueType="num">
+                                      <p:cBhvr>
+                                        <p:cTn id="50" dur="1000" fill="hold"/>
                                         <p:tgtEl>
                                           <p:spTgt spid="18"/>
                                         </p:tgtEl>
@@ -9619,13 +11787,6 @@
               </a:rPr>
               <a:t>CTK37</a:t>
             </a:r>
-            <a:endParaRPr lang="en-US" sz="3600" dirty="0">
-              <a:solidFill>
-                <a:srgbClr val="00B404"/>
-              </a:solidFill>
-              <a:latin typeface="Segoe UI Semilight" pitchFamily="34" charset="0"/>
-              <a:cs typeface="Segoe UI Semilight" pitchFamily="34" charset="0"/>
-            </a:endParaRPr>
           </a:p>
         </p:txBody>
       </p:sp>
@@ -9873,16 +12034,6 @@
               </a:rPr>
               <a:t>Giao diện</a:t>
             </a:r>
-            <a:endParaRPr lang="en-US" sz="2400" dirty="0">
-              <a:solidFill>
-                <a:schemeClr val="tx1">
-                  <a:lumMod val="75000"/>
-                  <a:lumOff val="25000"/>
-                </a:schemeClr>
-              </a:solidFill>
-              <a:latin typeface="Segoe UI Light" pitchFamily="34" charset="0"/>
-              <a:cs typeface="Segoe UI Light" pitchFamily="34" charset="0"/>
-            </a:endParaRPr>
           </a:p>
         </p:txBody>
       </p:sp>
@@ -9944,16 +12095,6 @@
               </a:rPr>
               <a:t>Lời cảm ơn</a:t>
             </a:r>
-            <a:endParaRPr lang="en-US" sz="2400" dirty="0">
-              <a:solidFill>
-                <a:schemeClr val="tx1">
-                  <a:lumMod val="75000"/>
-                  <a:lumOff val="25000"/>
-                </a:schemeClr>
-              </a:solidFill>
-              <a:latin typeface="Segoe UI Light" pitchFamily="34" charset="0"/>
-              <a:cs typeface="Segoe UI Light" pitchFamily="34" charset="0"/>
-            </a:endParaRPr>
           </a:p>
         </p:txBody>
       </p:sp>
@@ -10057,16 +12198,6 @@
               </a:rPr>
               <a:t>Phương pháp</a:t>
             </a:r>
-            <a:endParaRPr lang="en-US" sz="2400" dirty="0">
-              <a:solidFill>
-                <a:schemeClr val="tx1">
-                  <a:lumMod val="75000"/>
-                  <a:lumOff val="25000"/>
-                </a:schemeClr>
-              </a:solidFill>
-              <a:latin typeface="Segoe UI Light" pitchFamily="34" charset="0"/>
-              <a:cs typeface="Segoe UI Light" pitchFamily="34" charset="0"/>
-            </a:endParaRPr>
           </a:p>
         </p:txBody>
       </p:sp>
@@ -10480,30 +12611,131 @@
                                   </p:childTnLst>
                                 </p:cTn>
                               </p:par>
+                              <p:par>
+                                <p:cTn id="10" presetID="42" presetClass="entr" presetSubtype="0" fill="hold" nodeType="withEffect">
+                                  <p:stCondLst>
+                                    <p:cond delay="0"/>
+                                  </p:stCondLst>
+                                  <p:childTnLst>
+                                    <p:set>
+                                      <p:cBhvr>
+                                        <p:cTn id="11" dur="1" fill="hold">
+                                          <p:stCondLst>
+                                            <p:cond delay="0"/>
+                                          </p:stCondLst>
+                                        </p:cTn>
+                                        <p:tgtEl>
+                                          <p:spTgt spid="21">
+                                            <p:txEl>
+                                              <p:pRg st="0" end="0"/>
+                                            </p:txEl>
+                                          </p:spTgt>
+                                        </p:tgtEl>
+                                        <p:attrNameLst>
+                                          <p:attrName>style.visibility</p:attrName>
+                                        </p:attrNameLst>
+                                      </p:cBhvr>
+                                      <p:to>
+                                        <p:strVal val="visible"/>
+                                      </p:to>
+                                    </p:set>
+                                    <p:animEffect transition="in" filter="fade">
+                                      <p:cBhvr>
+                                        <p:cTn id="12" dur="1000"/>
+                                        <p:tgtEl>
+                                          <p:spTgt spid="21">
+                                            <p:txEl>
+                                              <p:pRg st="0" end="0"/>
+                                            </p:txEl>
+                                          </p:spTgt>
+                                        </p:tgtEl>
+                                      </p:cBhvr>
+                                    </p:animEffect>
+                                    <p:anim calcmode="lin" valueType="num">
+                                      <p:cBhvr>
+                                        <p:cTn id="13" dur="1000" fill="hold"/>
+                                        <p:tgtEl>
+                                          <p:spTgt spid="21">
+                                            <p:txEl>
+                                              <p:pRg st="0" end="0"/>
+                                            </p:txEl>
+                                          </p:spTgt>
+                                        </p:tgtEl>
+                                        <p:attrNameLst>
+                                          <p:attrName>ppt_x</p:attrName>
+                                        </p:attrNameLst>
+                                      </p:cBhvr>
+                                      <p:tavLst>
+                                        <p:tav tm="0">
+                                          <p:val>
+                                            <p:strVal val="#ppt_x"/>
+                                          </p:val>
+                                        </p:tav>
+                                        <p:tav tm="100000">
+                                          <p:val>
+                                            <p:strVal val="#ppt_x"/>
+                                          </p:val>
+                                        </p:tav>
+                                      </p:tavLst>
+                                    </p:anim>
+                                    <p:anim calcmode="lin" valueType="num">
+                                      <p:cBhvr>
+                                        <p:cTn id="14" dur="1000" fill="hold"/>
+                                        <p:tgtEl>
+                                          <p:spTgt spid="21">
+                                            <p:txEl>
+                                              <p:pRg st="0" end="0"/>
+                                            </p:txEl>
+                                          </p:spTgt>
+                                        </p:tgtEl>
+                                        <p:attrNameLst>
+                                          <p:attrName>ppt_y</p:attrName>
+                                        </p:attrNameLst>
+                                      </p:cBhvr>
+                                      <p:tavLst>
+                                        <p:tav tm="0">
+                                          <p:val>
+                                            <p:strVal val="#ppt_y+.1"/>
+                                          </p:val>
+                                        </p:tav>
+                                        <p:tav tm="100000">
+                                          <p:val>
+                                            <p:strVal val="#ppt_y"/>
+                                          </p:val>
+                                        </p:tav>
+                                      </p:tavLst>
+                                    </p:anim>
+                                  </p:childTnLst>
+                                </p:cTn>
+                              </p:par>
                             </p:childTnLst>
                           </p:cTn>
                         </p:par>
                         <p:par>
-                          <p:cTn id="10" fill="hold">
+                          <p:cTn id="15" fill="hold">
                             <p:stCondLst>
                               <p:cond delay="1000"/>
                             </p:stCondLst>
                             <p:childTnLst>
                               <p:par>
-                                <p:cTn id="11" presetID="42" presetClass="entr" presetSubtype="0" fill="hold" nodeType="afterEffect">
+                                <p:cTn id="16" presetID="42" presetClass="entr" presetSubtype="0" fill="hold" nodeType="afterEffect">
                                   <p:stCondLst>
                                     <p:cond delay="0"/>
                                   </p:stCondLst>
                                   <p:childTnLst>
                                     <p:set>
                                       <p:cBhvr>
-                                        <p:cTn id="12" dur="1" fill="hold">
+                                        <p:cTn id="17" dur="1" fill="hold">
                                           <p:stCondLst>
                                             <p:cond delay="0"/>
                                           </p:stCondLst>
                                         </p:cTn>
                                         <p:tgtEl>
-                                          <p:spTgt spid="18"/>
+                                          <p:spTgt spid="21">
+                                            <p:txEl>
+                                              <p:pRg st="1" end="1"/>
+                                            </p:txEl>
+                                          </p:spTgt>
                                         </p:tgtEl>
                                         <p:attrNameLst>
                                           <p:attrName>style.visibility</p:attrName>
@@ -10515,17 +12747,25 @@
                                     </p:set>
                                     <p:animEffect transition="in" filter="fade">
                                       <p:cBhvr>
-                                        <p:cTn id="13" dur="1000"/>
-                                        <p:tgtEl>
-                                          <p:spTgt spid="18"/>
+                                        <p:cTn id="18" dur="1000"/>
+                                        <p:tgtEl>
+                                          <p:spTgt spid="21">
+                                            <p:txEl>
+                                              <p:pRg st="1" end="1"/>
+                                            </p:txEl>
+                                          </p:spTgt>
                                         </p:tgtEl>
                                       </p:cBhvr>
                                     </p:animEffect>
                                     <p:anim calcmode="lin" valueType="num">
                                       <p:cBhvr>
-                                        <p:cTn id="14" dur="1000" fill="hold"/>
-                                        <p:tgtEl>
-                                          <p:spTgt spid="18"/>
+                                        <p:cTn id="19" dur="1000" fill="hold"/>
+                                        <p:tgtEl>
+                                          <p:spTgt spid="21">
+                                            <p:txEl>
+                                              <p:pRg st="1" end="1"/>
+                                            </p:txEl>
+                                          </p:spTgt>
                                         </p:tgtEl>
                                         <p:attrNameLst>
                                           <p:attrName>ppt_x</p:attrName>
@@ -10546,7 +12786,631 @@
                                     </p:anim>
                                     <p:anim calcmode="lin" valueType="num">
                                       <p:cBhvr>
-                                        <p:cTn id="15" dur="1000" fill="hold"/>
+                                        <p:cTn id="20" dur="1000" fill="hold"/>
+                                        <p:tgtEl>
+                                          <p:spTgt spid="21">
+                                            <p:txEl>
+                                              <p:pRg st="1" end="1"/>
+                                            </p:txEl>
+                                          </p:spTgt>
+                                        </p:tgtEl>
+                                        <p:attrNameLst>
+                                          <p:attrName>ppt_y</p:attrName>
+                                        </p:attrNameLst>
+                                      </p:cBhvr>
+                                      <p:tavLst>
+                                        <p:tav tm="0">
+                                          <p:val>
+                                            <p:strVal val="#ppt_y+.1"/>
+                                          </p:val>
+                                        </p:tav>
+                                        <p:tav tm="100000">
+                                          <p:val>
+                                            <p:strVal val="#ppt_y"/>
+                                          </p:val>
+                                        </p:tav>
+                                      </p:tavLst>
+                                    </p:anim>
+                                  </p:childTnLst>
+                                </p:cTn>
+                              </p:par>
+                            </p:childTnLst>
+                          </p:cTn>
+                        </p:par>
+                        <p:par>
+                          <p:cTn id="21" fill="hold">
+                            <p:stCondLst>
+                              <p:cond delay="2000"/>
+                            </p:stCondLst>
+                            <p:childTnLst>
+                              <p:par>
+                                <p:cTn id="22" presetID="42" presetClass="entr" presetSubtype="0" fill="hold" nodeType="afterEffect">
+                                  <p:stCondLst>
+                                    <p:cond delay="0"/>
+                                  </p:stCondLst>
+                                  <p:childTnLst>
+                                    <p:set>
+                                      <p:cBhvr>
+                                        <p:cTn id="23" dur="1" fill="hold">
+                                          <p:stCondLst>
+                                            <p:cond delay="0"/>
+                                          </p:stCondLst>
+                                        </p:cTn>
+                                        <p:tgtEl>
+                                          <p:spTgt spid="21">
+                                            <p:txEl>
+                                              <p:pRg st="2" end="2"/>
+                                            </p:txEl>
+                                          </p:spTgt>
+                                        </p:tgtEl>
+                                        <p:attrNameLst>
+                                          <p:attrName>style.visibility</p:attrName>
+                                        </p:attrNameLst>
+                                      </p:cBhvr>
+                                      <p:to>
+                                        <p:strVal val="visible"/>
+                                      </p:to>
+                                    </p:set>
+                                    <p:animEffect transition="in" filter="fade">
+                                      <p:cBhvr>
+                                        <p:cTn id="24" dur="1000"/>
+                                        <p:tgtEl>
+                                          <p:spTgt spid="21">
+                                            <p:txEl>
+                                              <p:pRg st="2" end="2"/>
+                                            </p:txEl>
+                                          </p:spTgt>
+                                        </p:tgtEl>
+                                      </p:cBhvr>
+                                    </p:animEffect>
+                                    <p:anim calcmode="lin" valueType="num">
+                                      <p:cBhvr>
+                                        <p:cTn id="25" dur="1000" fill="hold"/>
+                                        <p:tgtEl>
+                                          <p:spTgt spid="21">
+                                            <p:txEl>
+                                              <p:pRg st="2" end="2"/>
+                                            </p:txEl>
+                                          </p:spTgt>
+                                        </p:tgtEl>
+                                        <p:attrNameLst>
+                                          <p:attrName>ppt_x</p:attrName>
+                                        </p:attrNameLst>
+                                      </p:cBhvr>
+                                      <p:tavLst>
+                                        <p:tav tm="0">
+                                          <p:val>
+                                            <p:strVal val="#ppt_x"/>
+                                          </p:val>
+                                        </p:tav>
+                                        <p:tav tm="100000">
+                                          <p:val>
+                                            <p:strVal val="#ppt_x"/>
+                                          </p:val>
+                                        </p:tav>
+                                      </p:tavLst>
+                                    </p:anim>
+                                    <p:anim calcmode="lin" valueType="num">
+                                      <p:cBhvr>
+                                        <p:cTn id="26" dur="1000" fill="hold"/>
+                                        <p:tgtEl>
+                                          <p:spTgt spid="21">
+                                            <p:txEl>
+                                              <p:pRg st="2" end="2"/>
+                                            </p:txEl>
+                                          </p:spTgt>
+                                        </p:tgtEl>
+                                        <p:attrNameLst>
+                                          <p:attrName>ppt_y</p:attrName>
+                                        </p:attrNameLst>
+                                      </p:cBhvr>
+                                      <p:tavLst>
+                                        <p:tav tm="0">
+                                          <p:val>
+                                            <p:strVal val="#ppt_y+.1"/>
+                                          </p:val>
+                                        </p:tav>
+                                        <p:tav tm="100000">
+                                          <p:val>
+                                            <p:strVal val="#ppt_y"/>
+                                          </p:val>
+                                        </p:tav>
+                                      </p:tavLst>
+                                    </p:anim>
+                                  </p:childTnLst>
+                                </p:cTn>
+                              </p:par>
+                            </p:childTnLst>
+                          </p:cTn>
+                        </p:par>
+                        <p:par>
+                          <p:cTn id="27" fill="hold">
+                            <p:stCondLst>
+                              <p:cond delay="3000"/>
+                            </p:stCondLst>
+                            <p:childTnLst>
+                              <p:par>
+                                <p:cTn id="28" presetID="42" presetClass="entr" presetSubtype="0" fill="hold" nodeType="afterEffect">
+                                  <p:stCondLst>
+                                    <p:cond delay="0"/>
+                                  </p:stCondLst>
+                                  <p:childTnLst>
+                                    <p:set>
+                                      <p:cBhvr>
+                                        <p:cTn id="29" dur="1" fill="hold">
+                                          <p:stCondLst>
+                                            <p:cond delay="0"/>
+                                          </p:stCondLst>
+                                        </p:cTn>
+                                        <p:tgtEl>
+                                          <p:spTgt spid="21">
+                                            <p:txEl>
+                                              <p:pRg st="3" end="3"/>
+                                            </p:txEl>
+                                          </p:spTgt>
+                                        </p:tgtEl>
+                                        <p:attrNameLst>
+                                          <p:attrName>style.visibility</p:attrName>
+                                        </p:attrNameLst>
+                                      </p:cBhvr>
+                                      <p:to>
+                                        <p:strVal val="visible"/>
+                                      </p:to>
+                                    </p:set>
+                                    <p:animEffect transition="in" filter="fade">
+                                      <p:cBhvr>
+                                        <p:cTn id="30" dur="1000"/>
+                                        <p:tgtEl>
+                                          <p:spTgt spid="21">
+                                            <p:txEl>
+                                              <p:pRg st="3" end="3"/>
+                                            </p:txEl>
+                                          </p:spTgt>
+                                        </p:tgtEl>
+                                      </p:cBhvr>
+                                    </p:animEffect>
+                                    <p:anim calcmode="lin" valueType="num">
+                                      <p:cBhvr>
+                                        <p:cTn id="31" dur="1000" fill="hold"/>
+                                        <p:tgtEl>
+                                          <p:spTgt spid="21">
+                                            <p:txEl>
+                                              <p:pRg st="3" end="3"/>
+                                            </p:txEl>
+                                          </p:spTgt>
+                                        </p:tgtEl>
+                                        <p:attrNameLst>
+                                          <p:attrName>ppt_x</p:attrName>
+                                        </p:attrNameLst>
+                                      </p:cBhvr>
+                                      <p:tavLst>
+                                        <p:tav tm="0">
+                                          <p:val>
+                                            <p:strVal val="#ppt_x"/>
+                                          </p:val>
+                                        </p:tav>
+                                        <p:tav tm="100000">
+                                          <p:val>
+                                            <p:strVal val="#ppt_x"/>
+                                          </p:val>
+                                        </p:tav>
+                                      </p:tavLst>
+                                    </p:anim>
+                                    <p:anim calcmode="lin" valueType="num">
+                                      <p:cBhvr>
+                                        <p:cTn id="32" dur="1000" fill="hold"/>
+                                        <p:tgtEl>
+                                          <p:spTgt spid="21">
+                                            <p:txEl>
+                                              <p:pRg st="3" end="3"/>
+                                            </p:txEl>
+                                          </p:spTgt>
+                                        </p:tgtEl>
+                                        <p:attrNameLst>
+                                          <p:attrName>ppt_y</p:attrName>
+                                        </p:attrNameLst>
+                                      </p:cBhvr>
+                                      <p:tavLst>
+                                        <p:tav tm="0">
+                                          <p:val>
+                                            <p:strVal val="#ppt_y+.1"/>
+                                          </p:val>
+                                        </p:tav>
+                                        <p:tav tm="100000">
+                                          <p:val>
+                                            <p:strVal val="#ppt_y"/>
+                                          </p:val>
+                                        </p:tav>
+                                      </p:tavLst>
+                                    </p:anim>
+                                  </p:childTnLst>
+                                </p:cTn>
+                              </p:par>
+                            </p:childTnLst>
+                          </p:cTn>
+                        </p:par>
+                        <p:par>
+                          <p:cTn id="33" fill="hold">
+                            <p:stCondLst>
+                              <p:cond delay="4000"/>
+                            </p:stCondLst>
+                            <p:childTnLst>
+                              <p:par>
+                                <p:cTn id="34" presetID="42" presetClass="entr" presetSubtype="0" fill="hold" nodeType="afterEffect">
+                                  <p:stCondLst>
+                                    <p:cond delay="0"/>
+                                  </p:stCondLst>
+                                  <p:childTnLst>
+                                    <p:set>
+                                      <p:cBhvr>
+                                        <p:cTn id="35" dur="1" fill="hold">
+                                          <p:stCondLst>
+                                            <p:cond delay="0"/>
+                                          </p:stCondLst>
+                                        </p:cTn>
+                                        <p:tgtEl>
+                                          <p:spTgt spid="21">
+                                            <p:txEl>
+                                              <p:pRg st="4" end="4"/>
+                                            </p:txEl>
+                                          </p:spTgt>
+                                        </p:tgtEl>
+                                        <p:attrNameLst>
+                                          <p:attrName>style.visibility</p:attrName>
+                                        </p:attrNameLst>
+                                      </p:cBhvr>
+                                      <p:to>
+                                        <p:strVal val="visible"/>
+                                      </p:to>
+                                    </p:set>
+                                    <p:animEffect transition="in" filter="fade">
+                                      <p:cBhvr>
+                                        <p:cTn id="36" dur="1000"/>
+                                        <p:tgtEl>
+                                          <p:spTgt spid="21">
+                                            <p:txEl>
+                                              <p:pRg st="4" end="4"/>
+                                            </p:txEl>
+                                          </p:spTgt>
+                                        </p:tgtEl>
+                                      </p:cBhvr>
+                                    </p:animEffect>
+                                    <p:anim calcmode="lin" valueType="num">
+                                      <p:cBhvr>
+                                        <p:cTn id="37" dur="1000" fill="hold"/>
+                                        <p:tgtEl>
+                                          <p:spTgt spid="21">
+                                            <p:txEl>
+                                              <p:pRg st="4" end="4"/>
+                                            </p:txEl>
+                                          </p:spTgt>
+                                        </p:tgtEl>
+                                        <p:attrNameLst>
+                                          <p:attrName>ppt_x</p:attrName>
+                                        </p:attrNameLst>
+                                      </p:cBhvr>
+                                      <p:tavLst>
+                                        <p:tav tm="0">
+                                          <p:val>
+                                            <p:strVal val="#ppt_x"/>
+                                          </p:val>
+                                        </p:tav>
+                                        <p:tav tm="100000">
+                                          <p:val>
+                                            <p:strVal val="#ppt_x"/>
+                                          </p:val>
+                                        </p:tav>
+                                      </p:tavLst>
+                                    </p:anim>
+                                    <p:anim calcmode="lin" valueType="num">
+                                      <p:cBhvr>
+                                        <p:cTn id="38" dur="1000" fill="hold"/>
+                                        <p:tgtEl>
+                                          <p:spTgt spid="21">
+                                            <p:txEl>
+                                              <p:pRg st="4" end="4"/>
+                                            </p:txEl>
+                                          </p:spTgt>
+                                        </p:tgtEl>
+                                        <p:attrNameLst>
+                                          <p:attrName>ppt_y</p:attrName>
+                                        </p:attrNameLst>
+                                      </p:cBhvr>
+                                      <p:tavLst>
+                                        <p:tav tm="0">
+                                          <p:val>
+                                            <p:strVal val="#ppt_y+.1"/>
+                                          </p:val>
+                                        </p:tav>
+                                        <p:tav tm="100000">
+                                          <p:val>
+                                            <p:strVal val="#ppt_y"/>
+                                          </p:val>
+                                        </p:tav>
+                                      </p:tavLst>
+                                    </p:anim>
+                                  </p:childTnLst>
+                                </p:cTn>
+                              </p:par>
+                            </p:childTnLst>
+                          </p:cTn>
+                        </p:par>
+                        <p:par>
+                          <p:cTn id="39" fill="hold">
+                            <p:stCondLst>
+                              <p:cond delay="5000"/>
+                            </p:stCondLst>
+                            <p:childTnLst>
+                              <p:par>
+                                <p:cTn id="40" presetID="42" presetClass="entr" presetSubtype="0" fill="hold" nodeType="afterEffect">
+                                  <p:stCondLst>
+                                    <p:cond delay="0"/>
+                                  </p:stCondLst>
+                                  <p:childTnLst>
+                                    <p:set>
+                                      <p:cBhvr>
+                                        <p:cTn id="41" dur="1" fill="hold">
+                                          <p:stCondLst>
+                                            <p:cond delay="0"/>
+                                          </p:stCondLst>
+                                        </p:cTn>
+                                        <p:tgtEl>
+                                          <p:spTgt spid="21">
+                                            <p:txEl>
+                                              <p:pRg st="5" end="5"/>
+                                            </p:txEl>
+                                          </p:spTgt>
+                                        </p:tgtEl>
+                                        <p:attrNameLst>
+                                          <p:attrName>style.visibility</p:attrName>
+                                        </p:attrNameLst>
+                                      </p:cBhvr>
+                                      <p:to>
+                                        <p:strVal val="visible"/>
+                                      </p:to>
+                                    </p:set>
+                                    <p:animEffect transition="in" filter="fade">
+                                      <p:cBhvr>
+                                        <p:cTn id="42" dur="1000"/>
+                                        <p:tgtEl>
+                                          <p:spTgt spid="21">
+                                            <p:txEl>
+                                              <p:pRg st="5" end="5"/>
+                                            </p:txEl>
+                                          </p:spTgt>
+                                        </p:tgtEl>
+                                      </p:cBhvr>
+                                    </p:animEffect>
+                                    <p:anim calcmode="lin" valueType="num">
+                                      <p:cBhvr>
+                                        <p:cTn id="43" dur="1000" fill="hold"/>
+                                        <p:tgtEl>
+                                          <p:spTgt spid="21">
+                                            <p:txEl>
+                                              <p:pRg st="5" end="5"/>
+                                            </p:txEl>
+                                          </p:spTgt>
+                                        </p:tgtEl>
+                                        <p:attrNameLst>
+                                          <p:attrName>ppt_x</p:attrName>
+                                        </p:attrNameLst>
+                                      </p:cBhvr>
+                                      <p:tavLst>
+                                        <p:tav tm="0">
+                                          <p:val>
+                                            <p:strVal val="#ppt_x"/>
+                                          </p:val>
+                                        </p:tav>
+                                        <p:tav tm="100000">
+                                          <p:val>
+                                            <p:strVal val="#ppt_x"/>
+                                          </p:val>
+                                        </p:tav>
+                                      </p:tavLst>
+                                    </p:anim>
+                                    <p:anim calcmode="lin" valueType="num">
+                                      <p:cBhvr>
+                                        <p:cTn id="44" dur="1000" fill="hold"/>
+                                        <p:tgtEl>
+                                          <p:spTgt spid="21">
+                                            <p:txEl>
+                                              <p:pRg st="5" end="5"/>
+                                            </p:txEl>
+                                          </p:spTgt>
+                                        </p:tgtEl>
+                                        <p:attrNameLst>
+                                          <p:attrName>ppt_y</p:attrName>
+                                        </p:attrNameLst>
+                                      </p:cBhvr>
+                                      <p:tavLst>
+                                        <p:tav tm="0">
+                                          <p:val>
+                                            <p:strVal val="#ppt_y+.1"/>
+                                          </p:val>
+                                        </p:tav>
+                                        <p:tav tm="100000">
+                                          <p:val>
+                                            <p:strVal val="#ppt_y"/>
+                                          </p:val>
+                                        </p:tav>
+                                      </p:tavLst>
+                                    </p:anim>
+                                  </p:childTnLst>
+                                </p:cTn>
+                              </p:par>
+                            </p:childTnLst>
+                          </p:cTn>
+                        </p:par>
+                        <p:par>
+                          <p:cTn id="45" fill="hold">
+                            <p:stCondLst>
+                              <p:cond delay="6000"/>
+                            </p:stCondLst>
+                            <p:childTnLst>
+                              <p:par>
+                                <p:cTn id="46" presetID="42" presetClass="entr" presetSubtype="0" fill="hold" nodeType="afterEffect">
+                                  <p:stCondLst>
+                                    <p:cond delay="0"/>
+                                  </p:stCondLst>
+                                  <p:childTnLst>
+                                    <p:set>
+                                      <p:cBhvr>
+                                        <p:cTn id="47" dur="1" fill="hold">
+                                          <p:stCondLst>
+                                            <p:cond delay="0"/>
+                                          </p:stCondLst>
+                                        </p:cTn>
+                                        <p:tgtEl>
+                                          <p:spTgt spid="21">
+                                            <p:txEl>
+                                              <p:pRg st="6" end="6"/>
+                                            </p:txEl>
+                                          </p:spTgt>
+                                        </p:tgtEl>
+                                        <p:attrNameLst>
+                                          <p:attrName>style.visibility</p:attrName>
+                                        </p:attrNameLst>
+                                      </p:cBhvr>
+                                      <p:to>
+                                        <p:strVal val="visible"/>
+                                      </p:to>
+                                    </p:set>
+                                    <p:animEffect transition="in" filter="fade">
+                                      <p:cBhvr>
+                                        <p:cTn id="48" dur="1000"/>
+                                        <p:tgtEl>
+                                          <p:spTgt spid="21">
+                                            <p:txEl>
+                                              <p:pRg st="6" end="6"/>
+                                            </p:txEl>
+                                          </p:spTgt>
+                                        </p:tgtEl>
+                                      </p:cBhvr>
+                                    </p:animEffect>
+                                    <p:anim calcmode="lin" valueType="num">
+                                      <p:cBhvr>
+                                        <p:cTn id="49" dur="1000" fill="hold"/>
+                                        <p:tgtEl>
+                                          <p:spTgt spid="21">
+                                            <p:txEl>
+                                              <p:pRg st="6" end="6"/>
+                                            </p:txEl>
+                                          </p:spTgt>
+                                        </p:tgtEl>
+                                        <p:attrNameLst>
+                                          <p:attrName>ppt_x</p:attrName>
+                                        </p:attrNameLst>
+                                      </p:cBhvr>
+                                      <p:tavLst>
+                                        <p:tav tm="0">
+                                          <p:val>
+                                            <p:strVal val="#ppt_x"/>
+                                          </p:val>
+                                        </p:tav>
+                                        <p:tav tm="100000">
+                                          <p:val>
+                                            <p:strVal val="#ppt_x"/>
+                                          </p:val>
+                                        </p:tav>
+                                      </p:tavLst>
+                                    </p:anim>
+                                    <p:anim calcmode="lin" valueType="num">
+                                      <p:cBhvr>
+                                        <p:cTn id="50" dur="1000" fill="hold"/>
+                                        <p:tgtEl>
+                                          <p:spTgt spid="21">
+                                            <p:txEl>
+                                              <p:pRg st="6" end="6"/>
+                                            </p:txEl>
+                                          </p:spTgt>
+                                        </p:tgtEl>
+                                        <p:attrNameLst>
+                                          <p:attrName>ppt_y</p:attrName>
+                                        </p:attrNameLst>
+                                      </p:cBhvr>
+                                      <p:tavLst>
+                                        <p:tav tm="0">
+                                          <p:val>
+                                            <p:strVal val="#ppt_y+.1"/>
+                                          </p:val>
+                                        </p:tav>
+                                        <p:tav tm="100000">
+                                          <p:val>
+                                            <p:strVal val="#ppt_y"/>
+                                          </p:val>
+                                        </p:tav>
+                                      </p:tavLst>
+                                    </p:anim>
+                                  </p:childTnLst>
+                                </p:cTn>
+                              </p:par>
+                            </p:childTnLst>
+                          </p:cTn>
+                        </p:par>
+                        <p:par>
+                          <p:cTn id="51" fill="hold">
+                            <p:stCondLst>
+                              <p:cond delay="7000"/>
+                            </p:stCondLst>
+                            <p:childTnLst>
+                              <p:par>
+                                <p:cTn id="52" presetID="42" presetClass="entr" presetSubtype="0" fill="hold" nodeType="afterEffect">
+                                  <p:stCondLst>
+                                    <p:cond delay="0"/>
+                                  </p:stCondLst>
+                                  <p:childTnLst>
+                                    <p:set>
+                                      <p:cBhvr>
+                                        <p:cTn id="53" dur="1" fill="hold">
+                                          <p:stCondLst>
+                                            <p:cond delay="0"/>
+                                          </p:stCondLst>
+                                        </p:cTn>
+                                        <p:tgtEl>
+                                          <p:spTgt spid="18"/>
+                                        </p:tgtEl>
+                                        <p:attrNameLst>
+                                          <p:attrName>style.visibility</p:attrName>
+                                        </p:attrNameLst>
+                                      </p:cBhvr>
+                                      <p:to>
+                                        <p:strVal val="visible"/>
+                                      </p:to>
+                                    </p:set>
+                                    <p:animEffect transition="in" filter="fade">
+                                      <p:cBhvr>
+                                        <p:cTn id="54" dur="1000"/>
+                                        <p:tgtEl>
+                                          <p:spTgt spid="18"/>
+                                        </p:tgtEl>
+                                      </p:cBhvr>
+                                    </p:animEffect>
+                                    <p:anim calcmode="lin" valueType="num">
+                                      <p:cBhvr>
+                                        <p:cTn id="55" dur="1000" fill="hold"/>
+                                        <p:tgtEl>
+                                          <p:spTgt spid="18"/>
+                                        </p:tgtEl>
+                                        <p:attrNameLst>
+                                          <p:attrName>ppt_x</p:attrName>
+                                        </p:attrNameLst>
+                                      </p:cBhvr>
+                                      <p:tavLst>
+                                        <p:tav tm="0">
+                                          <p:val>
+                                            <p:strVal val="#ppt_x"/>
+                                          </p:val>
+                                        </p:tav>
+                                        <p:tav tm="100000">
+                                          <p:val>
+                                            <p:strVal val="#ppt_x"/>
+                                          </p:val>
+                                        </p:tav>
+                                      </p:tavLst>
+                                    </p:anim>
+                                    <p:anim calcmode="lin" valueType="num">
+                                      <p:cBhvr>
+                                        <p:cTn id="56" dur="1000" fill="hold"/>
                                         <p:tgtEl>
                                           <p:spTgt spid="18"/>
                                         </p:tgtEl>
@@ -10701,13 +13565,6 @@
               </a:rPr>
               <a:t>CTK37</a:t>
             </a:r>
-            <a:endParaRPr lang="en-US" sz="3600" dirty="0">
-              <a:solidFill>
-                <a:srgbClr val="00B404"/>
-              </a:solidFill>
-              <a:latin typeface="Segoe UI Semilight" pitchFamily="34" charset="0"/>
-              <a:cs typeface="Segoe UI Semilight" pitchFamily="34" charset="0"/>
-            </a:endParaRPr>
           </a:p>
         </p:txBody>
       </p:sp>
@@ -10955,16 +13812,6 @@
               </a:rPr>
               <a:t>Giao diện</a:t>
             </a:r>
-            <a:endParaRPr lang="en-US" sz="2400" dirty="0">
-              <a:solidFill>
-                <a:schemeClr val="tx1">
-                  <a:lumMod val="75000"/>
-                  <a:lumOff val="25000"/>
-                </a:schemeClr>
-              </a:solidFill>
-              <a:latin typeface="Segoe UI Light" pitchFamily="34" charset="0"/>
-              <a:cs typeface="Segoe UI Light" pitchFamily="34" charset="0"/>
-            </a:endParaRPr>
           </a:p>
         </p:txBody>
       </p:sp>
@@ -11026,16 +13873,6 @@
               </a:rPr>
               <a:t>Lời cảm ơn</a:t>
             </a:r>
-            <a:endParaRPr lang="en-US" sz="2400" dirty="0">
-              <a:solidFill>
-                <a:schemeClr val="tx1">
-                  <a:lumMod val="75000"/>
-                  <a:lumOff val="25000"/>
-                </a:schemeClr>
-              </a:solidFill>
-              <a:latin typeface="Segoe UI Light" pitchFamily="34" charset="0"/>
-              <a:cs typeface="Segoe UI Light" pitchFamily="34" charset="0"/>
-            </a:endParaRPr>
           </a:p>
         </p:txBody>
       </p:sp>
@@ -11139,16 +13976,6 @@
               </a:rPr>
               <a:t>Phương pháp</a:t>
             </a:r>
-            <a:endParaRPr lang="en-US" sz="2400" dirty="0">
-              <a:solidFill>
-                <a:schemeClr val="tx1">
-                  <a:lumMod val="75000"/>
-                  <a:lumOff val="25000"/>
-                </a:schemeClr>
-              </a:solidFill>
-              <a:latin typeface="Segoe UI Light" pitchFamily="34" charset="0"/>
-              <a:cs typeface="Segoe UI Light" pitchFamily="34" charset="0"/>
-            </a:endParaRPr>
           </a:p>
         </p:txBody>
       </p:sp>
@@ -11518,30 +14345,131 @@
                                   </p:childTnLst>
                                 </p:cTn>
                               </p:par>
+                              <p:par>
+                                <p:cTn id="10" presetID="42" presetClass="entr" presetSubtype="0" fill="hold" nodeType="withEffect">
+                                  <p:stCondLst>
+                                    <p:cond delay="0"/>
+                                  </p:stCondLst>
+                                  <p:childTnLst>
+                                    <p:set>
+                                      <p:cBhvr>
+                                        <p:cTn id="11" dur="1" fill="hold">
+                                          <p:stCondLst>
+                                            <p:cond delay="0"/>
+                                          </p:stCondLst>
+                                        </p:cTn>
+                                        <p:tgtEl>
+                                          <p:spTgt spid="21">
+                                            <p:txEl>
+                                              <p:pRg st="0" end="0"/>
+                                            </p:txEl>
+                                          </p:spTgt>
+                                        </p:tgtEl>
+                                        <p:attrNameLst>
+                                          <p:attrName>style.visibility</p:attrName>
+                                        </p:attrNameLst>
+                                      </p:cBhvr>
+                                      <p:to>
+                                        <p:strVal val="visible"/>
+                                      </p:to>
+                                    </p:set>
+                                    <p:animEffect transition="in" filter="fade">
+                                      <p:cBhvr>
+                                        <p:cTn id="12" dur="1000"/>
+                                        <p:tgtEl>
+                                          <p:spTgt spid="21">
+                                            <p:txEl>
+                                              <p:pRg st="0" end="0"/>
+                                            </p:txEl>
+                                          </p:spTgt>
+                                        </p:tgtEl>
+                                      </p:cBhvr>
+                                    </p:animEffect>
+                                    <p:anim calcmode="lin" valueType="num">
+                                      <p:cBhvr>
+                                        <p:cTn id="13" dur="1000" fill="hold"/>
+                                        <p:tgtEl>
+                                          <p:spTgt spid="21">
+                                            <p:txEl>
+                                              <p:pRg st="0" end="0"/>
+                                            </p:txEl>
+                                          </p:spTgt>
+                                        </p:tgtEl>
+                                        <p:attrNameLst>
+                                          <p:attrName>ppt_x</p:attrName>
+                                        </p:attrNameLst>
+                                      </p:cBhvr>
+                                      <p:tavLst>
+                                        <p:tav tm="0">
+                                          <p:val>
+                                            <p:strVal val="#ppt_x"/>
+                                          </p:val>
+                                        </p:tav>
+                                        <p:tav tm="100000">
+                                          <p:val>
+                                            <p:strVal val="#ppt_x"/>
+                                          </p:val>
+                                        </p:tav>
+                                      </p:tavLst>
+                                    </p:anim>
+                                    <p:anim calcmode="lin" valueType="num">
+                                      <p:cBhvr>
+                                        <p:cTn id="14" dur="1000" fill="hold"/>
+                                        <p:tgtEl>
+                                          <p:spTgt spid="21">
+                                            <p:txEl>
+                                              <p:pRg st="0" end="0"/>
+                                            </p:txEl>
+                                          </p:spTgt>
+                                        </p:tgtEl>
+                                        <p:attrNameLst>
+                                          <p:attrName>ppt_y</p:attrName>
+                                        </p:attrNameLst>
+                                      </p:cBhvr>
+                                      <p:tavLst>
+                                        <p:tav tm="0">
+                                          <p:val>
+                                            <p:strVal val="#ppt_y+.1"/>
+                                          </p:val>
+                                        </p:tav>
+                                        <p:tav tm="100000">
+                                          <p:val>
+                                            <p:strVal val="#ppt_y"/>
+                                          </p:val>
+                                        </p:tav>
+                                      </p:tavLst>
+                                    </p:anim>
+                                  </p:childTnLst>
+                                </p:cTn>
+                              </p:par>
                             </p:childTnLst>
                           </p:cTn>
                         </p:par>
                         <p:par>
-                          <p:cTn id="10" fill="hold">
+                          <p:cTn id="15" fill="hold">
                             <p:stCondLst>
                               <p:cond delay="1000"/>
                             </p:stCondLst>
                             <p:childTnLst>
                               <p:par>
-                                <p:cTn id="11" presetID="42" presetClass="entr" presetSubtype="0" fill="hold" nodeType="afterEffect">
+                                <p:cTn id="16" presetID="42" presetClass="entr" presetSubtype="0" fill="hold" nodeType="afterEffect">
                                   <p:stCondLst>
                                     <p:cond delay="0"/>
                                   </p:stCondLst>
                                   <p:childTnLst>
                                     <p:set>
                                       <p:cBhvr>
-                                        <p:cTn id="12" dur="1" fill="hold">
+                                        <p:cTn id="17" dur="1" fill="hold">
                                           <p:stCondLst>
                                             <p:cond delay="0"/>
                                           </p:stCondLst>
                                         </p:cTn>
                                         <p:tgtEl>
-                                          <p:spTgt spid="18"/>
+                                          <p:spTgt spid="21">
+                                            <p:txEl>
+                                              <p:pRg st="1" end="1"/>
+                                            </p:txEl>
+                                          </p:spTgt>
                                         </p:tgtEl>
                                         <p:attrNameLst>
                                           <p:attrName>style.visibility</p:attrName>
@@ -11553,17 +14481,25 @@
                                     </p:set>
                                     <p:animEffect transition="in" filter="fade">
                                       <p:cBhvr>
-                                        <p:cTn id="13" dur="1000"/>
-                                        <p:tgtEl>
-                                          <p:spTgt spid="18"/>
+                                        <p:cTn id="18" dur="1000"/>
+                                        <p:tgtEl>
+                                          <p:spTgt spid="21">
+                                            <p:txEl>
+                                              <p:pRg st="1" end="1"/>
+                                            </p:txEl>
+                                          </p:spTgt>
                                         </p:tgtEl>
                                       </p:cBhvr>
                                     </p:animEffect>
                                     <p:anim calcmode="lin" valueType="num">
                                       <p:cBhvr>
-                                        <p:cTn id="14" dur="1000" fill="hold"/>
-                                        <p:tgtEl>
-                                          <p:spTgt spid="18"/>
+                                        <p:cTn id="19" dur="1000" fill="hold"/>
+                                        <p:tgtEl>
+                                          <p:spTgt spid="21">
+                                            <p:txEl>
+                                              <p:pRg st="1" end="1"/>
+                                            </p:txEl>
+                                          </p:spTgt>
                                         </p:tgtEl>
                                         <p:attrNameLst>
                                           <p:attrName>ppt_x</p:attrName>
@@ -11584,7 +14520,525 @@
                                     </p:anim>
                                     <p:anim calcmode="lin" valueType="num">
                                       <p:cBhvr>
-                                        <p:cTn id="15" dur="1000" fill="hold"/>
+                                        <p:cTn id="20" dur="1000" fill="hold"/>
+                                        <p:tgtEl>
+                                          <p:spTgt spid="21">
+                                            <p:txEl>
+                                              <p:pRg st="1" end="1"/>
+                                            </p:txEl>
+                                          </p:spTgt>
+                                        </p:tgtEl>
+                                        <p:attrNameLst>
+                                          <p:attrName>ppt_y</p:attrName>
+                                        </p:attrNameLst>
+                                      </p:cBhvr>
+                                      <p:tavLst>
+                                        <p:tav tm="0">
+                                          <p:val>
+                                            <p:strVal val="#ppt_y+.1"/>
+                                          </p:val>
+                                        </p:tav>
+                                        <p:tav tm="100000">
+                                          <p:val>
+                                            <p:strVal val="#ppt_y"/>
+                                          </p:val>
+                                        </p:tav>
+                                      </p:tavLst>
+                                    </p:anim>
+                                  </p:childTnLst>
+                                </p:cTn>
+                              </p:par>
+                            </p:childTnLst>
+                          </p:cTn>
+                        </p:par>
+                        <p:par>
+                          <p:cTn id="21" fill="hold">
+                            <p:stCondLst>
+                              <p:cond delay="2000"/>
+                            </p:stCondLst>
+                            <p:childTnLst>
+                              <p:par>
+                                <p:cTn id="22" presetID="42" presetClass="entr" presetSubtype="0" fill="hold" nodeType="afterEffect">
+                                  <p:stCondLst>
+                                    <p:cond delay="0"/>
+                                  </p:stCondLst>
+                                  <p:childTnLst>
+                                    <p:set>
+                                      <p:cBhvr>
+                                        <p:cTn id="23" dur="1" fill="hold">
+                                          <p:stCondLst>
+                                            <p:cond delay="0"/>
+                                          </p:stCondLst>
+                                        </p:cTn>
+                                        <p:tgtEl>
+                                          <p:spTgt spid="21">
+                                            <p:txEl>
+                                              <p:pRg st="2" end="2"/>
+                                            </p:txEl>
+                                          </p:spTgt>
+                                        </p:tgtEl>
+                                        <p:attrNameLst>
+                                          <p:attrName>style.visibility</p:attrName>
+                                        </p:attrNameLst>
+                                      </p:cBhvr>
+                                      <p:to>
+                                        <p:strVal val="visible"/>
+                                      </p:to>
+                                    </p:set>
+                                    <p:animEffect transition="in" filter="fade">
+                                      <p:cBhvr>
+                                        <p:cTn id="24" dur="1000"/>
+                                        <p:tgtEl>
+                                          <p:spTgt spid="21">
+                                            <p:txEl>
+                                              <p:pRg st="2" end="2"/>
+                                            </p:txEl>
+                                          </p:spTgt>
+                                        </p:tgtEl>
+                                      </p:cBhvr>
+                                    </p:animEffect>
+                                    <p:anim calcmode="lin" valueType="num">
+                                      <p:cBhvr>
+                                        <p:cTn id="25" dur="1000" fill="hold"/>
+                                        <p:tgtEl>
+                                          <p:spTgt spid="21">
+                                            <p:txEl>
+                                              <p:pRg st="2" end="2"/>
+                                            </p:txEl>
+                                          </p:spTgt>
+                                        </p:tgtEl>
+                                        <p:attrNameLst>
+                                          <p:attrName>ppt_x</p:attrName>
+                                        </p:attrNameLst>
+                                      </p:cBhvr>
+                                      <p:tavLst>
+                                        <p:tav tm="0">
+                                          <p:val>
+                                            <p:strVal val="#ppt_x"/>
+                                          </p:val>
+                                        </p:tav>
+                                        <p:tav tm="100000">
+                                          <p:val>
+                                            <p:strVal val="#ppt_x"/>
+                                          </p:val>
+                                        </p:tav>
+                                      </p:tavLst>
+                                    </p:anim>
+                                    <p:anim calcmode="lin" valueType="num">
+                                      <p:cBhvr>
+                                        <p:cTn id="26" dur="1000" fill="hold"/>
+                                        <p:tgtEl>
+                                          <p:spTgt spid="21">
+                                            <p:txEl>
+                                              <p:pRg st="2" end="2"/>
+                                            </p:txEl>
+                                          </p:spTgt>
+                                        </p:tgtEl>
+                                        <p:attrNameLst>
+                                          <p:attrName>ppt_y</p:attrName>
+                                        </p:attrNameLst>
+                                      </p:cBhvr>
+                                      <p:tavLst>
+                                        <p:tav tm="0">
+                                          <p:val>
+                                            <p:strVal val="#ppt_y+.1"/>
+                                          </p:val>
+                                        </p:tav>
+                                        <p:tav tm="100000">
+                                          <p:val>
+                                            <p:strVal val="#ppt_y"/>
+                                          </p:val>
+                                        </p:tav>
+                                      </p:tavLst>
+                                    </p:anim>
+                                  </p:childTnLst>
+                                </p:cTn>
+                              </p:par>
+                            </p:childTnLst>
+                          </p:cTn>
+                        </p:par>
+                        <p:par>
+                          <p:cTn id="27" fill="hold">
+                            <p:stCondLst>
+                              <p:cond delay="3000"/>
+                            </p:stCondLst>
+                            <p:childTnLst>
+                              <p:par>
+                                <p:cTn id="28" presetID="42" presetClass="entr" presetSubtype="0" fill="hold" nodeType="afterEffect">
+                                  <p:stCondLst>
+                                    <p:cond delay="0"/>
+                                  </p:stCondLst>
+                                  <p:childTnLst>
+                                    <p:set>
+                                      <p:cBhvr>
+                                        <p:cTn id="29" dur="1" fill="hold">
+                                          <p:stCondLst>
+                                            <p:cond delay="0"/>
+                                          </p:stCondLst>
+                                        </p:cTn>
+                                        <p:tgtEl>
+                                          <p:spTgt spid="21">
+                                            <p:txEl>
+                                              <p:pRg st="3" end="3"/>
+                                            </p:txEl>
+                                          </p:spTgt>
+                                        </p:tgtEl>
+                                        <p:attrNameLst>
+                                          <p:attrName>style.visibility</p:attrName>
+                                        </p:attrNameLst>
+                                      </p:cBhvr>
+                                      <p:to>
+                                        <p:strVal val="visible"/>
+                                      </p:to>
+                                    </p:set>
+                                    <p:animEffect transition="in" filter="fade">
+                                      <p:cBhvr>
+                                        <p:cTn id="30" dur="1000"/>
+                                        <p:tgtEl>
+                                          <p:spTgt spid="21">
+                                            <p:txEl>
+                                              <p:pRg st="3" end="3"/>
+                                            </p:txEl>
+                                          </p:spTgt>
+                                        </p:tgtEl>
+                                      </p:cBhvr>
+                                    </p:animEffect>
+                                    <p:anim calcmode="lin" valueType="num">
+                                      <p:cBhvr>
+                                        <p:cTn id="31" dur="1000" fill="hold"/>
+                                        <p:tgtEl>
+                                          <p:spTgt spid="21">
+                                            <p:txEl>
+                                              <p:pRg st="3" end="3"/>
+                                            </p:txEl>
+                                          </p:spTgt>
+                                        </p:tgtEl>
+                                        <p:attrNameLst>
+                                          <p:attrName>ppt_x</p:attrName>
+                                        </p:attrNameLst>
+                                      </p:cBhvr>
+                                      <p:tavLst>
+                                        <p:tav tm="0">
+                                          <p:val>
+                                            <p:strVal val="#ppt_x"/>
+                                          </p:val>
+                                        </p:tav>
+                                        <p:tav tm="100000">
+                                          <p:val>
+                                            <p:strVal val="#ppt_x"/>
+                                          </p:val>
+                                        </p:tav>
+                                      </p:tavLst>
+                                    </p:anim>
+                                    <p:anim calcmode="lin" valueType="num">
+                                      <p:cBhvr>
+                                        <p:cTn id="32" dur="1000" fill="hold"/>
+                                        <p:tgtEl>
+                                          <p:spTgt spid="21">
+                                            <p:txEl>
+                                              <p:pRg st="3" end="3"/>
+                                            </p:txEl>
+                                          </p:spTgt>
+                                        </p:tgtEl>
+                                        <p:attrNameLst>
+                                          <p:attrName>ppt_y</p:attrName>
+                                        </p:attrNameLst>
+                                      </p:cBhvr>
+                                      <p:tavLst>
+                                        <p:tav tm="0">
+                                          <p:val>
+                                            <p:strVal val="#ppt_y+.1"/>
+                                          </p:val>
+                                        </p:tav>
+                                        <p:tav tm="100000">
+                                          <p:val>
+                                            <p:strVal val="#ppt_y"/>
+                                          </p:val>
+                                        </p:tav>
+                                      </p:tavLst>
+                                    </p:anim>
+                                  </p:childTnLst>
+                                </p:cTn>
+                              </p:par>
+                            </p:childTnLst>
+                          </p:cTn>
+                        </p:par>
+                        <p:par>
+                          <p:cTn id="33" fill="hold">
+                            <p:stCondLst>
+                              <p:cond delay="4000"/>
+                            </p:stCondLst>
+                            <p:childTnLst>
+                              <p:par>
+                                <p:cTn id="34" presetID="42" presetClass="entr" presetSubtype="0" fill="hold" nodeType="afterEffect">
+                                  <p:stCondLst>
+                                    <p:cond delay="0"/>
+                                  </p:stCondLst>
+                                  <p:childTnLst>
+                                    <p:set>
+                                      <p:cBhvr>
+                                        <p:cTn id="35" dur="1" fill="hold">
+                                          <p:stCondLst>
+                                            <p:cond delay="0"/>
+                                          </p:stCondLst>
+                                        </p:cTn>
+                                        <p:tgtEl>
+                                          <p:spTgt spid="21">
+                                            <p:txEl>
+                                              <p:pRg st="4" end="4"/>
+                                            </p:txEl>
+                                          </p:spTgt>
+                                        </p:tgtEl>
+                                        <p:attrNameLst>
+                                          <p:attrName>style.visibility</p:attrName>
+                                        </p:attrNameLst>
+                                      </p:cBhvr>
+                                      <p:to>
+                                        <p:strVal val="visible"/>
+                                      </p:to>
+                                    </p:set>
+                                    <p:animEffect transition="in" filter="fade">
+                                      <p:cBhvr>
+                                        <p:cTn id="36" dur="1000"/>
+                                        <p:tgtEl>
+                                          <p:spTgt spid="21">
+                                            <p:txEl>
+                                              <p:pRg st="4" end="4"/>
+                                            </p:txEl>
+                                          </p:spTgt>
+                                        </p:tgtEl>
+                                      </p:cBhvr>
+                                    </p:animEffect>
+                                    <p:anim calcmode="lin" valueType="num">
+                                      <p:cBhvr>
+                                        <p:cTn id="37" dur="1000" fill="hold"/>
+                                        <p:tgtEl>
+                                          <p:spTgt spid="21">
+                                            <p:txEl>
+                                              <p:pRg st="4" end="4"/>
+                                            </p:txEl>
+                                          </p:spTgt>
+                                        </p:tgtEl>
+                                        <p:attrNameLst>
+                                          <p:attrName>ppt_x</p:attrName>
+                                        </p:attrNameLst>
+                                      </p:cBhvr>
+                                      <p:tavLst>
+                                        <p:tav tm="0">
+                                          <p:val>
+                                            <p:strVal val="#ppt_x"/>
+                                          </p:val>
+                                        </p:tav>
+                                        <p:tav tm="100000">
+                                          <p:val>
+                                            <p:strVal val="#ppt_x"/>
+                                          </p:val>
+                                        </p:tav>
+                                      </p:tavLst>
+                                    </p:anim>
+                                    <p:anim calcmode="lin" valueType="num">
+                                      <p:cBhvr>
+                                        <p:cTn id="38" dur="1000" fill="hold"/>
+                                        <p:tgtEl>
+                                          <p:spTgt spid="21">
+                                            <p:txEl>
+                                              <p:pRg st="4" end="4"/>
+                                            </p:txEl>
+                                          </p:spTgt>
+                                        </p:tgtEl>
+                                        <p:attrNameLst>
+                                          <p:attrName>ppt_y</p:attrName>
+                                        </p:attrNameLst>
+                                      </p:cBhvr>
+                                      <p:tavLst>
+                                        <p:tav tm="0">
+                                          <p:val>
+                                            <p:strVal val="#ppt_y+.1"/>
+                                          </p:val>
+                                        </p:tav>
+                                        <p:tav tm="100000">
+                                          <p:val>
+                                            <p:strVal val="#ppt_y"/>
+                                          </p:val>
+                                        </p:tav>
+                                      </p:tavLst>
+                                    </p:anim>
+                                  </p:childTnLst>
+                                </p:cTn>
+                              </p:par>
+                            </p:childTnLst>
+                          </p:cTn>
+                        </p:par>
+                        <p:par>
+                          <p:cTn id="39" fill="hold">
+                            <p:stCondLst>
+                              <p:cond delay="5000"/>
+                            </p:stCondLst>
+                            <p:childTnLst>
+                              <p:par>
+                                <p:cTn id="40" presetID="42" presetClass="entr" presetSubtype="0" fill="hold" nodeType="afterEffect">
+                                  <p:stCondLst>
+                                    <p:cond delay="0"/>
+                                  </p:stCondLst>
+                                  <p:childTnLst>
+                                    <p:set>
+                                      <p:cBhvr>
+                                        <p:cTn id="41" dur="1" fill="hold">
+                                          <p:stCondLst>
+                                            <p:cond delay="0"/>
+                                          </p:stCondLst>
+                                        </p:cTn>
+                                        <p:tgtEl>
+                                          <p:spTgt spid="21">
+                                            <p:txEl>
+                                              <p:pRg st="5" end="5"/>
+                                            </p:txEl>
+                                          </p:spTgt>
+                                        </p:tgtEl>
+                                        <p:attrNameLst>
+                                          <p:attrName>style.visibility</p:attrName>
+                                        </p:attrNameLst>
+                                      </p:cBhvr>
+                                      <p:to>
+                                        <p:strVal val="visible"/>
+                                      </p:to>
+                                    </p:set>
+                                    <p:animEffect transition="in" filter="fade">
+                                      <p:cBhvr>
+                                        <p:cTn id="42" dur="1000"/>
+                                        <p:tgtEl>
+                                          <p:spTgt spid="21">
+                                            <p:txEl>
+                                              <p:pRg st="5" end="5"/>
+                                            </p:txEl>
+                                          </p:spTgt>
+                                        </p:tgtEl>
+                                      </p:cBhvr>
+                                    </p:animEffect>
+                                    <p:anim calcmode="lin" valueType="num">
+                                      <p:cBhvr>
+                                        <p:cTn id="43" dur="1000" fill="hold"/>
+                                        <p:tgtEl>
+                                          <p:spTgt spid="21">
+                                            <p:txEl>
+                                              <p:pRg st="5" end="5"/>
+                                            </p:txEl>
+                                          </p:spTgt>
+                                        </p:tgtEl>
+                                        <p:attrNameLst>
+                                          <p:attrName>ppt_x</p:attrName>
+                                        </p:attrNameLst>
+                                      </p:cBhvr>
+                                      <p:tavLst>
+                                        <p:tav tm="0">
+                                          <p:val>
+                                            <p:strVal val="#ppt_x"/>
+                                          </p:val>
+                                        </p:tav>
+                                        <p:tav tm="100000">
+                                          <p:val>
+                                            <p:strVal val="#ppt_x"/>
+                                          </p:val>
+                                        </p:tav>
+                                      </p:tavLst>
+                                    </p:anim>
+                                    <p:anim calcmode="lin" valueType="num">
+                                      <p:cBhvr>
+                                        <p:cTn id="44" dur="1000" fill="hold"/>
+                                        <p:tgtEl>
+                                          <p:spTgt spid="21">
+                                            <p:txEl>
+                                              <p:pRg st="5" end="5"/>
+                                            </p:txEl>
+                                          </p:spTgt>
+                                        </p:tgtEl>
+                                        <p:attrNameLst>
+                                          <p:attrName>ppt_y</p:attrName>
+                                        </p:attrNameLst>
+                                      </p:cBhvr>
+                                      <p:tavLst>
+                                        <p:tav tm="0">
+                                          <p:val>
+                                            <p:strVal val="#ppt_y+.1"/>
+                                          </p:val>
+                                        </p:tav>
+                                        <p:tav tm="100000">
+                                          <p:val>
+                                            <p:strVal val="#ppt_y"/>
+                                          </p:val>
+                                        </p:tav>
+                                      </p:tavLst>
+                                    </p:anim>
+                                  </p:childTnLst>
+                                </p:cTn>
+                              </p:par>
+                            </p:childTnLst>
+                          </p:cTn>
+                        </p:par>
+                        <p:par>
+                          <p:cTn id="45" fill="hold">
+                            <p:stCondLst>
+                              <p:cond delay="6000"/>
+                            </p:stCondLst>
+                            <p:childTnLst>
+                              <p:par>
+                                <p:cTn id="46" presetID="42" presetClass="entr" presetSubtype="0" fill="hold" nodeType="afterEffect">
+                                  <p:stCondLst>
+                                    <p:cond delay="0"/>
+                                  </p:stCondLst>
+                                  <p:childTnLst>
+                                    <p:set>
+                                      <p:cBhvr>
+                                        <p:cTn id="47" dur="1" fill="hold">
+                                          <p:stCondLst>
+                                            <p:cond delay="0"/>
+                                          </p:stCondLst>
+                                        </p:cTn>
+                                        <p:tgtEl>
+                                          <p:spTgt spid="18"/>
+                                        </p:tgtEl>
+                                        <p:attrNameLst>
+                                          <p:attrName>style.visibility</p:attrName>
+                                        </p:attrNameLst>
+                                      </p:cBhvr>
+                                      <p:to>
+                                        <p:strVal val="visible"/>
+                                      </p:to>
+                                    </p:set>
+                                    <p:animEffect transition="in" filter="fade">
+                                      <p:cBhvr>
+                                        <p:cTn id="48" dur="1000"/>
+                                        <p:tgtEl>
+                                          <p:spTgt spid="18"/>
+                                        </p:tgtEl>
+                                      </p:cBhvr>
+                                    </p:animEffect>
+                                    <p:anim calcmode="lin" valueType="num">
+                                      <p:cBhvr>
+                                        <p:cTn id="49" dur="1000" fill="hold"/>
+                                        <p:tgtEl>
+                                          <p:spTgt spid="18"/>
+                                        </p:tgtEl>
+                                        <p:attrNameLst>
+                                          <p:attrName>ppt_x</p:attrName>
+                                        </p:attrNameLst>
+                                      </p:cBhvr>
+                                      <p:tavLst>
+                                        <p:tav tm="0">
+                                          <p:val>
+                                            <p:strVal val="#ppt_x"/>
+                                          </p:val>
+                                        </p:tav>
+                                        <p:tav tm="100000">
+                                          <p:val>
+                                            <p:strVal val="#ppt_x"/>
+                                          </p:val>
+                                        </p:tav>
+                                      </p:tavLst>
+                                    </p:anim>
+                                    <p:anim calcmode="lin" valueType="num">
+                                      <p:cBhvr>
+                                        <p:cTn id="50" dur="1000" fill="hold"/>
                                         <p:tgtEl>
                                           <p:spTgt spid="18"/>
                                         </p:tgtEl>
@@ -11739,13 +15193,6 @@
               </a:rPr>
               <a:t>CTK37</a:t>
             </a:r>
-            <a:endParaRPr lang="en-US" sz="3600" dirty="0">
-              <a:solidFill>
-                <a:srgbClr val="00B404"/>
-              </a:solidFill>
-              <a:latin typeface="Segoe UI Semilight" pitchFamily="34" charset="0"/>
-              <a:cs typeface="Segoe UI Semilight" pitchFamily="34" charset="0"/>
-            </a:endParaRPr>
           </a:p>
         </p:txBody>
       </p:sp>
@@ -11993,16 +15440,6 @@
               </a:rPr>
               <a:t>Giao diện</a:t>
             </a:r>
-            <a:endParaRPr lang="en-US" sz="2400" dirty="0">
-              <a:solidFill>
-                <a:schemeClr val="tx1">
-                  <a:lumMod val="75000"/>
-                  <a:lumOff val="25000"/>
-                </a:schemeClr>
-              </a:solidFill>
-              <a:latin typeface="Segoe UI Light" pitchFamily="34" charset="0"/>
-              <a:cs typeface="Segoe UI Light" pitchFamily="34" charset="0"/>
-            </a:endParaRPr>
           </a:p>
         </p:txBody>
       </p:sp>
@@ -12064,16 +15501,6 @@
               </a:rPr>
               <a:t>Lời cảm ơn</a:t>
             </a:r>
-            <a:endParaRPr lang="en-US" sz="2400" dirty="0">
-              <a:solidFill>
-                <a:schemeClr val="tx1">
-                  <a:lumMod val="75000"/>
-                  <a:lumOff val="25000"/>
-                </a:schemeClr>
-              </a:solidFill>
-              <a:latin typeface="Segoe UI Light" pitchFamily="34" charset="0"/>
-              <a:cs typeface="Segoe UI Light" pitchFamily="34" charset="0"/>
-            </a:endParaRPr>
           </a:p>
         </p:txBody>
       </p:sp>
@@ -12177,16 +15604,6 @@
               </a:rPr>
               <a:t>Phương pháp</a:t>
             </a:r>
-            <a:endParaRPr lang="en-US" sz="2400" dirty="0">
-              <a:solidFill>
-                <a:schemeClr val="tx1">
-                  <a:lumMod val="75000"/>
-                  <a:lumOff val="25000"/>
-                </a:schemeClr>
-              </a:solidFill>
-              <a:latin typeface="Segoe UI Light" pitchFamily="34" charset="0"/>
-              <a:cs typeface="Segoe UI Light" pitchFamily="34" charset="0"/>
-            </a:endParaRPr>
           </a:p>
         </p:txBody>
       </p:sp>
@@ -12639,13 +16056,6 @@
               </a:rPr>
               <a:t>CTK37</a:t>
             </a:r>
-            <a:endParaRPr lang="en-US" sz="3600" dirty="0">
-              <a:solidFill>
-                <a:srgbClr val="00B404"/>
-              </a:solidFill>
-              <a:latin typeface="Segoe UI Semilight" pitchFamily="34" charset="0"/>
-              <a:cs typeface="Segoe UI Semilight" pitchFamily="34" charset="0"/>
-            </a:endParaRPr>
           </a:p>
         </p:txBody>
       </p:sp>
@@ -12893,16 +16303,6 @@
               </a:rPr>
               <a:t>Giao diện</a:t>
             </a:r>
-            <a:endParaRPr lang="en-US" sz="2400" dirty="0">
-              <a:solidFill>
-                <a:schemeClr val="tx1">
-                  <a:lumMod val="75000"/>
-                  <a:lumOff val="25000"/>
-                </a:schemeClr>
-              </a:solidFill>
-              <a:latin typeface="Segoe UI Light" pitchFamily="34" charset="0"/>
-              <a:cs typeface="Segoe UI Light" pitchFamily="34" charset="0"/>
-            </a:endParaRPr>
           </a:p>
         </p:txBody>
       </p:sp>
@@ -12964,16 +16364,6 @@
               </a:rPr>
               <a:t>Lời cảm ơn</a:t>
             </a:r>
-            <a:endParaRPr lang="en-US" sz="2400" dirty="0">
-              <a:solidFill>
-                <a:schemeClr val="tx1">
-                  <a:lumMod val="75000"/>
-                  <a:lumOff val="25000"/>
-                </a:schemeClr>
-              </a:solidFill>
-              <a:latin typeface="Segoe UI Light" pitchFamily="34" charset="0"/>
-              <a:cs typeface="Segoe UI Light" pitchFamily="34" charset="0"/>
-            </a:endParaRPr>
           </a:p>
         </p:txBody>
       </p:sp>
@@ -13077,16 +16467,6 @@
               </a:rPr>
               <a:t>Phương pháp</a:t>
             </a:r>
-            <a:endParaRPr lang="en-US" sz="2400" dirty="0">
-              <a:solidFill>
-                <a:schemeClr val="tx1">
-                  <a:lumMod val="75000"/>
-                  <a:lumOff val="25000"/>
-                </a:schemeClr>
-              </a:solidFill>
-              <a:latin typeface="Segoe UI Light" pitchFamily="34" charset="0"/>
-              <a:cs typeface="Segoe UI Light" pitchFamily="34" charset="0"/>
-            </a:endParaRPr>
           </a:p>
         </p:txBody>
       </p:sp>
@@ -13497,6 +16877,315 @@
                                         <p:cTn id="15" dur="1000" fill="hold"/>
                                         <p:tgtEl>
                                           <p:spTgt spid="21"/>
+                                        </p:tgtEl>
+                                        <p:attrNameLst>
+                                          <p:attrName>ppt_y</p:attrName>
+                                        </p:attrNameLst>
+                                      </p:cBhvr>
+                                      <p:tavLst>
+                                        <p:tav tm="0">
+                                          <p:val>
+                                            <p:strVal val="#ppt_y+.1"/>
+                                          </p:val>
+                                        </p:tav>
+                                        <p:tav tm="100000">
+                                          <p:val>
+                                            <p:strVal val="#ppt_y"/>
+                                          </p:val>
+                                        </p:tav>
+                                      </p:tavLst>
+                                    </p:anim>
+                                  </p:childTnLst>
+                                </p:cTn>
+                              </p:par>
+                              <p:par>
+                                <p:cTn id="16" presetID="42" presetClass="entr" presetSubtype="0" fill="hold" nodeType="withEffect">
+                                  <p:stCondLst>
+                                    <p:cond delay="0"/>
+                                  </p:stCondLst>
+                                  <p:childTnLst>
+                                    <p:set>
+                                      <p:cBhvr>
+                                        <p:cTn id="17" dur="1" fill="hold">
+                                          <p:stCondLst>
+                                            <p:cond delay="0"/>
+                                          </p:stCondLst>
+                                        </p:cTn>
+                                        <p:tgtEl>
+                                          <p:spTgt spid="21">
+                                            <p:txEl>
+                                              <p:pRg st="0" end="0"/>
+                                            </p:txEl>
+                                          </p:spTgt>
+                                        </p:tgtEl>
+                                        <p:attrNameLst>
+                                          <p:attrName>style.visibility</p:attrName>
+                                        </p:attrNameLst>
+                                      </p:cBhvr>
+                                      <p:to>
+                                        <p:strVal val="visible"/>
+                                      </p:to>
+                                    </p:set>
+                                    <p:animEffect transition="in" filter="fade">
+                                      <p:cBhvr>
+                                        <p:cTn id="18" dur="1000"/>
+                                        <p:tgtEl>
+                                          <p:spTgt spid="21">
+                                            <p:txEl>
+                                              <p:pRg st="0" end="0"/>
+                                            </p:txEl>
+                                          </p:spTgt>
+                                        </p:tgtEl>
+                                      </p:cBhvr>
+                                    </p:animEffect>
+                                    <p:anim calcmode="lin" valueType="num">
+                                      <p:cBhvr>
+                                        <p:cTn id="19" dur="1000" fill="hold"/>
+                                        <p:tgtEl>
+                                          <p:spTgt spid="21">
+                                            <p:txEl>
+                                              <p:pRg st="0" end="0"/>
+                                            </p:txEl>
+                                          </p:spTgt>
+                                        </p:tgtEl>
+                                        <p:attrNameLst>
+                                          <p:attrName>ppt_x</p:attrName>
+                                        </p:attrNameLst>
+                                      </p:cBhvr>
+                                      <p:tavLst>
+                                        <p:tav tm="0">
+                                          <p:val>
+                                            <p:strVal val="#ppt_x"/>
+                                          </p:val>
+                                        </p:tav>
+                                        <p:tav tm="100000">
+                                          <p:val>
+                                            <p:strVal val="#ppt_x"/>
+                                          </p:val>
+                                        </p:tav>
+                                      </p:tavLst>
+                                    </p:anim>
+                                    <p:anim calcmode="lin" valueType="num">
+                                      <p:cBhvr>
+                                        <p:cTn id="20" dur="1000" fill="hold"/>
+                                        <p:tgtEl>
+                                          <p:spTgt spid="21">
+                                            <p:txEl>
+                                              <p:pRg st="0" end="0"/>
+                                            </p:txEl>
+                                          </p:spTgt>
+                                        </p:tgtEl>
+                                        <p:attrNameLst>
+                                          <p:attrName>ppt_y</p:attrName>
+                                        </p:attrNameLst>
+                                      </p:cBhvr>
+                                      <p:tavLst>
+                                        <p:tav tm="0">
+                                          <p:val>
+                                            <p:strVal val="#ppt_y+.1"/>
+                                          </p:val>
+                                        </p:tav>
+                                        <p:tav tm="100000">
+                                          <p:val>
+                                            <p:strVal val="#ppt_y"/>
+                                          </p:val>
+                                        </p:tav>
+                                      </p:tavLst>
+                                    </p:anim>
+                                  </p:childTnLst>
+                                </p:cTn>
+                              </p:par>
+                            </p:childTnLst>
+                          </p:cTn>
+                        </p:par>
+                        <p:par>
+                          <p:cTn id="21" fill="hold">
+                            <p:stCondLst>
+                              <p:cond delay="2000"/>
+                            </p:stCondLst>
+                            <p:childTnLst>
+                              <p:par>
+                                <p:cTn id="22" presetID="42" presetClass="entr" presetSubtype="0" fill="hold" nodeType="afterEffect">
+                                  <p:stCondLst>
+                                    <p:cond delay="0"/>
+                                  </p:stCondLst>
+                                  <p:childTnLst>
+                                    <p:set>
+                                      <p:cBhvr>
+                                        <p:cTn id="23" dur="1" fill="hold">
+                                          <p:stCondLst>
+                                            <p:cond delay="0"/>
+                                          </p:stCondLst>
+                                        </p:cTn>
+                                        <p:tgtEl>
+                                          <p:spTgt spid="21">
+                                            <p:txEl>
+                                              <p:pRg st="1" end="1"/>
+                                            </p:txEl>
+                                          </p:spTgt>
+                                        </p:tgtEl>
+                                        <p:attrNameLst>
+                                          <p:attrName>style.visibility</p:attrName>
+                                        </p:attrNameLst>
+                                      </p:cBhvr>
+                                      <p:to>
+                                        <p:strVal val="visible"/>
+                                      </p:to>
+                                    </p:set>
+                                    <p:animEffect transition="in" filter="fade">
+                                      <p:cBhvr>
+                                        <p:cTn id="24" dur="1000"/>
+                                        <p:tgtEl>
+                                          <p:spTgt spid="21">
+                                            <p:txEl>
+                                              <p:pRg st="1" end="1"/>
+                                            </p:txEl>
+                                          </p:spTgt>
+                                        </p:tgtEl>
+                                      </p:cBhvr>
+                                    </p:animEffect>
+                                    <p:anim calcmode="lin" valueType="num">
+                                      <p:cBhvr>
+                                        <p:cTn id="25" dur="1000" fill="hold"/>
+                                        <p:tgtEl>
+                                          <p:spTgt spid="21">
+                                            <p:txEl>
+                                              <p:pRg st="1" end="1"/>
+                                            </p:txEl>
+                                          </p:spTgt>
+                                        </p:tgtEl>
+                                        <p:attrNameLst>
+                                          <p:attrName>ppt_x</p:attrName>
+                                        </p:attrNameLst>
+                                      </p:cBhvr>
+                                      <p:tavLst>
+                                        <p:tav tm="0">
+                                          <p:val>
+                                            <p:strVal val="#ppt_x"/>
+                                          </p:val>
+                                        </p:tav>
+                                        <p:tav tm="100000">
+                                          <p:val>
+                                            <p:strVal val="#ppt_x"/>
+                                          </p:val>
+                                        </p:tav>
+                                      </p:tavLst>
+                                    </p:anim>
+                                    <p:anim calcmode="lin" valueType="num">
+                                      <p:cBhvr>
+                                        <p:cTn id="26" dur="1000" fill="hold"/>
+                                        <p:tgtEl>
+                                          <p:spTgt spid="21">
+                                            <p:txEl>
+                                              <p:pRg st="1" end="1"/>
+                                            </p:txEl>
+                                          </p:spTgt>
+                                        </p:tgtEl>
+                                        <p:attrNameLst>
+                                          <p:attrName>ppt_y</p:attrName>
+                                        </p:attrNameLst>
+                                      </p:cBhvr>
+                                      <p:tavLst>
+                                        <p:tav tm="0">
+                                          <p:val>
+                                            <p:strVal val="#ppt_y+.1"/>
+                                          </p:val>
+                                        </p:tav>
+                                        <p:tav tm="100000">
+                                          <p:val>
+                                            <p:strVal val="#ppt_y"/>
+                                          </p:val>
+                                        </p:tav>
+                                      </p:tavLst>
+                                    </p:anim>
+                                  </p:childTnLst>
+                                </p:cTn>
+                              </p:par>
+                            </p:childTnLst>
+                          </p:cTn>
+                        </p:par>
+                        <p:par>
+                          <p:cTn id="27" fill="hold">
+                            <p:stCondLst>
+                              <p:cond delay="3000"/>
+                            </p:stCondLst>
+                            <p:childTnLst>
+                              <p:par>
+                                <p:cTn id="28" presetID="42" presetClass="entr" presetSubtype="0" fill="hold" nodeType="afterEffect">
+                                  <p:stCondLst>
+                                    <p:cond delay="0"/>
+                                  </p:stCondLst>
+                                  <p:childTnLst>
+                                    <p:set>
+                                      <p:cBhvr>
+                                        <p:cTn id="29" dur="1" fill="hold">
+                                          <p:stCondLst>
+                                            <p:cond delay="0"/>
+                                          </p:stCondLst>
+                                        </p:cTn>
+                                        <p:tgtEl>
+                                          <p:spTgt spid="21">
+                                            <p:txEl>
+                                              <p:pRg st="2" end="2"/>
+                                            </p:txEl>
+                                          </p:spTgt>
+                                        </p:tgtEl>
+                                        <p:attrNameLst>
+                                          <p:attrName>style.visibility</p:attrName>
+                                        </p:attrNameLst>
+                                      </p:cBhvr>
+                                      <p:to>
+                                        <p:strVal val="visible"/>
+                                      </p:to>
+                                    </p:set>
+                                    <p:animEffect transition="in" filter="fade">
+                                      <p:cBhvr>
+                                        <p:cTn id="30" dur="1000"/>
+                                        <p:tgtEl>
+                                          <p:spTgt spid="21">
+                                            <p:txEl>
+                                              <p:pRg st="2" end="2"/>
+                                            </p:txEl>
+                                          </p:spTgt>
+                                        </p:tgtEl>
+                                      </p:cBhvr>
+                                    </p:animEffect>
+                                    <p:anim calcmode="lin" valueType="num">
+                                      <p:cBhvr>
+                                        <p:cTn id="31" dur="1000" fill="hold"/>
+                                        <p:tgtEl>
+                                          <p:spTgt spid="21">
+                                            <p:txEl>
+                                              <p:pRg st="2" end="2"/>
+                                            </p:txEl>
+                                          </p:spTgt>
+                                        </p:tgtEl>
+                                        <p:attrNameLst>
+                                          <p:attrName>ppt_x</p:attrName>
+                                        </p:attrNameLst>
+                                      </p:cBhvr>
+                                      <p:tavLst>
+                                        <p:tav tm="0">
+                                          <p:val>
+                                            <p:strVal val="#ppt_x"/>
+                                          </p:val>
+                                        </p:tav>
+                                        <p:tav tm="100000">
+                                          <p:val>
+                                            <p:strVal val="#ppt_x"/>
+                                          </p:val>
+                                        </p:tav>
+                                      </p:tavLst>
+                                    </p:anim>
+                                    <p:anim calcmode="lin" valueType="num">
+                                      <p:cBhvr>
+                                        <p:cTn id="32" dur="1000" fill="hold"/>
+                                        <p:tgtEl>
+                                          <p:spTgt spid="21">
+                                            <p:txEl>
+                                              <p:pRg st="2" end="2"/>
+                                            </p:txEl>
+                                          </p:spTgt>
                                         </p:tgtEl>
                                         <p:attrNameLst>
                                           <p:attrName>ppt_y</p:attrName>
@@ -13650,13 +17339,6 @@
               </a:rPr>
               <a:t>CTK37</a:t>
             </a:r>
-            <a:endParaRPr lang="en-US" sz="3600" dirty="0">
-              <a:solidFill>
-                <a:srgbClr val="00B404"/>
-              </a:solidFill>
-              <a:latin typeface="Segoe UI Semilight" pitchFamily="34" charset="0"/>
-              <a:cs typeface="Segoe UI Semilight" pitchFamily="34" charset="0"/>
-            </a:endParaRPr>
           </a:p>
         </p:txBody>
       </p:sp>
@@ -13984,16 +17666,6 @@
               </a:rPr>
               <a:t>Lời cảm ơn</a:t>
             </a:r>
-            <a:endParaRPr lang="en-US" sz="2400" dirty="0">
-              <a:solidFill>
-                <a:schemeClr val="tx1">
-                  <a:lumMod val="75000"/>
-                  <a:lumOff val="25000"/>
-                </a:schemeClr>
-              </a:solidFill>
-              <a:latin typeface="Segoe UI Light" pitchFamily="34" charset="0"/>
-              <a:cs typeface="Segoe UI Light" pitchFamily="34" charset="0"/>
-            </a:endParaRPr>
           </a:p>
         </p:txBody>
       </p:sp>
@@ -14143,16 +17815,6 @@
               </a:rPr>
               <a:t>Phương pháp</a:t>
             </a:r>
-            <a:endParaRPr lang="en-US" sz="2400" dirty="0">
-              <a:solidFill>
-                <a:schemeClr val="tx1">
-                  <a:lumMod val="75000"/>
-                  <a:lumOff val="25000"/>
-                </a:schemeClr>
-              </a:solidFill>
-              <a:latin typeface="Segoe UI Light" pitchFamily="34" charset="0"/>
-              <a:cs typeface="Segoe UI Light" pitchFamily="34" charset="0"/>
-            </a:endParaRPr>
           </a:p>
         </p:txBody>
       </p:sp>
@@ -14887,16 +18549,6 @@
               </a:rPr>
               <a:t>Lời cảm ơn</a:t>
             </a:r>
-            <a:endParaRPr lang="en-US" sz="2400" dirty="0">
-              <a:solidFill>
-                <a:schemeClr val="tx1">
-                  <a:lumMod val="75000"/>
-                  <a:lumOff val="25000"/>
-                </a:schemeClr>
-              </a:solidFill>
-              <a:latin typeface="Segoe UI Light" pitchFamily="34" charset="0"/>
-              <a:cs typeface="Segoe UI Light" pitchFamily="34" charset="0"/>
-            </a:endParaRPr>
           </a:p>
         </p:txBody>
       </p:sp>
@@ -15308,7 +18960,7 @@
                             </p:stCondLst>
                             <p:childTnLst>
                               <p:par>
-                                <p:cTn id="5" presetID="42" presetClass="entr" presetSubtype="0" fill="hold" grpId="0" nodeType="withEffect">
+                                <p:cTn id="5" presetID="42" presetClass="entr" presetSubtype="0" fill="hold" nodeType="withEffect">
                                   <p:stCondLst>
                                     <p:cond delay="0"/>
                                   </p:stCondLst>
@@ -15321,7 +18973,11 @@
                                           </p:stCondLst>
                                         </p:cTn>
                                         <p:tgtEl>
-                                          <p:spTgt spid="18"/>
+                                          <p:spTgt spid="18">
+                                            <p:txEl>
+                                              <p:pRg st="0" end="0"/>
+                                            </p:txEl>
+                                          </p:spTgt>
                                         </p:tgtEl>
                                         <p:attrNameLst>
                                           <p:attrName>style.visibility</p:attrName>
@@ -15335,7 +18991,11 @@
                                       <p:cBhvr>
                                         <p:cTn id="7" dur="1000"/>
                                         <p:tgtEl>
-                                          <p:spTgt spid="18"/>
+                                          <p:spTgt spid="18">
+                                            <p:txEl>
+                                              <p:pRg st="0" end="0"/>
+                                            </p:txEl>
+                                          </p:spTgt>
                                         </p:tgtEl>
                                       </p:cBhvr>
                                     </p:animEffect>
@@ -15343,7 +19003,11 @@
                                       <p:cBhvr>
                                         <p:cTn id="8" dur="1000" fill="hold"/>
                                         <p:tgtEl>
-                                          <p:spTgt spid="18"/>
+                                          <p:spTgt spid="18">
+                                            <p:txEl>
+                                              <p:pRg st="0" end="0"/>
+                                            </p:txEl>
+                                          </p:spTgt>
                                         </p:tgtEl>
                                         <p:attrNameLst>
                                           <p:attrName>ppt_x</p:attrName>
@@ -15366,7 +19030,214 @@
                                       <p:cBhvr>
                                         <p:cTn id="9" dur="1000" fill="hold"/>
                                         <p:tgtEl>
-                                          <p:spTgt spid="18"/>
+                                          <p:spTgt spid="18">
+                                            <p:txEl>
+                                              <p:pRg st="0" end="0"/>
+                                            </p:txEl>
+                                          </p:spTgt>
+                                        </p:tgtEl>
+                                        <p:attrNameLst>
+                                          <p:attrName>ppt_y</p:attrName>
+                                        </p:attrNameLst>
+                                      </p:cBhvr>
+                                      <p:tavLst>
+                                        <p:tav tm="0">
+                                          <p:val>
+                                            <p:strVal val="#ppt_y+.1"/>
+                                          </p:val>
+                                        </p:tav>
+                                        <p:tav tm="100000">
+                                          <p:val>
+                                            <p:strVal val="#ppt_y"/>
+                                          </p:val>
+                                        </p:tav>
+                                      </p:tavLst>
+                                    </p:anim>
+                                  </p:childTnLst>
+                                </p:cTn>
+                              </p:par>
+                              <p:par>
+                                <p:cTn id="10" presetID="42" presetClass="entr" presetSubtype="0" fill="hold" nodeType="withEffect">
+                                  <p:stCondLst>
+                                    <p:cond delay="0"/>
+                                  </p:stCondLst>
+                                  <p:childTnLst>
+                                    <p:set>
+                                      <p:cBhvr>
+                                        <p:cTn id="11" dur="1" fill="hold">
+                                          <p:stCondLst>
+                                            <p:cond delay="0"/>
+                                          </p:stCondLst>
+                                        </p:cTn>
+                                        <p:tgtEl>
+                                          <p:spTgt spid="18">
+                                            <p:txEl>
+                                              <p:pRg st="1" end="1"/>
+                                            </p:txEl>
+                                          </p:spTgt>
+                                        </p:tgtEl>
+                                        <p:attrNameLst>
+                                          <p:attrName>style.visibility</p:attrName>
+                                        </p:attrNameLst>
+                                      </p:cBhvr>
+                                      <p:to>
+                                        <p:strVal val="visible"/>
+                                      </p:to>
+                                    </p:set>
+                                    <p:animEffect transition="in" filter="fade">
+                                      <p:cBhvr>
+                                        <p:cTn id="12" dur="1000"/>
+                                        <p:tgtEl>
+                                          <p:spTgt spid="18">
+                                            <p:txEl>
+                                              <p:pRg st="1" end="1"/>
+                                            </p:txEl>
+                                          </p:spTgt>
+                                        </p:tgtEl>
+                                      </p:cBhvr>
+                                    </p:animEffect>
+                                    <p:anim calcmode="lin" valueType="num">
+                                      <p:cBhvr>
+                                        <p:cTn id="13" dur="1000" fill="hold"/>
+                                        <p:tgtEl>
+                                          <p:spTgt spid="18">
+                                            <p:txEl>
+                                              <p:pRg st="1" end="1"/>
+                                            </p:txEl>
+                                          </p:spTgt>
+                                        </p:tgtEl>
+                                        <p:attrNameLst>
+                                          <p:attrName>ppt_x</p:attrName>
+                                        </p:attrNameLst>
+                                      </p:cBhvr>
+                                      <p:tavLst>
+                                        <p:tav tm="0">
+                                          <p:val>
+                                            <p:strVal val="#ppt_x"/>
+                                          </p:val>
+                                        </p:tav>
+                                        <p:tav tm="100000">
+                                          <p:val>
+                                            <p:strVal val="#ppt_x"/>
+                                          </p:val>
+                                        </p:tav>
+                                      </p:tavLst>
+                                    </p:anim>
+                                    <p:anim calcmode="lin" valueType="num">
+                                      <p:cBhvr>
+                                        <p:cTn id="14" dur="1000" fill="hold"/>
+                                        <p:tgtEl>
+                                          <p:spTgt spid="18">
+                                            <p:txEl>
+                                              <p:pRg st="1" end="1"/>
+                                            </p:txEl>
+                                          </p:spTgt>
+                                        </p:tgtEl>
+                                        <p:attrNameLst>
+                                          <p:attrName>ppt_y</p:attrName>
+                                        </p:attrNameLst>
+                                      </p:cBhvr>
+                                      <p:tavLst>
+                                        <p:tav tm="0">
+                                          <p:val>
+                                            <p:strVal val="#ppt_y+.1"/>
+                                          </p:val>
+                                        </p:tav>
+                                        <p:tav tm="100000">
+                                          <p:val>
+                                            <p:strVal val="#ppt_y"/>
+                                          </p:val>
+                                        </p:tav>
+                                      </p:tavLst>
+                                    </p:anim>
+                                  </p:childTnLst>
+                                </p:cTn>
+                              </p:par>
+                            </p:childTnLst>
+                          </p:cTn>
+                        </p:par>
+                        <p:par>
+                          <p:cTn id="15" fill="hold">
+                            <p:stCondLst>
+                              <p:cond delay="1000"/>
+                            </p:stCondLst>
+                            <p:childTnLst>
+                              <p:par>
+                                <p:cTn id="16" presetID="42" presetClass="entr" presetSubtype="0" fill="hold" nodeType="afterEffect">
+                                  <p:stCondLst>
+                                    <p:cond delay="0"/>
+                                  </p:stCondLst>
+                                  <p:childTnLst>
+                                    <p:set>
+                                      <p:cBhvr>
+                                        <p:cTn id="17" dur="1" fill="hold">
+                                          <p:stCondLst>
+                                            <p:cond delay="0"/>
+                                          </p:stCondLst>
+                                        </p:cTn>
+                                        <p:tgtEl>
+                                          <p:spTgt spid="18">
+                                            <p:txEl>
+                                              <p:pRg st="2" end="2"/>
+                                            </p:txEl>
+                                          </p:spTgt>
+                                        </p:tgtEl>
+                                        <p:attrNameLst>
+                                          <p:attrName>style.visibility</p:attrName>
+                                        </p:attrNameLst>
+                                      </p:cBhvr>
+                                      <p:to>
+                                        <p:strVal val="visible"/>
+                                      </p:to>
+                                    </p:set>
+                                    <p:animEffect transition="in" filter="fade">
+                                      <p:cBhvr>
+                                        <p:cTn id="18" dur="1000"/>
+                                        <p:tgtEl>
+                                          <p:spTgt spid="18">
+                                            <p:txEl>
+                                              <p:pRg st="2" end="2"/>
+                                            </p:txEl>
+                                          </p:spTgt>
+                                        </p:tgtEl>
+                                      </p:cBhvr>
+                                    </p:animEffect>
+                                    <p:anim calcmode="lin" valueType="num">
+                                      <p:cBhvr>
+                                        <p:cTn id="19" dur="1000" fill="hold"/>
+                                        <p:tgtEl>
+                                          <p:spTgt spid="18">
+                                            <p:txEl>
+                                              <p:pRg st="2" end="2"/>
+                                            </p:txEl>
+                                          </p:spTgt>
+                                        </p:tgtEl>
+                                        <p:attrNameLst>
+                                          <p:attrName>ppt_x</p:attrName>
+                                        </p:attrNameLst>
+                                      </p:cBhvr>
+                                      <p:tavLst>
+                                        <p:tav tm="0">
+                                          <p:val>
+                                            <p:strVal val="#ppt_x"/>
+                                          </p:val>
+                                        </p:tav>
+                                        <p:tav tm="100000">
+                                          <p:val>
+                                            <p:strVal val="#ppt_x"/>
+                                          </p:val>
+                                        </p:tav>
+                                      </p:tavLst>
+                                    </p:anim>
+                                    <p:anim calcmode="lin" valueType="num">
+                                      <p:cBhvr>
+                                        <p:cTn id="20" dur="1000" fill="hold"/>
+                                        <p:tgtEl>
+                                          <p:spTgt spid="18">
+                                            <p:txEl>
+                                              <p:pRg st="2" end="2"/>
+                                            </p:txEl>
+                                          </p:spTgt>
                                         </p:tgtEl>
                                         <p:attrNameLst>
                                           <p:attrName>ppt_y</p:attrName>
@@ -15415,9 +19286,6 @@
         </p:cTn>
       </p:par>
     </p:tnLst>
-    <p:bldLst>
-      <p:bldP spid="18" grpId="0"/>
-    </p:bldLst>
   </p:timing>
 </p:sld>
 </file>
@@ -15519,13 +19387,6 @@
               </a:rPr>
               <a:t>CTK37</a:t>
             </a:r>
-            <a:endParaRPr lang="en-US" sz="3600" dirty="0">
-              <a:solidFill>
-                <a:srgbClr val="00B404"/>
-              </a:solidFill>
-              <a:latin typeface="Segoe UI Semilight" pitchFamily="34" charset="0"/>
-              <a:cs typeface="Segoe UI Semilight" pitchFamily="34" charset="0"/>
-            </a:endParaRPr>
           </a:p>
         </p:txBody>
       </p:sp>
@@ -15853,16 +19714,6 @@
               </a:rPr>
               <a:t>Lời cảm ơn</a:t>
             </a:r>
-            <a:endParaRPr lang="en-US" sz="2400" dirty="0">
-              <a:solidFill>
-                <a:schemeClr val="tx1">
-                  <a:lumMod val="75000"/>
-                  <a:lumOff val="25000"/>
-                </a:schemeClr>
-              </a:solidFill>
-              <a:latin typeface="Segoe UI Light" pitchFamily="34" charset="0"/>
-              <a:cs typeface="Segoe UI Light" pitchFamily="34" charset="0"/>
-            </a:endParaRPr>
           </a:p>
         </p:txBody>
       </p:sp>
@@ -16012,16 +19863,6 @@
               </a:rPr>
               <a:t>Phương pháp</a:t>
             </a:r>
-            <a:endParaRPr lang="en-US" sz="2400" dirty="0">
-              <a:solidFill>
-                <a:schemeClr val="tx1">
-                  <a:lumMod val="75000"/>
-                  <a:lumOff val="25000"/>
-                </a:schemeClr>
-              </a:solidFill>
-              <a:latin typeface="Segoe UI Light" pitchFamily="34" charset="0"/>
-              <a:cs typeface="Segoe UI Light" pitchFamily="34" charset="0"/>
-            </a:endParaRPr>
           </a:p>
         </p:txBody>
       </p:sp>
@@ -16045,7 +19886,7 @@
         </p:blipFill>
         <p:spPr>
           <a:xfrm>
-            <a:off x="3044123" y="1767840"/>
+            <a:off x="3052590" y="1767840"/>
             <a:ext cx="5943600" cy="3146425"/>
           </a:xfrm>
           <a:prstGeom prst="rect">
@@ -16391,13 +20232,6 @@
               </a:rPr>
               <a:t>CTK37</a:t>
             </a:r>
-            <a:endParaRPr lang="en-US" sz="3600" dirty="0">
-              <a:solidFill>
-                <a:srgbClr val="00B404"/>
-              </a:solidFill>
-              <a:latin typeface="Segoe UI Semilight" pitchFamily="34" charset="0"/>
-              <a:cs typeface="Segoe UI Semilight" pitchFamily="34" charset="0"/>
-            </a:endParaRPr>
           </a:p>
         </p:txBody>
       </p:sp>
@@ -16725,16 +20559,6 @@
               </a:rPr>
               <a:t>Lời cảm ơn</a:t>
             </a:r>
-            <a:endParaRPr lang="en-US" sz="2400" dirty="0">
-              <a:solidFill>
-                <a:schemeClr val="tx1">
-                  <a:lumMod val="75000"/>
-                  <a:lumOff val="25000"/>
-                </a:schemeClr>
-              </a:solidFill>
-              <a:latin typeface="Segoe UI Light" pitchFamily="34" charset="0"/>
-              <a:cs typeface="Segoe UI Light" pitchFamily="34" charset="0"/>
-            </a:endParaRPr>
           </a:p>
         </p:txBody>
       </p:sp>
@@ -16884,16 +20708,6 @@
               </a:rPr>
               <a:t>Phương pháp</a:t>
             </a:r>
-            <a:endParaRPr lang="en-US" sz="2400" dirty="0">
-              <a:solidFill>
-                <a:schemeClr val="tx1">
-                  <a:lumMod val="75000"/>
-                  <a:lumOff val="25000"/>
-                </a:schemeClr>
-              </a:solidFill>
-              <a:latin typeface="Segoe UI Light" pitchFamily="34" charset="0"/>
-              <a:cs typeface="Segoe UI Light" pitchFamily="34" charset="0"/>
-            </a:endParaRPr>
           </a:p>
         </p:txBody>
       </p:sp>
@@ -17263,13 +21077,6 @@
               </a:rPr>
               <a:t>CTK37</a:t>
             </a:r>
-            <a:endParaRPr lang="en-US" sz="3600" dirty="0">
-              <a:solidFill>
-                <a:srgbClr val="00B404"/>
-              </a:solidFill>
-              <a:latin typeface="Segoe UI Semilight" pitchFamily="34" charset="0"/>
-              <a:cs typeface="Segoe UI Semilight" pitchFamily="34" charset="0"/>
-            </a:endParaRPr>
           </a:p>
         </p:txBody>
       </p:sp>
@@ -17597,16 +21404,6 @@
               </a:rPr>
               <a:t>Lời cảm ơn</a:t>
             </a:r>
-            <a:endParaRPr lang="en-US" sz="2400" dirty="0">
-              <a:solidFill>
-                <a:schemeClr val="tx1">
-                  <a:lumMod val="75000"/>
-                  <a:lumOff val="25000"/>
-                </a:schemeClr>
-              </a:solidFill>
-              <a:latin typeface="Segoe UI Light" pitchFamily="34" charset="0"/>
-              <a:cs typeface="Segoe UI Light" pitchFamily="34" charset="0"/>
-            </a:endParaRPr>
           </a:p>
         </p:txBody>
       </p:sp>
@@ -17756,16 +21553,6 @@
               </a:rPr>
               <a:t>Phương pháp</a:t>
             </a:r>
-            <a:endParaRPr lang="en-US" sz="2400" dirty="0">
-              <a:solidFill>
-                <a:schemeClr val="tx1">
-                  <a:lumMod val="75000"/>
-                  <a:lumOff val="25000"/>
-                </a:schemeClr>
-              </a:solidFill>
-              <a:latin typeface="Segoe UI Light" pitchFamily="34" charset="0"/>
-              <a:cs typeface="Segoe UI Light" pitchFamily="34" charset="0"/>
-            </a:endParaRPr>
           </a:p>
         </p:txBody>
       </p:sp>
@@ -18135,13 +21922,6 @@
               </a:rPr>
               <a:t>CTK37</a:t>
             </a:r>
-            <a:endParaRPr lang="en-US" sz="3600" dirty="0">
-              <a:solidFill>
-                <a:srgbClr val="00B404"/>
-              </a:solidFill>
-              <a:latin typeface="Segoe UI Semilight" pitchFamily="34" charset="0"/>
-              <a:cs typeface="Segoe UI Semilight" pitchFamily="34" charset="0"/>
-            </a:endParaRPr>
           </a:p>
         </p:txBody>
       </p:sp>
@@ -18469,16 +22249,6 @@
               </a:rPr>
               <a:t>Lời cảm ơn</a:t>
             </a:r>
-            <a:endParaRPr lang="en-US" sz="2400" dirty="0">
-              <a:solidFill>
-                <a:schemeClr val="tx1">
-                  <a:lumMod val="75000"/>
-                  <a:lumOff val="25000"/>
-                </a:schemeClr>
-              </a:solidFill>
-              <a:latin typeface="Segoe UI Light" pitchFamily="34" charset="0"/>
-              <a:cs typeface="Segoe UI Light" pitchFamily="34" charset="0"/>
-            </a:endParaRPr>
           </a:p>
         </p:txBody>
       </p:sp>
@@ -18628,16 +22398,6 @@
               </a:rPr>
               <a:t>Phương pháp</a:t>
             </a:r>
-            <a:endParaRPr lang="en-US" sz="2400" dirty="0">
-              <a:solidFill>
-                <a:schemeClr val="tx1">
-                  <a:lumMod val="75000"/>
-                  <a:lumOff val="25000"/>
-                </a:schemeClr>
-              </a:solidFill>
-              <a:latin typeface="Segoe UI Light" pitchFamily="34" charset="0"/>
-              <a:cs typeface="Segoe UI Light" pitchFamily="34" charset="0"/>
-            </a:endParaRPr>
           </a:p>
         </p:txBody>
       </p:sp>
@@ -19007,13 +22767,6 @@
               </a:rPr>
               <a:t>CTK37</a:t>
             </a:r>
-            <a:endParaRPr lang="en-US" sz="3600" dirty="0">
-              <a:solidFill>
-                <a:srgbClr val="00B404"/>
-              </a:solidFill>
-              <a:latin typeface="Segoe UI Semilight" pitchFamily="34" charset="0"/>
-              <a:cs typeface="Segoe UI Semilight" pitchFamily="34" charset="0"/>
-            </a:endParaRPr>
           </a:p>
         </p:txBody>
       </p:sp>
@@ -19341,16 +23094,6 @@
               </a:rPr>
               <a:t>Lời cảm ơn</a:t>
             </a:r>
-            <a:endParaRPr lang="en-US" sz="2400" dirty="0">
-              <a:solidFill>
-                <a:schemeClr val="tx1">
-                  <a:lumMod val="75000"/>
-                  <a:lumOff val="25000"/>
-                </a:schemeClr>
-              </a:solidFill>
-              <a:latin typeface="Segoe UI Light" pitchFamily="34" charset="0"/>
-              <a:cs typeface="Segoe UI Light" pitchFamily="34" charset="0"/>
-            </a:endParaRPr>
           </a:p>
         </p:txBody>
       </p:sp>
@@ -19465,16 +23208,6 @@
               </a:rPr>
               <a:t>ướng dẫn</a:t>
             </a:r>
-            <a:endParaRPr lang="en-US" sz="2000" dirty="0" smtClean="0">
-              <a:solidFill>
-                <a:schemeClr val="tx1">
-                  <a:lumMod val="75000"/>
-                  <a:lumOff val="25000"/>
-                </a:schemeClr>
-              </a:solidFill>
-              <a:latin typeface="Segoe UI Light" pitchFamily="34" charset="0"/>
-              <a:cs typeface="Segoe UI Light" pitchFamily="34" charset="0"/>
-            </a:endParaRPr>
           </a:p>
         </p:txBody>
       </p:sp>
@@ -19536,16 +23269,6 @@
               </a:rPr>
               <a:t>Phương pháp</a:t>
             </a:r>
-            <a:endParaRPr lang="en-US" sz="2400" dirty="0">
-              <a:solidFill>
-                <a:schemeClr val="tx1">
-                  <a:lumMod val="75000"/>
-                  <a:lumOff val="25000"/>
-                </a:schemeClr>
-              </a:solidFill>
-              <a:latin typeface="Segoe UI Light" pitchFamily="34" charset="0"/>
-              <a:cs typeface="Segoe UI Light" pitchFamily="34" charset="0"/>
-            </a:endParaRPr>
           </a:p>
         </p:txBody>
       </p:sp>
@@ -19915,13 +23638,6 @@
               </a:rPr>
               <a:t>CTK37</a:t>
             </a:r>
-            <a:endParaRPr lang="en-US" sz="3600" dirty="0">
-              <a:solidFill>
-                <a:srgbClr val="00B404"/>
-              </a:solidFill>
-              <a:latin typeface="Segoe UI Semilight" pitchFamily="34" charset="0"/>
-              <a:cs typeface="Segoe UI Semilight" pitchFamily="34" charset="0"/>
-            </a:endParaRPr>
           </a:p>
         </p:txBody>
       </p:sp>
@@ -20249,16 +23965,6 @@
               </a:rPr>
               <a:t>Lời cảm ơn</a:t>
             </a:r>
-            <a:endParaRPr lang="en-US" sz="2400" dirty="0">
-              <a:solidFill>
-                <a:schemeClr val="tx1">
-                  <a:lumMod val="75000"/>
-                  <a:lumOff val="25000"/>
-                </a:schemeClr>
-              </a:solidFill>
-              <a:latin typeface="Segoe UI Light" pitchFamily="34" charset="0"/>
-              <a:cs typeface="Segoe UI Light" pitchFamily="34" charset="0"/>
-            </a:endParaRPr>
           </a:p>
         </p:txBody>
       </p:sp>
@@ -20345,31 +24051,8 @@
                 <a:latin typeface="Segoe UI Light" pitchFamily="34" charset="0"/>
                 <a:cs typeface="Segoe UI Light" pitchFamily="34" charset="0"/>
               </a:rPr>
-              <a:t>Giao diện </a:t>
-            </a:r>
-            <a:r>
-              <a:rPr lang="en-US" sz="2000" dirty="0" smtClean="0">
-                <a:solidFill>
-                  <a:schemeClr val="tx1">
-                    <a:lumMod val="75000"/>
-                    <a:lumOff val="25000"/>
-                  </a:schemeClr>
-                </a:solidFill>
-                <a:latin typeface="Segoe UI Light" pitchFamily="34" charset="0"/>
-                <a:cs typeface="Segoe UI Light" pitchFamily="34" charset="0"/>
-              </a:rPr>
-              <a:t>chi tiết bài học</a:t>
-            </a:r>
-            <a:endParaRPr lang="en-US" sz="2000" dirty="0" smtClean="0">
-              <a:solidFill>
-                <a:schemeClr val="tx1">
-                  <a:lumMod val="75000"/>
-                  <a:lumOff val="25000"/>
-                </a:schemeClr>
-              </a:solidFill>
-              <a:latin typeface="Segoe UI Light" pitchFamily="34" charset="0"/>
-              <a:cs typeface="Segoe UI Light" pitchFamily="34" charset="0"/>
-            </a:endParaRPr>
+              <a:t>Giao diện chi tiết bài học</a:t>
+            </a:r>
           </a:p>
         </p:txBody>
       </p:sp>
@@ -20431,16 +24114,6 @@
               </a:rPr>
               <a:t>Phương pháp</a:t>
             </a:r>
-            <a:endParaRPr lang="en-US" sz="2400" dirty="0">
-              <a:solidFill>
-                <a:schemeClr val="tx1">
-                  <a:lumMod val="75000"/>
-                  <a:lumOff val="25000"/>
-                </a:schemeClr>
-              </a:solidFill>
-              <a:latin typeface="Segoe UI Light" pitchFamily="34" charset="0"/>
-              <a:cs typeface="Segoe UI Light" pitchFamily="34" charset="0"/>
-            </a:endParaRPr>
           </a:p>
         </p:txBody>
       </p:sp>
@@ -20810,13 +24483,6 @@
               </a:rPr>
               <a:t>CTK37</a:t>
             </a:r>
-            <a:endParaRPr lang="en-US" sz="3600" dirty="0">
-              <a:solidFill>
-                <a:srgbClr val="00B404"/>
-              </a:solidFill>
-              <a:latin typeface="Segoe UI Semilight" pitchFamily="34" charset="0"/>
-              <a:cs typeface="Segoe UI Semilight" pitchFamily="34" charset="0"/>
-            </a:endParaRPr>
           </a:p>
         </p:txBody>
       </p:sp>
@@ -21253,31 +24919,8 @@
                 <a:latin typeface="Segoe UI Light" pitchFamily="34" charset="0"/>
                 <a:cs typeface="Segoe UI Light" pitchFamily="34" charset="0"/>
               </a:rPr>
-              <a:t>Giao diện </a:t>
-            </a:r>
-            <a:r>
-              <a:rPr lang="en-US" sz="2000" dirty="0" smtClean="0">
-                <a:solidFill>
-                  <a:schemeClr val="tx1">
-                    <a:lumMod val="75000"/>
-                    <a:lumOff val="25000"/>
-                  </a:schemeClr>
-                </a:solidFill>
-                <a:latin typeface="Segoe UI Light" pitchFamily="34" charset="0"/>
-                <a:cs typeface="Segoe UI Light" pitchFamily="34" charset="0"/>
-              </a:rPr>
-              <a:t>ngữ pháp</a:t>
-            </a:r>
-            <a:endParaRPr lang="en-US" sz="2000" dirty="0" smtClean="0">
-              <a:solidFill>
-                <a:schemeClr val="tx1">
-                  <a:lumMod val="75000"/>
-                  <a:lumOff val="25000"/>
-                </a:schemeClr>
-              </a:solidFill>
-              <a:latin typeface="Segoe UI Light" pitchFamily="34" charset="0"/>
-              <a:cs typeface="Segoe UI Light" pitchFamily="34" charset="0"/>
-            </a:endParaRPr>
+              <a:t>Giao diện ngữ pháp</a:t>
+            </a:r>
           </a:p>
         </p:txBody>
       </p:sp>
@@ -21339,16 +24982,6 @@
               </a:rPr>
               <a:t>Phương pháp</a:t>
             </a:r>
-            <a:endParaRPr lang="en-US" sz="2400" dirty="0">
-              <a:solidFill>
-                <a:schemeClr val="tx1">
-                  <a:lumMod val="75000"/>
-                  <a:lumOff val="25000"/>
-                </a:schemeClr>
-              </a:solidFill>
-              <a:latin typeface="Segoe UI Light" pitchFamily="34" charset="0"/>
-              <a:cs typeface="Segoe UI Light" pitchFamily="34" charset="0"/>
-            </a:endParaRPr>
           </a:p>
         </p:txBody>
       </p:sp>
@@ -21718,13 +25351,6 @@
               </a:rPr>
               <a:t>CTK37</a:t>
             </a:r>
-            <a:endParaRPr lang="en-US" sz="3600" dirty="0">
-              <a:solidFill>
-                <a:srgbClr val="00B404"/>
-              </a:solidFill>
-              <a:latin typeface="Segoe UI Semilight" pitchFamily="34" charset="0"/>
-              <a:cs typeface="Segoe UI Semilight" pitchFamily="34" charset="0"/>
-            </a:endParaRPr>
           </a:p>
         </p:txBody>
       </p:sp>
@@ -22161,31 +25787,8 @@
                 <a:latin typeface="Segoe UI Light" pitchFamily="34" charset="0"/>
                 <a:cs typeface="Segoe UI Light" pitchFamily="34" charset="0"/>
               </a:rPr>
-              <a:t>Giao diện </a:t>
-            </a:r>
-            <a:r>
-              <a:rPr lang="en-US" sz="2000" dirty="0" smtClean="0">
-                <a:solidFill>
-                  <a:schemeClr val="tx1">
-                    <a:lumMod val="75000"/>
-                    <a:lumOff val="25000"/>
-                  </a:schemeClr>
-                </a:solidFill>
-                <a:latin typeface="Segoe UI Light" pitchFamily="34" charset="0"/>
-                <a:cs typeface="Segoe UI Light" pitchFamily="34" charset="0"/>
-              </a:rPr>
-              <a:t>câu hỏi</a:t>
-            </a:r>
-            <a:endParaRPr lang="en-US" sz="2000" dirty="0" smtClean="0">
-              <a:solidFill>
-                <a:schemeClr val="tx1">
-                  <a:lumMod val="75000"/>
-                  <a:lumOff val="25000"/>
-                </a:schemeClr>
-              </a:solidFill>
-              <a:latin typeface="Segoe UI Light" pitchFamily="34" charset="0"/>
-              <a:cs typeface="Segoe UI Light" pitchFamily="34" charset="0"/>
-            </a:endParaRPr>
+              <a:t>Giao diện câu hỏi</a:t>
+            </a:r>
           </a:p>
         </p:txBody>
       </p:sp>
@@ -22247,16 +25850,6 @@
               </a:rPr>
               <a:t>Phương pháp</a:t>
             </a:r>
-            <a:endParaRPr lang="en-US" sz="2400" dirty="0">
-              <a:solidFill>
-                <a:schemeClr val="tx1">
-                  <a:lumMod val="75000"/>
-                  <a:lumOff val="25000"/>
-                </a:schemeClr>
-              </a:solidFill>
-              <a:latin typeface="Segoe UI Light" pitchFamily="34" charset="0"/>
-              <a:cs typeface="Segoe UI Light" pitchFamily="34" charset="0"/>
-            </a:endParaRPr>
           </a:p>
         </p:txBody>
       </p:sp>
@@ -22329,31 +25922,8 @@
                 <a:latin typeface="Segoe UI Light" pitchFamily="34" charset="0"/>
                 <a:cs typeface="Segoe UI Light" pitchFamily="34" charset="0"/>
               </a:rPr>
-              <a:t>Giao diện </a:t>
-            </a:r>
-            <a:r>
-              <a:rPr lang="en-US" sz="2000" dirty="0" smtClean="0">
-                <a:solidFill>
-                  <a:schemeClr val="tx1">
-                    <a:lumMod val="75000"/>
-                    <a:lumOff val="25000"/>
-                  </a:schemeClr>
-                </a:solidFill>
-                <a:latin typeface="Segoe UI Light" pitchFamily="34" charset="0"/>
-                <a:cs typeface="Segoe UI Light" pitchFamily="34" charset="0"/>
-              </a:rPr>
-              <a:t>luyện tập</a:t>
-            </a:r>
-            <a:endParaRPr lang="en-US" sz="2000" dirty="0" smtClean="0">
-              <a:solidFill>
-                <a:schemeClr val="tx1">
-                  <a:lumMod val="75000"/>
-                  <a:lumOff val="25000"/>
-                </a:schemeClr>
-              </a:solidFill>
-              <a:latin typeface="Segoe UI Light" pitchFamily="34" charset="0"/>
-              <a:cs typeface="Segoe UI Light" pitchFamily="34" charset="0"/>
-            </a:endParaRPr>
+              <a:t>Giao diện luyện tập</a:t>
+            </a:r>
           </a:p>
         </p:txBody>
       </p:sp>
@@ -22904,13 +26474,6 @@
               </a:rPr>
               <a:t>CTK37</a:t>
             </a:r>
-            <a:endParaRPr lang="en-US" sz="3600" dirty="0">
-              <a:solidFill>
-                <a:srgbClr val="00B404"/>
-              </a:solidFill>
-              <a:latin typeface="Segoe UI Semilight" pitchFamily="34" charset="0"/>
-              <a:cs typeface="Segoe UI Semilight" pitchFamily="34" charset="0"/>
-            </a:endParaRPr>
           </a:p>
         </p:txBody>
       </p:sp>
@@ -23272,16 +26835,6 @@
               </a:rPr>
               <a:t>Lời cảm ơn</a:t>
             </a:r>
-            <a:endParaRPr lang="en-US" sz="2400" dirty="0">
-              <a:solidFill>
-                <a:schemeClr val="tx1">
-                  <a:lumMod val="75000"/>
-                  <a:lumOff val="25000"/>
-                </a:schemeClr>
-              </a:solidFill>
-              <a:latin typeface="Segoe UI Light" pitchFamily="34" charset="0"/>
-              <a:cs typeface="Segoe UI Light" pitchFamily="34" charset="0"/>
-            </a:endParaRPr>
           </a:p>
         </p:txBody>
       </p:sp>
@@ -23362,16 +26915,6 @@
               </a:rPr>
               <a:t>Xây dựng theo mô hình 3 lớp:</a:t>
             </a:r>
-            <a:endParaRPr lang="en-US" sz="2000" dirty="0" smtClean="0">
-              <a:solidFill>
-                <a:schemeClr val="tx1">
-                  <a:lumMod val="75000"/>
-                  <a:lumOff val="25000"/>
-                </a:schemeClr>
-              </a:solidFill>
-              <a:latin typeface="Segoe UI Light" pitchFamily="34" charset="0"/>
-              <a:cs typeface="Segoe UI Light" pitchFamily="34" charset="0"/>
-            </a:endParaRPr>
           </a:p>
           <a:p>
             <a:pPr marL="625475" indent="-396875">
@@ -23397,16 +26940,6 @@
               </a:rPr>
               <a:t>DAO Layer: Dùng để truy vấn đến lớp DTO Layer.</a:t>
             </a:r>
-            <a:endParaRPr lang="en-US" sz="2000" dirty="0" smtClean="0">
-              <a:solidFill>
-                <a:schemeClr val="tx1">
-                  <a:lumMod val="75000"/>
-                  <a:lumOff val="25000"/>
-                </a:schemeClr>
-              </a:solidFill>
-              <a:latin typeface="Segoe UI Light" pitchFamily="34" charset="0"/>
-              <a:cs typeface="Segoe UI Light" pitchFamily="34" charset="0"/>
-            </a:endParaRPr>
           </a:p>
           <a:p>
             <a:pPr marL="625475" indent="-396875">
@@ -23429,16 +26962,6 @@
               </a:rPr>
               <a:t>DTO Layer: Dùng để định nghĩa các table trong database.</a:t>
             </a:r>
-            <a:endParaRPr lang="en-US" sz="2000" dirty="0" smtClean="0">
-              <a:solidFill>
-                <a:schemeClr val="tx1">
-                  <a:lumMod val="75000"/>
-                  <a:lumOff val="25000"/>
-                </a:schemeClr>
-              </a:solidFill>
-              <a:latin typeface="Segoe UI Light" pitchFamily="34" charset="0"/>
-              <a:cs typeface="Segoe UI Light" pitchFamily="34" charset="0"/>
-            </a:endParaRPr>
           </a:p>
           <a:p>
             <a:pPr marL="625475" indent="-396875">
@@ -23461,16 +26984,6 @@
               </a:rPr>
               <a:t>GUI Layer: Dùng để hiển thị giao diện và các chức năng để người sử dụng thao tác.</a:t>
             </a:r>
-            <a:endParaRPr lang="en-US" sz="2000" dirty="0" smtClean="0">
-              <a:solidFill>
-                <a:schemeClr val="tx1">
-                  <a:lumMod val="75000"/>
-                  <a:lumOff val="25000"/>
-                </a:schemeClr>
-              </a:solidFill>
-              <a:latin typeface="Segoe UI Light" pitchFamily="34" charset="0"/>
-              <a:cs typeface="Segoe UI Light" pitchFamily="34" charset="0"/>
-            </a:endParaRPr>
           </a:p>
         </p:txBody>
       </p:sp>
@@ -23670,30 +27183,131 @@
                                   </p:childTnLst>
                                 </p:cTn>
                               </p:par>
+                              <p:par>
+                                <p:cTn id="10" presetID="42" presetClass="entr" presetSubtype="0" fill="hold" nodeType="withEffect">
+                                  <p:stCondLst>
+                                    <p:cond delay="0"/>
+                                  </p:stCondLst>
+                                  <p:childTnLst>
+                                    <p:set>
+                                      <p:cBhvr>
+                                        <p:cTn id="11" dur="1" fill="hold">
+                                          <p:stCondLst>
+                                            <p:cond delay="0"/>
+                                          </p:stCondLst>
+                                        </p:cTn>
+                                        <p:tgtEl>
+                                          <p:spTgt spid="18">
+                                            <p:txEl>
+                                              <p:pRg st="0" end="0"/>
+                                            </p:txEl>
+                                          </p:spTgt>
+                                        </p:tgtEl>
+                                        <p:attrNameLst>
+                                          <p:attrName>style.visibility</p:attrName>
+                                        </p:attrNameLst>
+                                      </p:cBhvr>
+                                      <p:to>
+                                        <p:strVal val="visible"/>
+                                      </p:to>
+                                    </p:set>
+                                    <p:animEffect transition="in" filter="fade">
+                                      <p:cBhvr>
+                                        <p:cTn id="12" dur="1000"/>
+                                        <p:tgtEl>
+                                          <p:spTgt spid="18">
+                                            <p:txEl>
+                                              <p:pRg st="0" end="0"/>
+                                            </p:txEl>
+                                          </p:spTgt>
+                                        </p:tgtEl>
+                                      </p:cBhvr>
+                                    </p:animEffect>
+                                    <p:anim calcmode="lin" valueType="num">
+                                      <p:cBhvr>
+                                        <p:cTn id="13" dur="1000" fill="hold"/>
+                                        <p:tgtEl>
+                                          <p:spTgt spid="18">
+                                            <p:txEl>
+                                              <p:pRg st="0" end="0"/>
+                                            </p:txEl>
+                                          </p:spTgt>
+                                        </p:tgtEl>
+                                        <p:attrNameLst>
+                                          <p:attrName>ppt_x</p:attrName>
+                                        </p:attrNameLst>
+                                      </p:cBhvr>
+                                      <p:tavLst>
+                                        <p:tav tm="0">
+                                          <p:val>
+                                            <p:strVal val="#ppt_x"/>
+                                          </p:val>
+                                        </p:tav>
+                                        <p:tav tm="100000">
+                                          <p:val>
+                                            <p:strVal val="#ppt_x"/>
+                                          </p:val>
+                                        </p:tav>
+                                      </p:tavLst>
+                                    </p:anim>
+                                    <p:anim calcmode="lin" valueType="num">
+                                      <p:cBhvr>
+                                        <p:cTn id="14" dur="1000" fill="hold"/>
+                                        <p:tgtEl>
+                                          <p:spTgt spid="18">
+                                            <p:txEl>
+                                              <p:pRg st="0" end="0"/>
+                                            </p:txEl>
+                                          </p:spTgt>
+                                        </p:tgtEl>
+                                        <p:attrNameLst>
+                                          <p:attrName>ppt_y</p:attrName>
+                                        </p:attrNameLst>
+                                      </p:cBhvr>
+                                      <p:tavLst>
+                                        <p:tav tm="0">
+                                          <p:val>
+                                            <p:strVal val="#ppt_y+.1"/>
+                                          </p:val>
+                                        </p:tav>
+                                        <p:tav tm="100000">
+                                          <p:val>
+                                            <p:strVal val="#ppt_y"/>
+                                          </p:val>
+                                        </p:tav>
+                                      </p:tavLst>
+                                    </p:anim>
+                                  </p:childTnLst>
+                                </p:cTn>
+                              </p:par>
                             </p:childTnLst>
                           </p:cTn>
                         </p:par>
                         <p:par>
-                          <p:cTn id="10" fill="hold">
+                          <p:cTn id="15" fill="hold">
                             <p:stCondLst>
                               <p:cond delay="1000"/>
                             </p:stCondLst>
                             <p:childTnLst>
                               <p:par>
-                                <p:cTn id="11" presetID="42" presetClass="entr" presetSubtype="0" fill="hold" nodeType="afterEffect">
+                                <p:cTn id="16" presetID="42" presetClass="entr" presetSubtype="0" fill="hold" nodeType="afterEffect">
                                   <p:stCondLst>
                                     <p:cond delay="0"/>
                                   </p:stCondLst>
                                   <p:childTnLst>
                                     <p:set>
                                       <p:cBhvr>
-                                        <p:cTn id="12" dur="1" fill="hold">
+                                        <p:cTn id="17" dur="1" fill="hold">
                                           <p:stCondLst>
                                             <p:cond delay="0"/>
                                           </p:stCondLst>
                                         </p:cTn>
                                         <p:tgtEl>
-                                          <p:spTgt spid="22"/>
+                                          <p:spTgt spid="18">
+                                            <p:txEl>
+                                              <p:pRg st="1" end="1"/>
+                                            </p:txEl>
+                                          </p:spTgt>
                                         </p:tgtEl>
                                         <p:attrNameLst>
                                           <p:attrName>style.visibility</p:attrName>
@@ -23705,17 +27319,25 @@
                                     </p:set>
                                     <p:animEffect transition="in" filter="fade">
                                       <p:cBhvr>
-                                        <p:cTn id="13" dur="1000"/>
-                                        <p:tgtEl>
-                                          <p:spTgt spid="22"/>
+                                        <p:cTn id="18" dur="1000"/>
+                                        <p:tgtEl>
+                                          <p:spTgt spid="18">
+                                            <p:txEl>
+                                              <p:pRg st="1" end="1"/>
+                                            </p:txEl>
+                                          </p:spTgt>
                                         </p:tgtEl>
                                       </p:cBhvr>
                                     </p:animEffect>
                                     <p:anim calcmode="lin" valueType="num">
                                       <p:cBhvr>
-                                        <p:cTn id="14" dur="1000" fill="hold"/>
-                                        <p:tgtEl>
-                                          <p:spTgt spid="22"/>
+                                        <p:cTn id="19" dur="1000" fill="hold"/>
+                                        <p:tgtEl>
+                                          <p:spTgt spid="18">
+                                            <p:txEl>
+                                              <p:pRg st="1" end="1"/>
+                                            </p:txEl>
+                                          </p:spTgt>
                                         </p:tgtEl>
                                         <p:attrNameLst>
                                           <p:attrName>ppt_x</p:attrName>
@@ -23736,7 +27358,313 @@
                                     </p:anim>
                                     <p:anim calcmode="lin" valueType="num">
                                       <p:cBhvr>
-                                        <p:cTn id="15" dur="1000" fill="hold"/>
+                                        <p:cTn id="20" dur="1000" fill="hold"/>
+                                        <p:tgtEl>
+                                          <p:spTgt spid="18">
+                                            <p:txEl>
+                                              <p:pRg st="1" end="1"/>
+                                            </p:txEl>
+                                          </p:spTgt>
+                                        </p:tgtEl>
+                                        <p:attrNameLst>
+                                          <p:attrName>ppt_y</p:attrName>
+                                        </p:attrNameLst>
+                                      </p:cBhvr>
+                                      <p:tavLst>
+                                        <p:tav tm="0">
+                                          <p:val>
+                                            <p:strVal val="#ppt_y+.1"/>
+                                          </p:val>
+                                        </p:tav>
+                                        <p:tav tm="100000">
+                                          <p:val>
+                                            <p:strVal val="#ppt_y"/>
+                                          </p:val>
+                                        </p:tav>
+                                      </p:tavLst>
+                                    </p:anim>
+                                  </p:childTnLst>
+                                </p:cTn>
+                              </p:par>
+                            </p:childTnLst>
+                          </p:cTn>
+                        </p:par>
+                        <p:par>
+                          <p:cTn id="21" fill="hold">
+                            <p:stCondLst>
+                              <p:cond delay="2000"/>
+                            </p:stCondLst>
+                            <p:childTnLst>
+                              <p:par>
+                                <p:cTn id="22" presetID="42" presetClass="entr" presetSubtype="0" fill="hold" nodeType="afterEffect">
+                                  <p:stCondLst>
+                                    <p:cond delay="0"/>
+                                  </p:stCondLst>
+                                  <p:childTnLst>
+                                    <p:set>
+                                      <p:cBhvr>
+                                        <p:cTn id="23" dur="1" fill="hold">
+                                          <p:stCondLst>
+                                            <p:cond delay="0"/>
+                                          </p:stCondLst>
+                                        </p:cTn>
+                                        <p:tgtEl>
+                                          <p:spTgt spid="18">
+                                            <p:txEl>
+                                              <p:pRg st="2" end="2"/>
+                                            </p:txEl>
+                                          </p:spTgt>
+                                        </p:tgtEl>
+                                        <p:attrNameLst>
+                                          <p:attrName>style.visibility</p:attrName>
+                                        </p:attrNameLst>
+                                      </p:cBhvr>
+                                      <p:to>
+                                        <p:strVal val="visible"/>
+                                      </p:to>
+                                    </p:set>
+                                    <p:animEffect transition="in" filter="fade">
+                                      <p:cBhvr>
+                                        <p:cTn id="24" dur="1000"/>
+                                        <p:tgtEl>
+                                          <p:spTgt spid="18">
+                                            <p:txEl>
+                                              <p:pRg st="2" end="2"/>
+                                            </p:txEl>
+                                          </p:spTgt>
+                                        </p:tgtEl>
+                                      </p:cBhvr>
+                                    </p:animEffect>
+                                    <p:anim calcmode="lin" valueType="num">
+                                      <p:cBhvr>
+                                        <p:cTn id="25" dur="1000" fill="hold"/>
+                                        <p:tgtEl>
+                                          <p:spTgt spid="18">
+                                            <p:txEl>
+                                              <p:pRg st="2" end="2"/>
+                                            </p:txEl>
+                                          </p:spTgt>
+                                        </p:tgtEl>
+                                        <p:attrNameLst>
+                                          <p:attrName>ppt_x</p:attrName>
+                                        </p:attrNameLst>
+                                      </p:cBhvr>
+                                      <p:tavLst>
+                                        <p:tav tm="0">
+                                          <p:val>
+                                            <p:strVal val="#ppt_x"/>
+                                          </p:val>
+                                        </p:tav>
+                                        <p:tav tm="100000">
+                                          <p:val>
+                                            <p:strVal val="#ppt_x"/>
+                                          </p:val>
+                                        </p:tav>
+                                      </p:tavLst>
+                                    </p:anim>
+                                    <p:anim calcmode="lin" valueType="num">
+                                      <p:cBhvr>
+                                        <p:cTn id="26" dur="1000" fill="hold"/>
+                                        <p:tgtEl>
+                                          <p:spTgt spid="18">
+                                            <p:txEl>
+                                              <p:pRg st="2" end="2"/>
+                                            </p:txEl>
+                                          </p:spTgt>
+                                        </p:tgtEl>
+                                        <p:attrNameLst>
+                                          <p:attrName>ppt_y</p:attrName>
+                                        </p:attrNameLst>
+                                      </p:cBhvr>
+                                      <p:tavLst>
+                                        <p:tav tm="0">
+                                          <p:val>
+                                            <p:strVal val="#ppt_y+.1"/>
+                                          </p:val>
+                                        </p:tav>
+                                        <p:tav tm="100000">
+                                          <p:val>
+                                            <p:strVal val="#ppt_y"/>
+                                          </p:val>
+                                        </p:tav>
+                                      </p:tavLst>
+                                    </p:anim>
+                                  </p:childTnLst>
+                                </p:cTn>
+                              </p:par>
+                            </p:childTnLst>
+                          </p:cTn>
+                        </p:par>
+                        <p:par>
+                          <p:cTn id="27" fill="hold">
+                            <p:stCondLst>
+                              <p:cond delay="3000"/>
+                            </p:stCondLst>
+                            <p:childTnLst>
+                              <p:par>
+                                <p:cTn id="28" presetID="42" presetClass="entr" presetSubtype="0" fill="hold" nodeType="afterEffect">
+                                  <p:stCondLst>
+                                    <p:cond delay="0"/>
+                                  </p:stCondLst>
+                                  <p:childTnLst>
+                                    <p:set>
+                                      <p:cBhvr>
+                                        <p:cTn id="29" dur="1" fill="hold">
+                                          <p:stCondLst>
+                                            <p:cond delay="0"/>
+                                          </p:stCondLst>
+                                        </p:cTn>
+                                        <p:tgtEl>
+                                          <p:spTgt spid="18">
+                                            <p:txEl>
+                                              <p:pRg st="3" end="3"/>
+                                            </p:txEl>
+                                          </p:spTgt>
+                                        </p:tgtEl>
+                                        <p:attrNameLst>
+                                          <p:attrName>style.visibility</p:attrName>
+                                        </p:attrNameLst>
+                                      </p:cBhvr>
+                                      <p:to>
+                                        <p:strVal val="visible"/>
+                                      </p:to>
+                                    </p:set>
+                                    <p:animEffect transition="in" filter="fade">
+                                      <p:cBhvr>
+                                        <p:cTn id="30" dur="1000"/>
+                                        <p:tgtEl>
+                                          <p:spTgt spid="18">
+                                            <p:txEl>
+                                              <p:pRg st="3" end="3"/>
+                                            </p:txEl>
+                                          </p:spTgt>
+                                        </p:tgtEl>
+                                      </p:cBhvr>
+                                    </p:animEffect>
+                                    <p:anim calcmode="lin" valueType="num">
+                                      <p:cBhvr>
+                                        <p:cTn id="31" dur="1000" fill="hold"/>
+                                        <p:tgtEl>
+                                          <p:spTgt spid="18">
+                                            <p:txEl>
+                                              <p:pRg st="3" end="3"/>
+                                            </p:txEl>
+                                          </p:spTgt>
+                                        </p:tgtEl>
+                                        <p:attrNameLst>
+                                          <p:attrName>ppt_x</p:attrName>
+                                        </p:attrNameLst>
+                                      </p:cBhvr>
+                                      <p:tavLst>
+                                        <p:tav tm="0">
+                                          <p:val>
+                                            <p:strVal val="#ppt_x"/>
+                                          </p:val>
+                                        </p:tav>
+                                        <p:tav tm="100000">
+                                          <p:val>
+                                            <p:strVal val="#ppt_x"/>
+                                          </p:val>
+                                        </p:tav>
+                                      </p:tavLst>
+                                    </p:anim>
+                                    <p:anim calcmode="lin" valueType="num">
+                                      <p:cBhvr>
+                                        <p:cTn id="32" dur="1000" fill="hold"/>
+                                        <p:tgtEl>
+                                          <p:spTgt spid="18">
+                                            <p:txEl>
+                                              <p:pRg st="3" end="3"/>
+                                            </p:txEl>
+                                          </p:spTgt>
+                                        </p:tgtEl>
+                                        <p:attrNameLst>
+                                          <p:attrName>ppt_y</p:attrName>
+                                        </p:attrNameLst>
+                                      </p:cBhvr>
+                                      <p:tavLst>
+                                        <p:tav tm="0">
+                                          <p:val>
+                                            <p:strVal val="#ppt_y+.1"/>
+                                          </p:val>
+                                        </p:tav>
+                                        <p:tav tm="100000">
+                                          <p:val>
+                                            <p:strVal val="#ppt_y"/>
+                                          </p:val>
+                                        </p:tav>
+                                      </p:tavLst>
+                                    </p:anim>
+                                  </p:childTnLst>
+                                </p:cTn>
+                              </p:par>
+                            </p:childTnLst>
+                          </p:cTn>
+                        </p:par>
+                        <p:par>
+                          <p:cTn id="33" fill="hold">
+                            <p:stCondLst>
+                              <p:cond delay="4000"/>
+                            </p:stCondLst>
+                            <p:childTnLst>
+                              <p:par>
+                                <p:cTn id="34" presetID="42" presetClass="entr" presetSubtype="0" fill="hold" nodeType="afterEffect">
+                                  <p:stCondLst>
+                                    <p:cond delay="0"/>
+                                  </p:stCondLst>
+                                  <p:childTnLst>
+                                    <p:set>
+                                      <p:cBhvr>
+                                        <p:cTn id="35" dur="1" fill="hold">
+                                          <p:stCondLst>
+                                            <p:cond delay="0"/>
+                                          </p:stCondLst>
+                                        </p:cTn>
+                                        <p:tgtEl>
+                                          <p:spTgt spid="22"/>
+                                        </p:tgtEl>
+                                        <p:attrNameLst>
+                                          <p:attrName>style.visibility</p:attrName>
+                                        </p:attrNameLst>
+                                      </p:cBhvr>
+                                      <p:to>
+                                        <p:strVal val="visible"/>
+                                      </p:to>
+                                    </p:set>
+                                    <p:animEffect transition="in" filter="fade">
+                                      <p:cBhvr>
+                                        <p:cTn id="36" dur="1000"/>
+                                        <p:tgtEl>
+                                          <p:spTgt spid="22"/>
+                                        </p:tgtEl>
+                                      </p:cBhvr>
+                                    </p:animEffect>
+                                    <p:anim calcmode="lin" valueType="num">
+                                      <p:cBhvr>
+                                        <p:cTn id="37" dur="1000" fill="hold"/>
+                                        <p:tgtEl>
+                                          <p:spTgt spid="22"/>
+                                        </p:tgtEl>
+                                        <p:attrNameLst>
+                                          <p:attrName>ppt_x</p:attrName>
+                                        </p:attrNameLst>
+                                      </p:cBhvr>
+                                      <p:tavLst>
+                                        <p:tav tm="0">
+                                          <p:val>
+                                            <p:strVal val="#ppt_x"/>
+                                          </p:val>
+                                        </p:tav>
+                                        <p:tav tm="100000">
+                                          <p:val>
+                                            <p:strVal val="#ppt_x"/>
+                                          </p:val>
+                                        </p:tav>
+                                      </p:tavLst>
+                                    </p:anim>
+                                    <p:anim calcmode="lin" valueType="num">
+                                      <p:cBhvr>
+                                        <p:cTn id="38" dur="1000" fill="hold"/>
                                         <p:tgtEl>
                                           <p:spTgt spid="22"/>
                                         </p:tgtEl>
@@ -23891,13 +27819,6 @@
               </a:rPr>
               <a:t>CTK37</a:t>
             </a:r>
-            <a:endParaRPr lang="en-US" sz="3600" dirty="0">
-              <a:solidFill>
-                <a:srgbClr val="00B404"/>
-              </a:solidFill>
-              <a:latin typeface="Segoe UI Semilight" pitchFamily="34" charset="0"/>
-              <a:cs typeface="Segoe UI Semilight" pitchFamily="34" charset="0"/>
-            </a:endParaRPr>
           </a:p>
         </p:txBody>
       </p:sp>
@@ -24259,16 +28180,6 @@
               </a:rPr>
               <a:t>Lời cảm ơn</a:t>
             </a:r>
-            <a:endParaRPr lang="en-US" sz="2400" dirty="0">
-              <a:solidFill>
-                <a:schemeClr val="tx1">
-                  <a:lumMod val="75000"/>
-                  <a:lumOff val="25000"/>
-                </a:schemeClr>
-              </a:solidFill>
-              <a:latin typeface="Segoe UI Light" pitchFamily="34" charset="0"/>
-              <a:cs typeface="Segoe UI Light" pitchFamily="34" charset="0"/>
-            </a:endParaRPr>
           </a:p>
         </p:txBody>
       </p:sp>
@@ -24362,16 +28273,6 @@
               </a:rPr>
               <a:t>DTO: Sử dụng Entity Frameword để xây dựng, Entity Framework là một bộ ánh xạ đối tượng – quan hệ cho phép người lập trình .NET  làm việc với dữ liệu quan hệ qua các đối tượng (object) nó giúp lập trình viên không cần viết mã cho (hầu hết) những gì liên quan đến truy cập dữ liệu.</a:t>
             </a:r>
-            <a:endParaRPr lang="en-US" sz="2000" dirty="0">
-              <a:solidFill>
-                <a:schemeClr val="tx1">
-                  <a:lumMod val="75000"/>
-                  <a:lumOff val="25000"/>
-                </a:schemeClr>
-              </a:solidFill>
-              <a:latin typeface="Segoe UI Light" pitchFamily="34" charset="0"/>
-              <a:cs typeface="Segoe UI Light" pitchFamily="34" charset="0"/>
-            </a:endParaRPr>
           </a:p>
         </p:txBody>
       </p:sp>
@@ -24681,13 +28582,6 @@
               </a:rPr>
               <a:t>CTK37</a:t>
             </a:r>
-            <a:endParaRPr lang="en-US" sz="3600" dirty="0">
-              <a:solidFill>
-                <a:srgbClr val="00B404"/>
-              </a:solidFill>
-              <a:latin typeface="Segoe UI Semilight" pitchFamily="34" charset="0"/>
-              <a:cs typeface="Segoe UI Semilight" pitchFamily="34" charset="0"/>
-            </a:endParaRPr>
           </a:p>
         </p:txBody>
       </p:sp>
@@ -24964,16 +28858,6 @@
               </a:rPr>
               <a:t>Giao diện</a:t>
             </a:r>
-            <a:endParaRPr lang="en-US" sz="2400" dirty="0">
-              <a:solidFill>
-                <a:schemeClr val="tx1">
-                  <a:lumMod val="75000"/>
-                  <a:lumOff val="25000"/>
-                </a:schemeClr>
-              </a:solidFill>
-              <a:latin typeface="Segoe UI Light" pitchFamily="34" charset="0"/>
-              <a:cs typeface="Segoe UI Light" pitchFamily="34" charset="0"/>
-            </a:endParaRPr>
           </a:p>
         </p:txBody>
       </p:sp>
@@ -25035,16 +28919,6 @@
               </a:rPr>
               <a:t>Lời cảm ơn</a:t>
             </a:r>
-            <a:endParaRPr lang="en-US" sz="2400" dirty="0">
-              <a:solidFill>
-                <a:schemeClr val="tx1">
-                  <a:lumMod val="75000"/>
-                  <a:lumOff val="25000"/>
-                </a:schemeClr>
-              </a:solidFill>
-              <a:latin typeface="Segoe UI Light" pitchFamily="34" charset="0"/>
-              <a:cs typeface="Segoe UI Light" pitchFamily="34" charset="0"/>
-            </a:endParaRPr>
           </a:p>
         </p:txBody>
       </p:sp>
@@ -25256,16 +29130,6 @@
               </a:rPr>
               <a:t>Phương pháp</a:t>
             </a:r>
-            <a:endParaRPr lang="en-US" sz="2400" dirty="0">
-              <a:solidFill>
-                <a:schemeClr val="tx1">
-                  <a:lumMod val="75000"/>
-                  <a:lumOff val="25000"/>
-                </a:schemeClr>
-              </a:solidFill>
-              <a:latin typeface="Segoe UI Light" pitchFamily="34" charset="0"/>
-              <a:cs typeface="Segoe UI Light" pitchFamily="34" charset="0"/>
-            </a:endParaRPr>
           </a:p>
         </p:txBody>
       </p:sp>
@@ -25934,16 +29798,6 @@
               </a:rPr>
               <a:t>Giao diện</a:t>
             </a:r>
-            <a:endParaRPr lang="en-US" sz="2400" dirty="0">
-              <a:solidFill>
-                <a:schemeClr val="tx1">
-                  <a:lumMod val="75000"/>
-                  <a:lumOff val="25000"/>
-                </a:schemeClr>
-              </a:solidFill>
-              <a:latin typeface="Segoe UI Light" pitchFamily="34" charset="0"/>
-              <a:cs typeface="Segoe UI Light" pitchFamily="34" charset="0"/>
-            </a:endParaRPr>
           </a:p>
         </p:txBody>
       </p:sp>
@@ -26104,16 +29958,6 @@
               </a:rPr>
               <a:t>Phương pháp</a:t>
             </a:r>
-            <a:endParaRPr lang="en-US" sz="2400" dirty="0">
-              <a:solidFill>
-                <a:schemeClr val="tx1">
-                  <a:lumMod val="75000"/>
-                  <a:lumOff val="25000"/>
-                </a:schemeClr>
-              </a:solidFill>
-              <a:latin typeface="Segoe UI Light" pitchFamily="34" charset="0"/>
-              <a:cs typeface="Segoe UI Light" pitchFamily="34" charset="0"/>
-            </a:endParaRPr>
           </a:p>
         </p:txBody>
       </p:sp>
@@ -26176,10 +30020,10 @@
                 <a:latin typeface="Segoe UI Light" pitchFamily="34" charset="0"/>
                 <a:cs typeface="Segoe UI Light" pitchFamily="34" charset="0"/>
               </a:rPr>
-              <a:t>ơn </a:t>
-            </a:r>
-            <a:r>
-              <a:rPr lang="en-US" sz="2000" dirty="0" smtClean="0">
+              <a:t>ơn quý Thầy Cô đã chú ý lắng nghe nhóm em trình bày. </a:t>
+            </a:r>
+            <a:r>
+              <a:rPr lang="en-US" sz="2000" dirty="0">
                 <a:solidFill>
                   <a:schemeClr val="tx1">
                     <a:lumMod val="75000"/>
@@ -26189,7 +30033,7 @@
                 <a:latin typeface="Segoe UI Light" pitchFamily="34" charset="0"/>
                 <a:cs typeface="Segoe UI Light" pitchFamily="34" charset="0"/>
               </a:rPr>
-              <a:t>quý Thầy Cô đã chú ý lắng nghe nhóm </a:t>
+              <a:t>Rất mong nhận được sự đóng góp ý kiến của </a:t>
             </a:r>
             <a:r>
               <a:rPr lang="en-US" sz="2000" dirty="0" smtClean="0">
@@ -26202,59 +30046,7 @@
                 <a:latin typeface="Segoe UI Light" pitchFamily="34" charset="0"/>
                 <a:cs typeface="Segoe UI Light" pitchFamily="34" charset="0"/>
               </a:rPr>
-              <a:t>em </a:t>
-            </a:r>
-            <a:r>
-              <a:rPr lang="en-US" sz="2000" dirty="0" smtClean="0">
-                <a:solidFill>
-                  <a:schemeClr val="tx1">
-                    <a:lumMod val="75000"/>
-                    <a:lumOff val="25000"/>
-                  </a:schemeClr>
-                </a:solidFill>
-                <a:latin typeface="Segoe UI Light" pitchFamily="34" charset="0"/>
-                <a:cs typeface="Segoe UI Light" pitchFamily="34" charset="0"/>
-              </a:rPr>
-              <a:t>trình bày. </a:t>
-            </a:r>
-            <a:r>
-              <a:rPr lang="en-US" sz="2000" dirty="0">
-                <a:solidFill>
-                  <a:schemeClr val="tx1">
-                    <a:lumMod val="75000"/>
-                    <a:lumOff val="25000"/>
-                  </a:schemeClr>
-                </a:solidFill>
-                <a:latin typeface="Segoe UI Light" pitchFamily="34" charset="0"/>
-                <a:cs typeface="Segoe UI Light" pitchFamily="34" charset="0"/>
-              </a:rPr>
-              <a:t>Rất mong nhận được sự đóng góp ý kiến của </a:t>
-            </a:r>
-            <a:r>
-              <a:rPr lang="en-US" sz="2000" dirty="0" smtClean="0">
-                <a:solidFill>
-                  <a:schemeClr val="tx1">
-                    <a:lumMod val="75000"/>
-                    <a:lumOff val="25000"/>
-                  </a:schemeClr>
-                </a:solidFill>
-                <a:latin typeface="Segoe UI Light" pitchFamily="34" charset="0"/>
-                <a:cs typeface="Segoe UI Light" pitchFamily="34" charset="0"/>
-              </a:rPr>
-              <a:t>quý Thầy cô</a:t>
-            </a:r>
-            <a:r>
-              <a:rPr lang="en-US" sz="2000" dirty="0" smtClean="0">
-                <a:solidFill>
-                  <a:schemeClr val="tx1">
-                    <a:lumMod val="75000"/>
-                    <a:lumOff val="25000"/>
-                  </a:schemeClr>
-                </a:solidFill>
-                <a:latin typeface="Segoe UI Light" pitchFamily="34" charset="0"/>
-                <a:cs typeface="Segoe UI Light" pitchFamily="34" charset="0"/>
-              </a:rPr>
-              <a:t>!</a:t>
+              <a:t>quý Thầy cô!</a:t>
             </a:r>
           </a:p>
           <a:p>
@@ -26532,13 +30324,6 @@
               </a:rPr>
               <a:t>CTK37</a:t>
             </a:r>
-            <a:endParaRPr lang="en-US" sz="3600" dirty="0">
-              <a:solidFill>
-                <a:srgbClr val="00B404"/>
-              </a:solidFill>
-              <a:latin typeface="Segoe UI Semilight" pitchFamily="34" charset="0"/>
-              <a:cs typeface="Segoe UI Semilight" pitchFamily="34" charset="0"/>
-            </a:endParaRPr>
           </a:p>
         </p:txBody>
       </p:sp>
@@ -26785,16 +30570,6 @@
               </a:rPr>
               <a:t>Giao diện</a:t>
             </a:r>
-            <a:endParaRPr lang="en-US" sz="2400" dirty="0">
-              <a:solidFill>
-                <a:schemeClr val="tx1">
-                  <a:lumMod val="75000"/>
-                  <a:lumOff val="25000"/>
-                </a:schemeClr>
-              </a:solidFill>
-              <a:latin typeface="Segoe UI Light" pitchFamily="34" charset="0"/>
-              <a:cs typeface="Segoe UI Light" pitchFamily="34" charset="0"/>
-            </a:endParaRPr>
           </a:p>
         </p:txBody>
       </p:sp>
@@ -26856,16 +30631,6 @@
               </a:rPr>
               <a:t>Lời cảm ơn</a:t>
             </a:r>
-            <a:endParaRPr lang="en-US" sz="2400" dirty="0">
-              <a:solidFill>
-                <a:schemeClr val="tx1">
-                  <a:lumMod val="75000"/>
-                  <a:lumOff val="25000"/>
-                </a:schemeClr>
-              </a:solidFill>
-              <a:latin typeface="Segoe UI Light" pitchFamily="34" charset="0"/>
-              <a:cs typeface="Segoe UI Light" pitchFamily="34" charset="0"/>
-            </a:endParaRPr>
           </a:p>
         </p:txBody>
       </p:sp>
@@ -27133,16 +30898,6 @@
               </a:rPr>
               <a:t>Phương pháp</a:t>
             </a:r>
-            <a:endParaRPr lang="en-US" sz="2400" dirty="0">
-              <a:solidFill>
-                <a:schemeClr val="tx1">
-                  <a:lumMod val="75000"/>
-                  <a:lumOff val="25000"/>
-                </a:schemeClr>
-              </a:solidFill>
-              <a:latin typeface="Segoe UI Light" pitchFamily="34" charset="0"/>
-              <a:cs typeface="Segoe UI Light" pitchFamily="34" charset="0"/>
-            </a:endParaRPr>
           </a:p>
         </p:txBody>
       </p:sp>
@@ -27242,6 +30997,527 @@
                                         <p:cTn id="9" dur="1000" fill="hold"/>
                                         <p:tgtEl>
                                           <p:spTgt spid="18"/>
+                                        </p:tgtEl>
+                                        <p:attrNameLst>
+                                          <p:attrName>ppt_y</p:attrName>
+                                        </p:attrNameLst>
+                                      </p:cBhvr>
+                                      <p:tavLst>
+                                        <p:tav tm="0">
+                                          <p:val>
+                                            <p:strVal val="#ppt_y+.1"/>
+                                          </p:val>
+                                        </p:tav>
+                                        <p:tav tm="100000">
+                                          <p:val>
+                                            <p:strVal val="#ppt_y"/>
+                                          </p:val>
+                                        </p:tav>
+                                      </p:tavLst>
+                                    </p:anim>
+                                  </p:childTnLst>
+                                </p:cTn>
+                              </p:par>
+                              <p:par>
+                                <p:cTn id="10" presetID="42" presetClass="entr" presetSubtype="0" fill="hold" nodeType="withEffect">
+                                  <p:stCondLst>
+                                    <p:cond delay="0"/>
+                                  </p:stCondLst>
+                                  <p:childTnLst>
+                                    <p:set>
+                                      <p:cBhvr>
+                                        <p:cTn id="11" dur="1" fill="hold">
+                                          <p:stCondLst>
+                                            <p:cond delay="0"/>
+                                          </p:stCondLst>
+                                        </p:cTn>
+                                        <p:tgtEl>
+                                          <p:spTgt spid="18">
+                                            <p:txEl>
+                                              <p:pRg st="0" end="0"/>
+                                            </p:txEl>
+                                          </p:spTgt>
+                                        </p:tgtEl>
+                                        <p:attrNameLst>
+                                          <p:attrName>style.visibility</p:attrName>
+                                        </p:attrNameLst>
+                                      </p:cBhvr>
+                                      <p:to>
+                                        <p:strVal val="visible"/>
+                                      </p:to>
+                                    </p:set>
+                                    <p:animEffect transition="in" filter="fade">
+                                      <p:cBhvr>
+                                        <p:cTn id="12" dur="1000"/>
+                                        <p:tgtEl>
+                                          <p:spTgt spid="18">
+                                            <p:txEl>
+                                              <p:pRg st="0" end="0"/>
+                                            </p:txEl>
+                                          </p:spTgt>
+                                        </p:tgtEl>
+                                      </p:cBhvr>
+                                    </p:animEffect>
+                                    <p:anim calcmode="lin" valueType="num">
+                                      <p:cBhvr>
+                                        <p:cTn id="13" dur="1000" fill="hold"/>
+                                        <p:tgtEl>
+                                          <p:spTgt spid="18">
+                                            <p:txEl>
+                                              <p:pRg st="0" end="0"/>
+                                            </p:txEl>
+                                          </p:spTgt>
+                                        </p:tgtEl>
+                                        <p:attrNameLst>
+                                          <p:attrName>ppt_x</p:attrName>
+                                        </p:attrNameLst>
+                                      </p:cBhvr>
+                                      <p:tavLst>
+                                        <p:tav tm="0">
+                                          <p:val>
+                                            <p:strVal val="#ppt_x"/>
+                                          </p:val>
+                                        </p:tav>
+                                        <p:tav tm="100000">
+                                          <p:val>
+                                            <p:strVal val="#ppt_x"/>
+                                          </p:val>
+                                        </p:tav>
+                                      </p:tavLst>
+                                    </p:anim>
+                                    <p:anim calcmode="lin" valueType="num">
+                                      <p:cBhvr>
+                                        <p:cTn id="14" dur="1000" fill="hold"/>
+                                        <p:tgtEl>
+                                          <p:spTgt spid="18">
+                                            <p:txEl>
+                                              <p:pRg st="0" end="0"/>
+                                            </p:txEl>
+                                          </p:spTgt>
+                                        </p:tgtEl>
+                                        <p:attrNameLst>
+                                          <p:attrName>ppt_y</p:attrName>
+                                        </p:attrNameLst>
+                                      </p:cBhvr>
+                                      <p:tavLst>
+                                        <p:tav tm="0">
+                                          <p:val>
+                                            <p:strVal val="#ppt_y+.1"/>
+                                          </p:val>
+                                        </p:tav>
+                                        <p:tav tm="100000">
+                                          <p:val>
+                                            <p:strVal val="#ppt_y"/>
+                                          </p:val>
+                                        </p:tav>
+                                      </p:tavLst>
+                                    </p:anim>
+                                  </p:childTnLst>
+                                </p:cTn>
+                              </p:par>
+                            </p:childTnLst>
+                          </p:cTn>
+                        </p:par>
+                        <p:par>
+                          <p:cTn id="15" fill="hold">
+                            <p:stCondLst>
+                              <p:cond delay="1000"/>
+                            </p:stCondLst>
+                            <p:childTnLst>
+                              <p:par>
+                                <p:cTn id="16" presetID="42" presetClass="entr" presetSubtype="0" fill="hold" nodeType="afterEffect">
+                                  <p:stCondLst>
+                                    <p:cond delay="0"/>
+                                  </p:stCondLst>
+                                  <p:childTnLst>
+                                    <p:set>
+                                      <p:cBhvr>
+                                        <p:cTn id="17" dur="1" fill="hold">
+                                          <p:stCondLst>
+                                            <p:cond delay="0"/>
+                                          </p:stCondLst>
+                                        </p:cTn>
+                                        <p:tgtEl>
+                                          <p:spTgt spid="18">
+                                            <p:txEl>
+                                              <p:pRg st="1" end="1"/>
+                                            </p:txEl>
+                                          </p:spTgt>
+                                        </p:tgtEl>
+                                        <p:attrNameLst>
+                                          <p:attrName>style.visibility</p:attrName>
+                                        </p:attrNameLst>
+                                      </p:cBhvr>
+                                      <p:to>
+                                        <p:strVal val="visible"/>
+                                      </p:to>
+                                    </p:set>
+                                    <p:animEffect transition="in" filter="fade">
+                                      <p:cBhvr>
+                                        <p:cTn id="18" dur="1000"/>
+                                        <p:tgtEl>
+                                          <p:spTgt spid="18">
+                                            <p:txEl>
+                                              <p:pRg st="1" end="1"/>
+                                            </p:txEl>
+                                          </p:spTgt>
+                                        </p:tgtEl>
+                                      </p:cBhvr>
+                                    </p:animEffect>
+                                    <p:anim calcmode="lin" valueType="num">
+                                      <p:cBhvr>
+                                        <p:cTn id="19" dur="1000" fill="hold"/>
+                                        <p:tgtEl>
+                                          <p:spTgt spid="18">
+                                            <p:txEl>
+                                              <p:pRg st="1" end="1"/>
+                                            </p:txEl>
+                                          </p:spTgt>
+                                        </p:tgtEl>
+                                        <p:attrNameLst>
+                                          <p:attrName>ppt_x</p:attrName>
+                                        </p:attrNameLst>
+                                      </p:cBhvr>
+                                      <p:tavLst>
+                                        <p:tav tm="0">
+                                          <p:val>
+                                            <p:strVal val="#ppt_x"/>
+                                          </p:val>
+                                        </p:tav>
+                                        <p:tav tm="100000">
+                                          <p:val>
+                                            <p:strVal val="#ppt_x"/>
+                                          </p:val>
+                                        </p:tav>
+                                      </p:tavLst>
+                                    </p:anim>
+                                    <p:anim calcmode="lin" valueType="num">
+                                      <p:cBhvr>
+                                        <p:cTn id="20" dur="1000" fill="hold"/>
+                                        <p:tgtEl>
+                                          <p:spTgt spid="18">
+                                            <p:txEl>
+                                              <p:pRg st="1" end="1"/>
+                                            </p:txEl>
+                                          </p:spTgt>
+                                        </p:tgtEl>
+                                        <p:attrNameLst>
+                                          <p:attrName>ppt_y</p:attrName>
+                                        </p:attrNameLst>
+                                      </p:cBhvr>
+                                      <p:tavLst>
+                                        <p:tav tm="0">
+                                          <p:val>
+                                            <p:strVal val="#ppt_y+.1"/>
+                                          </p:val>
+                                        </p:tav>
+                                        <p:tav tm="100000">
+                                          <p:val>
+                                            <p:strVal val="#ppt_y"/>
+                                          </p:val>
+                                        </p:tav>
+                                      </p:tavLst>
+                                    </p:anim>
+                                  </p:childTnLst>
+                                </p:cTn>
+                              </p:par>
+                            </p:childTnLst>
+                          </p:cTn>
+                        </p:par>
+                        <p:par>
+                          <p:cTn id="21" fill="hold">
+                            <p:stCondLst>
+                              <p:cond delay="2000"/>
+                            </p:stCondLst>
+                            <p:childTnLst>
+                              <p:par>
+                                <p:cTn id="22" presetID="42" presetClass="entr" presetSubtype="0" fill="hold" nodeType="afterEffect">
+                                  <p:stCondLst>
+                                    <p:cond delay="0"/>
+                                  </p:stCondLst>
+                                  <p:childTnLst>
+                                    <p:set>
+                                      <p:cBhvr>
+                                        <p:cTn id="23" dur="1" fill="hold">
+                                          <p:stCondLst>
+                                            <p:cond delay="0"/>
+                                          </p:stCondLst>
+                                        </p:cTn>
+                                        <p:tgtEl>
+                                          <p:spTgt spid="18">
+                                            <p:txEl>
+                                              <p:pRg st="2" end="2"/>
+                                            </p:txEl>
+                                          </p:spTgt>
+                                        </p:tgtEl>
+                                        <p:attrNameLst>
+                                          <p:attrName>style.visibility</p:attrName>
+                                        </p:attrNameLst>
+                                      </p:cBhvr>
+                                      <p:to>
+                                        <p:strVal val="visible"/>
+                                      </p:to>
+                                    </p:set>
+                                    <p:animEffect transition="in" filter="fade">
+                                      <p:cBhvr>
+                                        <p:cTn id="24" dur="1000"/>
+                                        <p:tgtEl>
+                                          <p:spTgt spid="18">
+                                            <p:txEl>
+                                              <p:pRg st="2" end="2"/>
+                                            </p:txEl>
+                                          </p:spTgt>
+                                        </p:tgtEl>
+                                      </p:cBhvr>
+                                    </p:animEffect>
+                                    <p:anim calcmode="lin" valueType="num">
+                                      <p:cBhvr>
+                                        <p:cTn id="25" dur="1000" fill="hold"/>
+                                        <p:tgtEl>
+                                          <p:spTgt spid="18">
+                                            <p:txEl>
+                                              <p:pRg st="2" end="2"/>
+                                            </p:txEl>
+                                          </p:spTgt>
+                                        </p:tgtEl>
+                                        <p:attrNameLst>
+                                          <p:attrName>ppt_x</p:attrName>
+                                        </p:attrNameLst>
+                                      </p:cBhvr>
+                                      <p:tavLst>
+                                        <p:tav tm="0">
+                                          <p:val>
+                                            <p:strVal val="#ppt_x"/>
+                                          </p:val>
+                                        </p:tav>
+                                        <p:tav tm="100000">
+                                          <p:val>
+                                            <p:strVal val="#ppt_x"/>
+                                          </p:val>
+                                        </p:tav>
+                                      </p:tavLst>
+                                    </p:anim>
+                                    <p:anim calcmode="lin" valueType="num">
+                                      <p:cBhvr>
+                                        <p:cTn id="26" dur="1000" fill="hold"/>
+                                        <p:tgtEl>
+                                          <p:spTgt spid="18">
+                                            <p:txEl>
+                                              <p:pRg st="2" end="2"/>
+                                            </p:txEl>
+                                          </p:spTgt>
+                                        </p:tgtEl>
+                                        <p:attrNameLst>
+                                          <p:attrName>ppt_y</p:attrName>
+                                        </p:attrNameLst>
+                                      </p:cBhvr>
+                                      <p:tavLst>
+                                        <p:tav tm="0">
+                                          <p:val>
+                                            <p:strVal val="#ppt_y+.1"/>
+                                          </p:val>
+                                        </p:tav>
+                                        <p:tav tm="100000">
+                                          <p:val>
+                                            <p:strVal val="#ppt_y"/>
+                                          </p:val>
+                                        </p:tav>
+                                      </p:tavLst>
+                                    </p:anim>
+                                  </p:childTnLst>
+                                </p:cTn>
+                              </p:par>
+                            </p:childTnLst>
+                          </p:cTn>
+                        </p:par>
+                        <p:par>
+                          <p:cTn id="27" fill="hold">
+                            <p:stCondLst>
+                              <p:cond delay="3000"/>
+                            </p:stCondLst>
+                            <p:childTnLst>
+                              <p:par>
+                                <p:cTn id="28" presetID="42" presetClass="entr" presetSubtype="0" fill="hold" nodeType="afterEffect">
+                                  <p:stCondLst>
+                                    <p:cond delay="0"/>
+                                  </p:stCondLst>
+                                  <p:childTnLst>
+                                    <p:set>
+                                      <p:cBhvr>
+                                        <p:cTn id="29" dur="1" fill="hold">
+                                          <p:stCondLst>
+                                            <p:cond delay="0"/>
+                                          </p:stCondLst>
+                                        </p:cTn>
+                                        <p:tgtEl>
+                                          <p:spTgt spid="18">
+                                            <p:txEl>
+                                              <p:pRg st="3" end="3"/>
+                                            </p:txEl>
+                                          </p:spTgt>
+                                        </p:tgtEl>
+                                        <p:attrNameLst>
+                                          <p:attrName>style.visibility</p:attrName>
+                                        </p:attrNameLst>
+                                      </p:cBhvr>
+                                      <p:to>
+                                        <p:strVal val="visible"/>
+                                      </p:to>
+                                    </p:set>
+                                    <p:animEffect transition="in" filter="fade">
+                                      <p:cBhvr>
+                                        <p:cTn id="30" dur="1000"/>
+                                        <p:tgtEl>
+                                          <p:spTgt spid="18">
+                                            <p:txEl>
+                                              <p:pRg st="3" end="3"/>
+                                            </p:txEl>
+                                          </p:spTgt>
+                                        </p:tgtEl>
+                                      </p:cBhvr>
+                                    </p:animEffect>
+                                    <p:anim calcmode="lin" valueType="num">
+                                      <p:cBhvr>
+                                        <p:cTn id="31" dur="1000" fill="hold"/>
+                                        <p:tgtEl>
+                                          <p:spTgt spid="18">
+                                            <p:txEl>
+                                              <p:pRg st="3" end="3"/>
+                                            </p:txEl>
+                                          </p:spTgt>
+                                        </p:tgtEl>
+                                        <p:attrNameLst>
+                                          <p:attrName>ppt_x</p:attrName>
+                                        </p:attrNameLst>
+                                      </p:cBhvr>
+                                      <p:tavLst>
+                                        <p:tav tm="0">
+                                          <p:val>
+                                            <p:strVal val="#ppt_x"/>
+                                          </p:val>
+                                        </p:tav>
+                                        <p:tav tm="100000">
+                                          <p:val>
+                                            <p:strVal val="#ppt_x"/>
+                                          </p:val>
+                                        </p:tav>
+                                      </p:tavLst>
+                                    </p:anim>
+                                    <p:anim calcmode="lin" valueType="num">
+                                      <p:cBhvr>
+                                        <p:cTn id="32" dur="1000" fill="hold"/>
+                                        <p:tgtEl>
+                                          <p:spTgt spid="18">
+                                            <p:txEl>
+                                              <p:pRg st="3" end="3"/>
+                                            </p:txEl>
+                                          </p:spTgt>
+                                        </p:tgtEl>
+                                        <p:attrNameLst>
+                                          <p:attrName>ppt_y</p:attrName>
+                                        </p:attrNameLst>
+                                      </p:cBhvr>
+                                      <p:tavLst>
+                                        <p:tav tm="0">
+                                          <p:val>
+                                            <p:strVal val="#ppt_y+.1"/>
+                                          </p:val>
+                                        </p:tav>
+                                        <p:tav tm="100000">
+                                          <p:val>
+                                            <p:strVal val="#ppt_y"/>
+                                          </p:val>
+                                        </p:tav>
+                                      </p:tavLst>
+                                    </p:anim>
+                                  </p:childTnLst>
+                                </p:cTn>
+                              </p:par>
+                            </p:childTnLst>
+                          </p:cTn>
+                        </p:par>
+                        <p:par>
+                          <p:cTn id="33" fill="hold">
+                            <p:stCondLst>
+                              <p:cond delay="4000"/>
+                            </p:stCondLst>
+                            <p:childTnLst>
+                              <p:par>
+                                <p:cTn id="34" presetID="42" presetClass="entr" presetSubtype="0" fill="hold" nodeType="afterEffect">
+                                  <p:stCondLst>
+                                    <p:cond delay="0"/>
+                                  </p:stCondLst>
+                                  <p:childTnLst>
+                                    <p:set>
+                                      <p:cBhvr>
+                                        <p:cTn id="35" dur="1" fill="hold">
+                                          <p:stCondLst>
+                                            <p:cond delay="0"/>
+                                          </p:stCondLst>
+                                        </p:cTn>
+                                        <p:tgtEl>
+                                          <p:spTgt spid="18">
+                                            <p:txEl>
+                                              <p:pRg st="4" end="4"/>
+                                            </p:txEl>
+                                          </p:spTgt>
+                                        </p:tgtEl>
+                                        <p:attrNameLst>
+                                          <p:attrName>style.visibility</p:attrName>
+                                        </p:attrNameLst>
+                                      </p:cBhvr>
+                                      <p:to>
+                                        <p:strVal val="visible"/>
+                                      </p:to>
+                                    </p:set>
+                                    <p:animEffect transition="in" filter="fade">
+                                      <p:cBhvr>
+                                        <p:cTn id="36" dur="1000"/>
+                                        <p:tgtEl>
+                                          <p:spTgt spid="18">
+                                            <p:txEl>
+                                              <p:pRg st="4" end="4"/>
+                                            </p:txEl>
+                                          </p:spTgt>
+                                        </p:tgtEl>
+                                      </p:cBhvr>
+                                    </p:animEffect>
+                                    <p:anim calcmode="lin" valueType="num">
+                                      <p:cBhvr>
+                                        <p:cTn id="37" dur="1000" fill="hold"/>
+                                        <p:tgtEl>
+                                          <p:spTgt spid="18">
+                                            <p:txEl>
+                                              <p:pRg st="4" end="4"/>
+                                            </p:txEl>
+                                          </p:spTgt>
+                                        </p:tgtEl>
+                                        <p:attrNameLst>
+                                          <p:attrName>ppt_x</p:attrName>
+                                        </p:attrNameLst>
+                                      </p:cBhvr>
+                                      <p:tavLst>
+                                        <p:tav tm="0">
+                                          <p:val>
+                                            <p:strVal val="#ppt_x"/>
+                                          </p:val>
+                                        </p:tav>
+                                        <p:tav tm="100000">
+                                          <p:val>
+                                            <p:strVal val="#ppt_x"/>
+                                          </p:val>
+                                        </p:tav>
+                                      </p:tavLst>
+                                    </p:anim>
+                                    <p:anim calcmode="lin" valueType="num">
+                                      <p:cBhvr>
+                                        <p:cTn id="38" dur="1000" fill="hold"/>
+                                        <p:tgtEl>
+                                          <p:spTgt spid="18">
+                                            <p:txEl>
+                                              <p:pRg st="4" end="4"/>
+                                            </p:txEl>
+                                          </p:spTgt>
                                         </p:tgtEl>
                                         <p:attrNameLst>
                                           <p:attrName>ppt_y</p:attrName>
@@ -27394,13 +31670,6 @@
               </a:rPr>
               <a:t>CTK37</a:t>
             </a:r>
-            <a:endParaRPr lang="en-US" sz="3600" dirty="0">
-              <a:solidFill>
-                <a:srgbClr val="00B404"/>
-              </a:solidFill>
-              <a:latin typeface="Segoe UI Semilight" pitchFamily="34" charset="0"/>
-              <a:cs typeface="Segoe UI Semilight" pitchFamily="34" charset="0"/>
-            </a:endParaRPr>
           </a:p>
         </p:txBody>
       </p:sp>
@@ -27648,16 +31917,6 @@
               </a:rPr>
               <a:t>Giao diện</a:t>
             </a:r>
-            <a:endParaRPr lang="en-US" sz="2400" dirty="0">
-              <a:solidFill>
-                <a:schemeClr val="tx1">
-                  <a:lumMod val="75000"/>
-                  <a:lumOff val="25000"/>
-                </a:schemeClr>
-              </a:solidFill>
-              <a:latin typeface="Segoe UI Light" pitchFamily="34" charset="0"/>
-              <a:cs typeface="Segoe UI Light" pitchFamily="34" charset="0"/>
-            </a:endParaRPr>
           </a:p>
         </p:txBody>
       </p:sp>
@@ -27719,16 +31978,6 @@
               </a:rPr>
               <a:t>Lời cảm ơn</a:t>
             </a:r>
-            <a:endParaRPr lang="en-US" sz="2400" dirty="0">
-              <a:solidFill>
-                <a:schemeClr val="tx1">
-                  <a:lumMod val="75000"/>
-                  <a:lumOff val="25000"/>
-                </a:schemeClr>
-              </a:solidFill>
-              <a:latin typeface="Segoe UI Light" pitchFamily="34" charset="0"/>
-              <a:cs typeface="Segoe UI Light" pitchFamily="34" charset="0"/>
-            </a:endParaRPr>
           </a:p>
         </p:txBody>
       </p:sp>
@@ -27832,16 +32081,6 @@
               </a:rPr>
               <a:t>Phương pháp</a:t>
             </a:r>
-            <a:endParaRPr lang="en-US" sz="2400" dirty="0">
-              <a:solidFill>
-                <a:schemeClr val="tx1">
-                  <a:lumMod val="75000"/>
-                  <a:lumOff val="25000"/>
-                </a:schemeClr>
-              </a:solidFill>
-              <a:latin typeface="Segoe UI Light" pitchFamily="34" charset="0"/>
-              <a:cs typeface="Segoe UI Light" pitchFamily="34" charset="0"/>
-            </a:endParaRPr>
           </a:p>
         </p:txBody>
       </p:sp>
@@ -28734,13 +32973,6 @@
               </a:rPr>
               <a:t>CTK37</a:t>
             </a:r>
-            <a:endParaRPr lang="en-US" sz="3600" dirty="0">
-              <a:solidFill>
-                <a:srgbClr val="00B404"/>
-              </a:solidFill>
-              <a:latin typeface="Segoe UI Semilight" pitchFamily="34" charset="0"/>
-              <a:cs typeface="Segoe UI Semilight" pitchFamily="34" charset="0"/>
-            </a:endParaRPr>
           </a:p>
         </p:txBody>
       </p:sp>
@@ -28988,16 +33220,6 @@
               </a:rPr>
               <a:t>Giao diện</a:t>
             </a:r>
-            <a:endParaRPr lang="en-US" sz="2400" dirty="0">
-              <a:solidFill>
-                <a:schemeClr val="tx1">
-                  <a:lumMod val="75000"/>
-                  <a:lumOff val="25000"/>
-                </a:schemeClr>
-              </a:solidFill>
-              <a:latin typeface="Segoe UI Light" pitchFamily="34" charset="0"/>
-              <a:cs typeface="Segoe UI Light" pitchFamily="34" charset="0"/>
-            </a:endParaRPr>
           </a:p>
         </p:txBody>
       </p:sp>
@@ -29059,16 +33281,6 @@
               </a:rPr>
               <a:t>Lời cảm ơn</a:t>
             </a:r>
-            <a:endParaRPr lang="en-US" sz="2400" dirty="0">
-              <a:solidFill>
-                <a:schemeClr val="tx1">
-                  <a:lumMod val="75000"/>
-                  <a:lumOff val="25000"/>
-                </a:schemeClr>
-              </a:solidFill>
-              <a:latin typeface="Segoe UI Light" pitchFamily="34" charset="0"/>
-              <a:cs typeface="Segoe UI Light" pitchFamily="34" charset="0"/>
-            </a:endParaRPr>
           </a:p>
         </p:txBody>
       </p:sp>
@@ -29172,16 +33384,6 @@
               </a:rPr>
               <a:t>Phương pháp</a:t>
             </a:r>
-            <a:endParaRPr lang="en-US" sz="2400" dirty="0">
-              <a:solidFill>
-                <a:schemeClr val="tx1">
-                  <a:lumMod val="75000"/>
-                  <a:lumOff val="25000"/>
-                </a:schemeClr>
-              </a:solidFill>
-              <a:latin typeface="Segoe UI Light" pitchFamily="34" charset="0"/>
-              <a:cs typeface="Segoe UI Light" pitchFamily="34" charset="0"/>
-            </a:endParaRPr>
           </a:p>
         </p:txBody>
       </p:sp>
@@ -29445,6 +33647,421 @@
                                         <p:cTn id="9" dur="1000" fill="hold"/>
                                         <p:tgtEl>
                                           <p:spTgt spid="21"/>
+                                        </p:tgtEl>
+                                        <p:attrNameLst>
+                                          <p:attrName>ppt_y</p:attrName>
+                                        </p:attrNameLst>
+                                      </p:cBhvr>
+                                      <p:tavLst>
+                                        <p:tav tm="0">
+                                          <p:val>
+                                            <p:strVal val="#ppt_y+.1"/>
+                                          </p:val>
+                                        </p:tav>
+                                        <p:tav tm="100000">
+                                          <p:val>
+                                            <p:strVal val="#ppt_y"/>
+                                          </p:val>
+                                        </p:tav>
+                                      </p:tavLst>
+                                    </p:anim>
+                                  </p:childTnLst>
+                                </p:cTn>
+                              </p:par>
+                              <p:par>
+                                <p:cTn id="10" presetID="42" presetClass="entr" presetSubtype="0" fill="hold" nodeType="withEffect">
+                                  <p:stCondLst>
+                                    <p:cond delay="0"/>
+                                  </p:stCondLst>
+                                  <p:childTnLst>
+                                    <p:set>
+                                      <p:cBhvr>
+                                        <p:cTn id="11" dur="1" fill="hold">
+                                          <p:stCondLst>
+                                            <p:cond delay="0"/>
+                                          </p:stCondLst>
+                                        </p:cTn>
+                                        <p:tgtEl>
+                                          <p:spTgt spid="21">
+                                            <p:txEl>
+                                              <p:pRg st="0" end="0"/>
+                                            </p:txEl>
+                                          </p:spTgt>
+                                        </p:tgtEl>
+                                        <p:attrNameLst>
+                                          <p:attrName>style.visibility</p:attrName>
+                                        </p:attrNameLst>
+                                      </p:cBhvr>
+                                      <p:to>
+                                        <p:strVal val="visible"/>
+                                      </p:to>
+                                    </p:set>
+                                    <p:animEffect transition="in" filter="fade">
+                                      <p:cBhvr>
+                                        <p:cTn id="12" dur="1000"/>
+                                        <p:tgtEl>
+                                          <p:spTgt spid="21">
+                                            <p:txEl>
+                                              <p:pRg st="0" end="0"/>
+                                            </p:txEl>
+                                          </p:spTgt>
+                                        </p:tgtEl>
+                                      </p:cBhvr>
+                                    </p:animEffect>
+                                    <p:anim calcmode="lin" valueType="num">
+                                      <p:cBhvr>
+                                        <p:cTn id="13" dur="1000" fill="hold"/>
+                                        <p:tgtEl>
+                                          <p:spTgt spid="21">
+                                            <p:txEl>
+                                              <p:pRg st="0" end="0"/>
+                                            </p:txEl>
+                                          </p:spTgt>
+                                        </p:tgtEl>
+                                        <p:attrNameLst>
+                                          <p:attrName>ppt_x</p:attrName>
+                                        </p:attrNameLst>
+                                      </p:cBhvr>
+                                      <p:tavLst>
+                                        <p:tav tm="0">
+                                          <p:val>
+                                            <p:strVal val="#ppt_x"/>
+                                          </p:val>
+                                        </p:tav>
+                                        <p:tav tm="100000">
+                                          <p:val>
+                                            <p:strVal val="#ppt_x"/>
+                                          </p:val>
+                                        </p:tav>
+                                      </p:tavLst>
+                                    </p:anim>
+                                    <p:anim calcmode="lin" valueType="num">
+                                      <p:cBhvr>
+                                        <p:cTn id="14" dur="1000" fill="hold"/>
+                                        <p:tgtEl>
+                                          <p:spTgt spid="21">
+                                            <p:txEl>
+                                              <p:pRg st="0" end="0"/>
+                                            </p:txEl>
+                                          </p:spTgt>
+                                        </p:tgtEl>
+                                        <p:attrNameLst>
+                                          <p:attrName>ppt_y</p:attrName>
+                                        </p:attrNameLst>
+                                      </p:cBhvr>
+                                      <p:tavLst>
+                                        <p:tav tm="0">
+                                          <p:val>
+                                            <p:strVal val="#ppt_y+.1"/>
+                                          </p:val>
+                                        </p:tav>
+                                        <p:tav tm="100000">
+                                          <p:val>
+                                            <p:strVal val="#ppt_y"/>
+                                          </p:val>
+                                        </p:tav>
+                                      </p:tavLst>
+                                    </p:anim>
+                                  </p:childTnLst>
+                                </p:cTn>
+                              </p:par>
+                            </p:childTnLst>
+                          </p:cTn>
+                        </p:par>
+                        <p:par>
+                          <p:cTn id="15" fill="hold">
+                            <p:stCondLst>
+                              <p:cond delay="1000"/>
+                            </p:stCondLst>
+                            <p:childTnLst>
+                              <p:par>
+                                <p:cTn id="16" presetID="42" presetClass="entr" presetSubtype="0" fill="hold" nodeType="afterEffect">
+                                  <p:stCondLst>
+                                    <p:cond delay="0"/>
+                                  </p:stCondLst>
+                                  <p:childTnLst>
+                                    <p:set>
+                                      <p:cBhvr>
+                                        <p:cTn id="17" dur="1" fill="hold">
+                                          <p:stCondLst>
+                                            <p:cond delay="0"/>
+                                          </p:stCondLst>
+                                        </p:cTn>
+                                        <p:tgtEl>
+                                          <p:spTgt spid="21">
+                                            <p:txEl>
+                                              <p:pRg st="1" end="1"/>
+                                            </p:txEl>
+                                          </p:spTgt>
+                                        </p:tgtEl>
+                                        <p:attrNameLst>
+                                          <p:attrName>style.visibility</p:attrName>
+                                        </p:attrNameLst>
+                                      </p:cBhvr>
+                                      <p:to>
+                                        <p:strVal val="visible"/>
+                                      </p:to>
+                                    </p:set>
+                                    <p:animEffect transition="in" filter="fade">
+                                      <p:cBhvr>
+                                        <p:cTn id="18" dur="1000"/>
+                                        <p:tgtEl>
+                                          <p:spTgt spid="21">
+                                            <p:txEl>
+                                              <p:pRg st="1" end="1"/>
+                                            </p:txEl>
+                                          </p:spTgt>
+                                        </p:tgtEl>
+                                      </p:cBhvr>
+                                    </p:animEffect>
+                                    <p:anim calcmode="lin" valueType="num">
+                                      <p:cBhvr>
+                                        <p:cTn id="19" dur="1000" fill="hold"/>
+                                        <p:tgtEl>
+                                          <p:spTgt spid="21">
+                                            <p:txEl>
+                                              <p:pRg st="1" end="1"/>
+                                            </p:txEl>
+                                          </p:spTgt>
+                                        </p:tgtEl>
+                                        <p:attrNameLst>
+                                          <p:attrName>ppt_x</p:attrName>
+                                        </p:attrNameLst>
+                                      </p:cBhvr>
+                                      <p:tavLst>
+                                        <p:tav tm="0">
+                                          <p:val>
+                                            <p:strVal val="#ppt_x"/>
+                                          </p:val>
+                                        </p:tav>
+                                        <p:tav tm="100000">
+                                          <p:val>
+                                            <p:strVal val="#ppt_x"/>
+                                          </p:val>
+                                        </p:tav>
+                                      </p:tavLst>
+                                    </p:anim>
+                                    <p:anim calcmode="lin" valueType="num">
+                                      <p:cBhvr>
+                                        <p:cTn id="20" dur="1000" fill="hold"/>
+                                        <p:tgtEl>
+                                          <p:spTgt spid="21">
+                                            <p:txEl>
+                                              <p:pRg st="1" end="1"/>
+                                            </p:txEl>
+                                          </p:spTgt>
+                                        </p:tgtEl>
+                                        <p:attrNameLst>
+                                          <p:attrName>ppt_y</p:attrName>
+                                        </p:attrNameLst>
+                                      </p:cBhvr>
+                                      <p:tavLst>
+                                        <p:tav tm="0">
+                                          <p:val>
+                                            <p:strVal val="#ppt_y+.1"/>
+                                          </p:val>
+                                        </p:tav>
+                                        <p:tav tm="100000">
+                                          <p:val>
+                                            <p:strVal val="#ppt_y"/>
+                                          </p:val>
+                                        </p:tav>
+                                      </p:tavLst>
+                                    </p:anim>
+                                  </p:childTnLst>
+                                </p:cTn>
+                              </p:par>
+                            </p:childTnLst>
+                          </p:cTn>
+                        </p:par>
+                        <p:par>
+                          <p:cTn id="21" fill="hold">
+                            <p:stCondLst>
+                              <p:cond delay="2000"/>
+                            </p:stCondLst>
+                            <p:childTnLst>
+                              <p:par>
+                                <p:cTn id="22" presetID="42" presetClass="entr" presetSubtype="0" fill="hold" nodeType="afterEffect">
+                                  <p:stCondLst>
+                                    <p:cond delay="0"/>
+                                  </p:stCondLst>
+                                  <p:childTnLst>
+                                    <p:set>
+                                      <p:cBhvr>
+                                        <p:cTn id="23" dur="1" fill="hold">
+                                          <p:stCondLst>
+                                            <p:cond delay="0"/>
+                                          </p:stCondLst>
+                                        </p:cTn>
+                                        <p:tgtEl>
+                                          <p:spTgt spid="21">
+                                            <p:txEl>
+                                              <p:pRg st="2" end="2"/>
+                                            </p:txEl>
+                                          </p:spTgt>
+                                        </p:tgtEl>
+                                        <p:attrNameLst>
+                                          <p:attrName>style.visibility</p:attrName>
+                                        </p:attrNameLst>
+                                      </p:cBhvr>
+                                      <p:to>
+                                        <p:strVal val="visible"/>
+                                      </p:to>
+                                    </p:set>
+                                    <p:animEffect transition="in" filter="fade">
+                                      <p:cBhvr>
+                                        <p:cTn id="24" dur="1000"/>
+                                        <p:tgtEl>
+                                          <p:spTgt spid="21">
+                                            <p:txEl>
+                                              <p:pRg st="2" end="2"/>
+                                            </p:txEl>
+                                          </p:spTgt>
+                                        </p:tgtEl>
+                                      </p:cBhvr>
+                                    </p:animEffect>
+                                    <p:anim calcmode="lin" valueType="num">
+                                      <p:cBhvr>
+                                        <p:cTn id="25" dur="1000" fill="hold"/>
+                                        <p:tgtEl>
+                                          <p:spTgt spid="21">
+                                            <p:txEl>
+                                              <p:pRg st="2" end="2"/>
+                                            </p:txEl>
+                                          </p:spTgt>
+                                        </p:tgtEl>
+                                        <p:attrNameLst>
+                                          <p:attrName>ppt_x</p:attrName>
+                                        </p:attrNameLst>
+                                      </p:cBhvr>
+                                      <p:tavLst>
+                                        <p:tav tm="0">
+                                          <p:val>
+                                            <p:strVal val="#ppt_x"/>
+                                          </p:val>
+                                        </p:tav>
+                                        <p:tav tm="100000">
+                                          <p:val>
+                                            <p:strVal val="#ppt_x"/>
+                                          </p:val>
+                                        </p:tav>
+                                      </p:tavLst>
+                                    </p:anim>
+                                    <p:anim calcmode="lin" valueType="num">
+                                      <p:cBhvr>
+                                        <p:cTn id="26" dur="1000" fill="hold"/>
+                                        <p:tgtEl>
+                                          <p:spTgt spid="21">
+                                            <p:txEl>
+                                              <p:pRg st="2" end="2"/>
+                                            </p:txEl>
+                                          </p:spTgt>
+                                        </p:tgtEl>
+                                        <p:attrNameLst>
+                                          <p:attrName>ppt_y</p:attrName>
+                                        </p:attrNameLst>
+                                      </p:cBhvr>
+                                      <p:tavLst>
+                                        <p:tav tm="0">
+                                          <p:val>
+                                            <p:strVal val="#ppt_y+.1"/>
+                                          </p:val>
+                                        </p:tav>
+                                        <p:tav tm="100000">
+                                          <p:val>
+                                            <p:strVal val="#ppt_y"/>
+                                          </p:val>
+                                        </p:tav>
+                                      </p:tavLst>
+                                    </p:anim>
+                                  </p:childTnLst>
+                                </p:cTn>
+                              </p:par>
+                            </p:childTnLst>
+                          </p:cTn>
+                        </p:par>
+                        <p:par>
+                          <p:cTn id="27" fill="hold">
+                            <p:stCondLst>
+                              <p:cond delay="3000"/>
+                            </p:stCondLst>
+                            <p:childTnLst>
+                              <p:par>
+                                <p:cTn id="28" presetID="42" presetClass="entr" presetSubtype="0" fill="hold" nodeType="afterEffect">
+                                  <p:stCondLst>
+                                    <p:cond delay="0"/>
+                                  </p:stCondLst>
+                                  <p:childTnLst>
+                                    <p:set>
+                                      <p:cBhvr>
+                                        <p:cTn id="29" dur="1" fill="hold">
+                                          <p:stCondLst>
+                                            <p:cond delay="0"/>
+                                          </p:stCondLst>
+                                        </p:cTn>
+                                        <p:tgtEl>
+                                          <p:spTgt spid="21">
+                                            <p:txEl>
+                                              <p:pRg st="3" end="3"/>
+                                            </p:txEl>
+                                          </p:spTgt>
+                                        </p:tgtEl>
+                                        <p:attrNameLst>
+                                          <p:attrName>style.visibility</p:attrName>
+                                        </p:attrNameLst>
+                                      </p:cBhvr>
+                                      <p:to>
+                                        <p:strVal val="visible"/>
+                                      </p:to>
+                                    </p:set>
+                                    <p:animEffect transition="in" filter="fade">
+                                      <p:cBhvr>
+                                        <p:cTn id="30" dur="1000"/>
+                                        <p:tgtEl>
+                                          <p:spTgt spid="21">
+                                            <p:txEl>
+                                              <p:pRg st="3" end="3"/>
+                                            </p:txEl>
+                                          </p:spTgt>
+                                        </p:tgtEl>
+                                      </p:cBhvr>
+                                    </p:animEffect>
+                                    <p:anim calcmode="lin" valueType="num">
+                                      <p:cBhvr>
+                                        <p:cTn id="31" dur="1000" fill="hold"/>
+                                        <p:tgtEl>
+                                          <p:spTgt spid="21">
+                                            <p:txEl>
+                                              <p:pRg st="3" end="3"/>
+                                            </p:txEl>
+                                          </p:spTgt>
+                                        </p:tgtEl>
+                                        <p:attrNameLst>
+                                          <p:attrName>ppt_x</p:attrName>
+                                        </p:attrNameLst>
+                                      </p:cBhvr>
+                                      <p:tavLst>
+                                        <p:tav tm="0">
+                                          <p:val>
+                                            <p:strVal val="#ppt_x"/>
+                                          </p:val>
+                                        </p:tav>
+                                        <p:tav tm="100000">
+                                          <p:val>
+                                            <p:strVal val="#ppt_x"/>
+                                          </p:val>
+                                        </p:tav>
+                                      </p:tavLst>
+                                    </p:anim>
+                                    <p:anim calcmode="lin" valueType="num">
+                                      <p:cBhvr>
+                                        <p:cTn id="32" dur="1000" fill="hold"/>
+                                        <p:tgtEl>
+                                          <p:spTgt spid="21">
+                                            <p:txEl>
+                                              <p:pRg st="3" end="3"/>
+                                            </p:txEl>
+                                          </p:spTgt>
                                         </p:tgtEl>
                                         <p:attrNameLst>
                                           <p:attrName>ppt_y</p:attrName>
@@ -29597,13 +34214,6 @@
               </a:rPr>
               <a:t>CTK37</a:t>
             </a:r>
-            <a:endParaRPr lang="en-US" sz="3600" dirty="0">
-              <a:solidFill>
-                <a:srgbClr val="00B404"/>
-              </a:solidFill>
-              <a:latin typeface="Segoe UI Semilight" pitchFamily="34" charset="0"/>
-              <a:cs typeface="Segoe UI Semilight" pitchFamily="34" charset="0"/>
-            </a:endParaRPr>
           </a:p>
         </p:txBody>
       </p:sp>
@@ -29851,16 +34461,6 @@
               </a:rPr>
               <a:t>Giao diện</a:t>
             </a:r>
-            <a:endParaRPr lang="en-US" sz="2400" dirty="0">
-              <a:solidFill>
-                <a:schemeClr val="tx1">
-                  <a:lumMod val="75000"/>
-                  <a:lumOff val="25000"/>
-                </a:schemeClr>
-              </a:solidFill>
-              <a:latin typeface="Segoe UI Light" pitchFamily="34" charset="0"/>
-              <a:cs typeface="Segoe UI Light" pitchFamily="34" charset="0"/>
-            </a:endParaRPr>
           </a:p>
         </p:txBody>
       </p:sp>
@@ -29922,16 +34522,6 @@
               </a:rPr>
               <a:t>Lời cảm ơn</a:t>
             </a:r>
-            <a:endParaRPr lang="en-US" sz="2400" dirty="0">
-              <a:solidFill>
-                <a:schemeClr val="tx1">
-                  <a:lumMod val="75000"/>
-                  <a:lumOff val="25000"/>
-                </a:schemeClr>
-              </a:solidFill>
-              <a:latin typeface="Segoe UI Light" pitchFamily="34" charset="0"/>
-              <a:cs typeface="Segoe UI Light" pitchFamily="34" charset="0"/>
-            </a:endParaRPr>
           </a:p>
         </p:txBody>
       </p:sp>
@@ -30035,16 +34625,6 @@
               </a:rPr>
               <a:t>Phương pháp</a:t>
             </a:r>
-            <a:endParaRPr lang="en-US" sz="2400" dirty="0">
-              <a:solidFill>
-                <a:schemeClr val="tx1">
-                  <a:lumMod val="75000"/>
-                  <a:lumOff val="25000"/>
-                </a:schemeClr>
-              </a:solidFill>
-              <a:latin typeface="Segoe UI Light" pitchFamily="34" charset="0"/>
-              <a:cs typeface="Segoe UI Light" pitchFamily="34" charset="0"/>
-            </a:endParaRPr>
           </a:p>
         </p:txBody>
       </p:sp>
@@ -30403,6 +34983,218 @@
                                         <p:cTn id="15" dur="1000" fill="hold"/>
                                         <p:tgtEl>
                                           <p:spTgt spid="21"/>
+                                        </p:tgtEl>
+                                        <p:attrNameLst>
+                                          <p:attrName>ppt_y</p:attrName>
+                                        </p:attrNameLst>
+                                      </p:cBhvr>
+                                      <p:tavLst>
+                                        <p:tav tm="0">
+                                          <p:val>
+                                            <p:strVal val="#ppt_y+.1"/>
+                                          </p:val>
+                                        </p:tav>
+                                        <p:tav tm="100000">
+                                          <p:val>
+                                            <p:strVal val="#ppt_y"/>
+                                          </p:val>
+                                        </p:tav>
+                                      </p:tavLst>
+                                    </p:anim>
+                                  </p:childTnLst>
+                                </p:cTn>
+                              </p:par>
+                            </p:childTnLst>
+                          </p:cTn>
+                        </p:par>
+                        <p:par>
+                          <p:cTn id="16" fill="hold">
+                            <p:stCondLst>
+                              <p:cond delay="2000"/>
+                            </p:stCondLst>
+                            <p:childTnLst>
+                              <p:par>
+                                <p:cTn id="17" presetID="42" presetClass="entr" presetSubtype="0" fill="hold" nodeType="afterEffect">
+                                  <p:stCondLst>
+                                    <p:cond delay="0"/>
+                                  </p:stCondLst>
+                                  <p:childTnLst>
+                                    <p:set>
+                                      <p:cBhvr>
+                                        <p:cTn id="18" dur="1" fill="hold">
+                                          <p:stCondLst>
+                                            <p:cond delay="0"/>
+                                          </p:stCondLst>
+                                        </p:cTn>
+                                        <p:tgtEl>
+                                          <p:spTgt spid="21">
+                                            <p:txEl>
+                                              <p:pRg st="0" end="0"/>
+                                            </p:txEl>
+                                          </p:spTgt>
+                                        </p:tgtEl>
+                                        <p:attrNameLst>
+                                          <p:attrName>style.visibility</p:attrName>
+                                        </p:attrNameLst>
+                                      </p:cBhvr>
+                                      <p:to>
+                                        <p:strVal val="visible"/>
+                                      </p:to>
+                                    </p:set>
+                                    <p:animEffect transition="in" filter="fade">
+                                      <p:cBhvr>
+                                        <p:cTn id="19" dur="1000"/>
+                                        <p:tgtEl>
+                                          <p:spTgt spid="21">
+                                            <p:txEl>
+                                              <p:pRg st="0" end="0"/>
+                                            </p:txEl>
+                                          </p:spTgt>
+                                        </p:tgtEl>
+                                      </p:cBhvr>
+                                    </p:animEffect>
+                                    <p:anim calcmode="lin" valueType="num">
+                                      <p:cBhvr>
+                                        <p:cTn id="20" dur="1000" fill="hold"/>
+                                        <p:tgtEl>
+                                          <p:spTgt spid="21">
+                                            <p:txEl>
+                                              <p:pRg st="0" end="0"/>
+                                            </p:txEl>
+                                          </p:spTgt>
+                                        </p:tgtEl>
+                                        <p:attrNameLst>
+                                          <p:attrName>ppt_x</p:attrName>
+                                        </p:attrNameLst>
+                                      </p:cBhvr>
+                                      <p:tavLst>
+                                        <p:tav tm="0">
+                                          <p:val>
+                                            <p:strVal val="#ppt_x"/>
+                                          </p:val>
+                                        </p:tav>
+                                        <p:tav tm="100000">
+                                          <p:val>
+                                            <p:strVal val="#ppt_x"/>
+                                          </p:val>
+                                        </p:tav>
+                                      </p:tavLst>
+                                    </p:anim>
+                                    <p:anim calcmode="lin" valueType="num">
+                                      <p:cBhvr>
+                                        <p:cTn id="21" dur="1000" fill="hold"/>
+                                        <p:tgtEl>
+                                          <p:spTgt spid="21">
+                                            <p:txEl>
+                                              <p:pRg st="0" end="0"/>
+                                            </p:txEl>
+                                          </p:spTgt>
+                                        </p:tgtEl>
+                                        <p:attrNameLst>
+                                          <p:attrName>ppt_y</p:attrName>
+                                        </p:attrNameLst>
+                                      </p:cBhvr>
+                                      <p:tavLst>
+                                        <p:tav tm="0">
+                                          <p:val>
+                                            <p:strVal val="#ppt_y+.1"/>
+                                          </p:val>
+                                        </p:tav>
+                                        <p:tav tm="100000">
+                                          <p:val>
+                                            <p:strVal val="#ppt_y"/>
+                                          </p:val>
+                                        </p:tav>
+                                      </p:tavLst>
+                                    </p:anim>
+                                  </p:childTnLst>
+                                </p:cTn>
+                              </p:par>
+                            </p:childTnLst>
+                          </p:cTn>
+                        </p:par>
+                        <p:par>
+                          <p:cTn id="22" fill="hold">
+                            <p:stCondLst>
+                              <p:cond delay="3000"/>
+                            </p:stCondLst>
+                            <p:childTnLst>
+                              <p:par>
+                                <p:cTn id="23" presetID="42" presetClass="entr" presetSubtype="0" fill="hold" nodeType="afterEffect">
+                                  <p:stCondLst>
+                                    <p:cond delay="0"/>
+                                  </p:stCondLst>
+                                  <p:childTnLst>
+                                    <p:set>
+                                      <p:cBhvr>
+                                        <p:cTn id="24" dur="1" fill="hold">
+                                          <p:stCondLst>
+                                            <p:cond delay="0"/>
+                                          </p:stCondLst>
+                                        </p:cTn>
+                                        <p:tgtEl>
+                                          <p:spTgt spid="21">
+                                            <p:txEl>
+                                              <p:pRg st="1" end="1"/>
+                                            </p:txEl>
+                                          </p:spTgt>
+                                        </p:tgtEl>
+                                        <p:attrNameLst>
+                                          <p:attrName>style.visibility</p:attrName>
+                                        </p:attrNameLst>
+                                      </p:cBhvr>
+                                      <p:to>
+                                        <p:strVal val="visible"/>
+                                      </p:to>
+                                    </p:set>
+                                    <p:animEffect transition="in" filter="fade">
+                                      <p:cBhvr>
+                                        <p:cTn id="25" dur="1000"/>
+                                        <p:tgtEl>
+                                          <p:spTgt spid="21">
+                                            <p:txEl>
+                                              <p:pRg st="1" end="1"/>
+                                            </p:txEl>
+                                          </p:spTgt>
+                                        </p:tgtEl>
+                                      </p:cBhvr>
+                                    </p:animEffect>
+                                    <p:anim calcmode="lin" valueType="num">
+                                      <p:cBhvr>
+                                        <p:cTn id="26" dur="1000" fill="hold"/>
+                                        <p:tgtEl>
+                                          <p:spTgt spid="21">
+                                            <p:txEl>
+                                              <p:pRg st="1" end="1"/>
+                                            </p:txEl>
+                                          </p:spTgt>
+                                        </p:tgtEl>
+                                        <p:attrNameLst>
+                                          <p:attrName>ppt_x</p:attrName>
+                                        </p:attrNameLst>
+                                      </p:cBhvr>
+                                      <p:tavLst>
+                                        <p:tav tm="0">
+                                          <p:val>
+                                            <p:strVal val="#ppt_x"/>
+                                          </p:val>
+                                        </p:tav>
+                                        <p:tav tm="100000">
+                                          <p:val>
+                                            <p:strVal val="#ppt_x"/>
+                                          </p:val>
+                                        </p:tav>
+                                      </p:tavLst>
+                                    </p:anim>
+                                    <p:anim calcmode="lin" valueType="num">
+                                      <p:cBhvr>
+                                        <p:cTn id="27" dur="1000" fill="hold"/>
+                                        <p:tgtEl>
+                                          <p:spTgt spid="21">
+                                            <p:txEl>
+                                              <p:pRg st="1" end="1"/>
+                                            </p:txEl>
+                                          </p:spTgt>
                                         </p:tgtEl>
                                         <p:attrNameLst>
                                           <p:attrName>ppt_y</p:attrName>
@@ -30556,13 +35348,6 @@
               </a:rPr>
               <a:t>CTK37</a:t>
             </a:r>
-            <a:endParaRPr lang="en-US" sz="3600" dirty="0">
-              <a:solidFill>
-                <a:srgbClr val="00B404"/>
-              </a:solidFill>
-              <a:latin typeface="Segoe UI Semilight" pitchFamily="34" charset="0"/>
-              <a:cs typeface="Segoe UI Semilight" pitchFamily="34" charset="0"/>
-            </a:endParaRPr>
           </a:p>
         </p:txBody>
       </p:sp>
@@ -30810,16 +35595,6 @@
               </a:rPr>
               <a:t>Giao diện</a:t>
             </a:r>
-            <a:endParaRPr lang="en-US" sz="2400" dirty="0">
-              <a:solidFill>
-                <a:schemeClr val="tx1">
-                  <a:lumMod val="75000"/>
-                  <a:lumOff val="25000"/>
-                </a:schemeClr>
-              </a:solidFill>
-              <a:latin typeface="Segoe UI Light" pitchFamily="34" charset="0"/>
-              <a:cs typeface="Segoe UI Light" pitchFamily="34" charset="0"/>
-            </a:endParaRPr>
           </a:p>
         </p:txBody>
       </p:sp>
@@ -30881,16 +35656,6 @@
               </a:rPr>
               <a:t>Lời cảm ơn</a:t>
             </a:r>
-            <a:endParaRPr lang="en-US" sz="2400" dirty="0">
-              <a:solidFill>
-                <a:schemeClr val="tx1">
-                  <a:lumMod val="75000"/>
-                  <a:lumOff val="25000"/>
-                </a:schemeClr>
-              </a:solidFill>
-              <a:latin typeface="Segoe UI Light" pitchFamily="34" charset="0"/>
-              <a:cs typeface="Segoe UI Light" pitchFamily="34" charset="0"/>
-            </a:endParaRPr>
           </a:p>
         </p:txBody>
       </p:sp>
@@ -30994,16 +35759,6 @@
               </a:rPr>
               <a:t>Phương pháp</a:t>
             </a:r>
-            <a:endParaRPr lang="en-US" sz="2400" dirty="0">
-              <a:solidFill>
-                <a:schemeClr val="tx1">
-                  <a:lumMod val="75000"/>
-                  <a:lumOff val="25000"/>
-                </a:schemeClr>
-              </a:solidFill>
-              <a:latin typeface="Segoe UI Light" pitchFamily="34" charset="0"/>
-              <a:cs typeface="Segoe UI Light" pitchFamily="34" charset="0"/>
-            </a:endParaRPr>
           </a:p>
         </p:txBody>
       </p:sp>
@@ -31520,13 +36275,6 @@
               </a:rPr>
               <a:t>CTK37</a:t>
             </a:r>
-            <a:endParaRPr lang="en-US" sz="3600" dirty="0">
-              <a:solidFill>
-                <a:srgbClr val="00B404"/>
-              </a:solidFill>
-              <a:latin typeface="Segoe UI Semilight" pitchFamily="34" charset="0"/>
-              <a:cs typeface="Segoe UI Semilight" pitchFamily="34" charset="0"/>
-            </a:endParaRPr>
           </a:p>
         </p:txBody>
       </p:sp>
@@ -31774,16 +36522,6 @@
               </a:rPr>
               <a:t>Giao diện</a:t>
             </a:r>
-            <a:endParaRPr lang="en-US" sz="2400" dirty="0">
-              <a:solidFill>
-                <a:schemeClr val="tx1">
-                  <a:lumMod val="75000"/>
-                  <a:lumOff val="25000"/>
-                </a:schemeClr>
-              </a:solidFill>
-              <a:latin typeface="Segoe UI Light" pitchFamily="34" charset="0"/>
-              <a:cs typeface="Segoe UI Light" pitchFamily="34" charset="0"/>
-            </a:endParaRPr>
           </a:p>
         </p:txBody>
       </p:sp>
@@ -31845,16 +36583,6 @@
               </a:rPr>
               <a:t>Lời cảm ơn</a:t>
             </a:r>
-            <a:endParaRPr lang="en-US" sz="2400" dirty="0">
-              <a:solidFill>
-                <a:schemeClr val="tx1">
-                  <a:lumMod val="75000"/>
-                  <a:lumOff val="25000"/>
-                </a:schemeClr>
-              </a:solidFill>
-              <a:latin typeface="Segoe UI Light" pitchFamily="34" charset="0"/>
-              <a:cs typeface="Segoe UI Light" pitchFamily="34" charset="0"/>
-            </a:endParaRPr>
           </a:p>
         </p:txBody>
       </p:sp>
@@ -31958,16 +36686,6 @@
               </a:rPr>
               <a:t>Phương pháp</a:t>
             </a:r>
-            <a:endParaRPr lang="en-US" sz="2400" dirty="0">
-              <a:solidFill>
-                <a:schemeClr val="tx1">
-                  <a:lumMod val="75000"/>
-                  <a:lumOff val="25000"/>
-                </a:schemeClr>
-              </a:solidFill>
-              <a:latin typeface="Segoe UI Light" pitchFamily="34" charset="0"/>
-              <a:cs typeface="Segoe UI Light" pitchFamily="34" charset="0"/>
-            </a:endParaRPr>
           </a:p>
         </p:txBody>
       </p:sp>

--- a/THESIS/DACN_UD_Hoc_KHo_CTK37_ThuyetTrinh_06102017.pptx
+++ b/THESIS/DACN_UD_Hoc_KHo_CTK37_ThuyetTrinh_06102017.pptx
@@ -3695,7 +3695,7 @@
         </p:nvSpPr>
         <p:spPr>
           <a:xfrm>
-            <a:off x="665328" y="978186"/>
+            <a:off x="665328" y="1771903"/>
             <a:ext cx="7924800" cy="1143000"/>
           </a:xfrm>
         </p:spPr>
@@ -3735,7 +3735,7 @@
         </p:nvSpPr>
         <p:spPr>
           <a:xfrm>
-            <a:off x="457200" y="2254250"/>
+            <a:off x="457200" y="3320764"/>
             <a:ext cx="8021471" cy="1041686"/>
           </a:xfrm>
           <a:prstGeom prst="rect">
@@ -3857,8 +3857,10 @@
                 <a:latin typeface="Times New Roman" panose="02020603050405020304" pitchFamily="18" charset="0"/>
                 <a:cs typeface="Times New Roman" panose="02020603050405020304" pitchFamily="18" charset="0"/>
               </a:rPr>
-              <a:t>SV thực hiện: 		1312667 - </a:t>
-            </a:r>
+              <a:t>SV thực hiện: 		1312667 - Sang Khánh Vinh</a:t>
+            </a:r>
+          </a:p>
+          <a:p>
             <a:r>
               <a:rPr lang="en-US" sz="2400" dirty="0" smtClean="0">
                 <a:solidFill>
@@ -3867,8 +3869,10 @@
                 <a:latin typeface="Times New Roman" panose="02020603050405020304" pitchFamily="18" charset="0"/>
                 <a:cs typeface="Times New Roman" panose="02020603050405020304" pitchFamily="18" charset="0"/>
               </a:rPr>
-              <a:t>Sang </a:t>
-            </a:r>
+              <a:t>			1312656 - Nguyễn Bá Quốc Anh Quân</a:t>
+            </a:r>
+          </a:p>
+          <a:p>
             <a:r>
               <a:rPr lang="en-US" sz="2400" dirty="0" smtClean="0">
                 <a:solidFill>
@@ -3877,101 +3881,7 @@
                 <a:latin typeface="Times New Roman" panose="02020603050405020304" pitchFamily="18" charset="0"/>
                 <a:cs typeface="Times New Roman" panose="02020603050405020304" pitchFamily="18" charset="0"/>
               </a:rPr>
-              <a:t>Khánh </a:t>
-            </a:r>
-            <a:r>
-              <a:rPr lang="en-US" sz="2400" dirty="0" smtClean="0">
-                <a:solidFill>
-                  <a:srgbClr val="C00000"/>
-                </a:solidFill>
-                <a:latin typeface="Times New Roman" panose="02020603050405020304" pitchFamily="18" charset="0"/>
-                <a:cs typeface="Times New Roman" panose="02020603050405020304" pitchFamily="18" charset="0"/>
-              </a:rPr>
-              <a:t>Vinh</a:t>
-            </a:r>
-          </a:p>
-          <a:p>
-            <a:r>
-              <a:rPr lang="en-US" sz="2400" dirty="0" smtClean="0">
-                <a:solidFill>
-                  <a:srgbClr val="C00000"/>
-                </a:solidFill>
-                <a:latin typeface="Times New Roman" panose="02020603050405020304" pitchFamily="18" charset="0"/>
-                <a:cs typeface="Times New Roman" panose="02020603050405020304" pitchFamily="18" charset="0"/>
-              </a:rPr>
-              <a:t>			1312656 - </a:t>
-            </a:r>
-            <a:r>
-              <a:rPr lang="en-US" sz="2400" dirty="0" smtClean="0">
-                <a:solidFill>
-                  <a:srgbClr val="C00000"/>
-                </a:solidFill>
-                <a:latin typeface="Times New Roman" panose="02020603050405020304" pitchFamily="18" charset="0"/>
-                <a:cs typeface="Times New Roman" panose="02020603050405020304" pitchFamily="18" charset="0"/>
-              </a:rPr>
-              <a:t>Nguyễn </a:t>
-            </a:r>
-            <a:r>
-              <a:rPr lang="en-US" sz="2400" dirty="0" smtClean="0">
-                <a:solidFill>
-                  <a:srgbClr val="C00000"/>
-                </a:solidFill>
-                <a:latin typeface="Times New Roman" panose="02020603050405020304" pitchFamily="18" charset="0"/>
-                <a:cs typeface="Times New Roman" panose="02020603050405020304" pitchFamily="18" charset="0"/>
-              </a:rPr>
-              <a:t>Bá Quốc Anh </a:t>
-            </a:r>
-            <a:r>
-              <a:rPr lang="en-US" sz="2400" dirty="0" smtClean="0">
-                <a:solidFill>
-                  <a:srgbClr val="C00000"/>
-                </a:solidFill>
-                <a:latin typeface="Times New Roman" panose="02020603050405020304" pitchFamily="18" charset="0"/>
-                <a:cs typeface="Times New Roman" panose="02020603050405020304" pitchFamily="18" charset="0"/>
-              </a:rPr>
-              <a:t>Quân</a:t>
-            </a:r>
-          </a:p>
-          <a:p>
-            <a:r>
-              <a:rPr lang="en-US" sz="2400" dirty="0" smtClean="0">
-                <a:solidFill>
-                  <a:srgbClr val="C00000"/>
-                </a:solidFill>
-                <a:latin typeface="Times New Roman" panose="02020603050405020304" pitchFamily="18" charset="0"/>
-                <a:cs typeface="Times New Roman" panose="02020603050405020304" pitchFamily="18" charset="0"/>
-              </a:rPr>
-              <a:t>GVHD</a:t>
-            </a:r>
-            <a:r>
-              <a:rPr lang="en-US" sz="2400" dirty="0" smtClean="0">
-                <a:solidFill>
-                  <a:srgbClr val="C00000"/>
-                </a:solidFill>
-                <a:latin typeface="Times New Roman" panose="02020603050405020304" pitchFamily="18" charset="0"/>
-                <a:cs typeface="Times New Roman" panose="02020603050405020304" pitchFamily="18" charset="0"/>
-              </a:rPr>
-              <a:t>: </a:t>
-            </a:r>
-            <a:r>
-              <a:rPr lang="en-US" sz="2400" dirty="0" smtClean="0">
-                <a:solidFill>
-                  <a:srgbClr val="C00000"/>
-                </a:solidFill>
-                <a:latin typeface="Times New Roman" panose="02020603050405020304" pitchFamily="18" charset="0"/>
-                <a:cs typeface="Times New Roman" panose="02020603050405020304" pitchFamily="18" charset="0"/>
-              </a:rPr>
-              <a:t>		TS</a:t>
-            </a:r>
-            <a:r>
-              <a:rPr lang="en-US" sz="2400" dirty="0" smtClean="0">
-                <a:solidFill>
-                  <a:srgbClr val="C00000"/>
-                </a:solidFill>
-                <a:latin typeface="Times New Roman" panose="02020603050405020304" pitchFamily="18" charset="0"/>
-                <a:cs typeface="Times New Roman" panose="02020603050405020304" pitchFamily="18" charset="0"/>
-              </a:rPr>
-              <a:t>. Đinh Viết Tuấn</a:t>
+              <a:t>GVHD: 		TS. Đinh Viết Tuấn</a:t>
             </a:r>
             <a:endParaRPr lang="en-US" sz="2400" dirty="0">
               <a:solidFill>
@@ -4037,6 +3947,126 @@
           <a:lstStyle/>
           <a:p>
             <a:endParaRPr lang="en-US" dirty="0"/>
+          </a:p>
+        </p:txBody>
+      </p:sp>
+      <p:cxnSp>
+        <p:nvCxnSpPr>
+          <p:cNvPr id="6" name="Straight Connector 5"/>
+          <p:cNvCxnSpPr/>
+          <p:nvPr/>
+        </p:nvCxnSpPr>
+        <p:spPr>
+          <a:xfrm>
+            <a:off x="457200" y="4419600"/>
+            <a:ext cx="8132928" cy="0"/>
+          </a:xfrm>
+          <a:prstGeom prst="line">
+            <a:avLst/>
+          </a:prstGeom>
+        </p:spPr>
+        <p:style>
+          <a:lnRef idx="3">
+            <a:schemeClr val="accent2"/>
+          </a:lnRef>
+          <a:fillRef idx="0">
+            <a:schemeClr val="accent2"/>
+          </a:fillRef>
+          <a:effectRef idx="2">
+            <a:schemeClr val="accent2"/>
+          </a:effectRef>
+          <a:fontRef idx="minor">
+            <a:schemeClr val="tx1"/>
+          </a:fontRef>
+        </p:style>
+      </p:cxnSp>
+      <p:pic>
+        <p:nvPicPr>
+          <p:cNvPr id="7" name="Picture 6"/>
+          <p:cNvPicPr>
+            <a:picLocks noChangeAspect="1"/>
+          </p:cNvPicPr>
+          <p:nvPr/>
+        </p:nvPicPr>
+        <p:blipFill>
+          <a:blip r:embed="rId3">
+            <a:extLst>
+              <a:ext uri="{28A0092B-C50C-407E-A947-70E740481C1C}">
+                <a14:useLocalDpi xmlns:a14="http://schemas.microsoft.com/office/drawing/2010/main" val="0"/>
+              </a:ext>
+            </a:extLst>
+          </a:blip>
+          <a:stretch>
+            <a:fillRect/>
+          </a:stretch>
+        </p:blipFill>
+        <p:spPr>
+          <a:xfrm>
+            <a:off x="7086600" y="263525"/>
+            <a:ext cx="1503528" cy="1508378"/>
+          </a:xfrm>
+          <a:prstGeom prst="rect">
+            <a:avLst/>
+          </a:prstGeom>
+        </p:spPr>
+      </p:pic>
+      <p:sp>
+        <p:nvSpPr>
+          <p:cNvPr id="11" name="Title 7"/>
+          <p:cNvSpPr txBox="1">
+            <a:spLocks/>
+          </p:cNvSpPr>
+          <p:nvPr/>
+        </p:nvSpPr>
+        <p:spPr>
+          <a:xfrm>
+            <a:off x="1308652" y="595566"/>
+            <a:ext cx="5791200" cy="803275"/>
+          </a:xfrm>
+          <a:prstGeom prst="rect">
+            <a:avLst/>
+          </a:prstGeom>
+        </p:spPr>
+        <p:txBody>
+          <a:bodyPr vert="horz" lIns="91440" tIns="45720" rIns="91440" bIns="45720" rtlCol="0" anchor="ctr">
+            <a:noAutofit/>
+          </a:bodyPr>
+          <a:lstStyle>
+            <a:lvl1pPr algn="l" defTabSz="914400" rtl="0" eaLnBrk="1" latinLnBrk="0" hangingPunct="1">
+              <a:spcBef>
+                <a:spcPct val="0"/>
+              </a:spcBef>
+              <a:buNone/>
+              <a:defRPr sz="4400" kern="1200">
+                <a:solidFill>
+                  <a:schemeClr val="bg1"/>
+                </a:solidFill>
+                <a:latin typeface="Segoe UI Semilight" pitchFamily="34" charset="0"/>
+                <a:ea typeface="+mj-ea"/>
+                <a:cs typeface="Segoe UI Semilight" pitchFamily="34" charset="0"/>
+              </a:defRPr>
+            </a:lvl1pPr>
+          </a:lstStyle>
+          <a:p>
+            <a:r>
+              <a:rPr lang="en-US" sz="3600" b="1" dirty="0" smtClean="0">
+                <a:solidFill>
+                  <a:srgbClr val="C00000"/>
+                </a:solidFill>
+                <a:latin typeface="Segoe UI Light" pitchFamily="34" charset="0"/>
+                <a:ea typeface="+mn-ea"/>
+                <a:cs typeface="Segoe UI Light" pitchFamily="34" charset="0"/>
+              </a:rPr>
+              <a:t>Khoa Công Nghệ Thông Tin</a:t>
+            </a:r>
+            <a:endParaRPr lang="en-US" sz="3600" b="1" dirty="0">
+              <a:solidFill>
+                <a:srgbClr val="C00000"/>
+              </a:solidFill>
+              <a:latin typeface="Segoe UI Light" pitchFamily="34" charset="0"/>
+              <a:ea typeface="+mn-ea"/>
+              <a:cs typeface="Segoe UI Light" pitchFamily="34" charset="0"/>
+            </a:endParaRPr>
           </a:p>
         </p:txBody>
       </p:sp>
@@ -4050,11 +4080,11 @@
   <p:clrMapOvr>
     <a:masterClrMapping/>
   </p:clrMapOvr>
-  <mc:AlternateContent xmlns:mc="http://schemas.openxmlformats.org/markup-compatibility/2006">
-    <mc:Choice xmlns:p14="http://schemas.microsoft.com/office/powerpoint/2010/main" Requires="p14">
+  <mc:AlternateContent xmlns:mc="http://schemas.openxmlformats.org/markup-compatibility/2006" xmlns:p14="http://schemas.microsoft.com/office/powerpoint/2010/main">
+    <mc:Choice Requires="p14">
       <p:transition p14:dur="0"/>
     </mc:Choice>
-    <mc:Fallback>
+    <mc:Fallback xmlns="">
       <p:transition/>
     </mc:Fallback>
   </mc:AlternateContent>
@@ -4330,13 +4360,6 @@
               </a:rPr>
               <a:t>hỗ trợ dạng học theo bài.</a:t>
             </a:r>
-            <a:endParaRPr lang="en-US" sz="2200" dirty="0">
-              <a:solidFill>
-                <a:schemeClr val="tx1"/>
-              </a:solidFill>
-              <a:latin typeface="Arial" panose="020B0604020202020204" pitchFamily="34" charset="0"/>
-              <a:cs typeface="Arial" panose="020B0604020202020204" pitchFamily="34" charset="0"/>
-            </a:endParaRPr>
           </a:p>
         </p:txBody>
       </p:sp>
@@ -4647,13 +4670,6 @@
               </a:rPr>
               <a:t>hỗ trợ dạng học theo bài.</a:t>
             </a:r>
-            <a:endParaRPr lang="en-US" sz="2200" dirty="0">
-              <a:solidFill>
-                <a:schemeClr val="tx1"/>
-              </a:solidFill>
-              <a:latin typeface="Arial" panose="020B0604020202020204" pitchFamily="34" charset="0"/>
-              <a:cs typeface="Arial" panose="020B0604020202020204" pitchFamily="34" charset="0"/>
-            </a:endParaRPr>
           </a:p>
         </p:txBody>
       </p:sp>
@@ -5295,13 +5311,6 @@
               </a:rPr>
               <a:t>Không hỗ trợ học theo bài</a:t>
             </a:r>
-            <a:endParaRPr lang="en-US" sz="2200" dirty="0">
-              <a:solidFill>
-                <a:schemeClr val="tx1"/>
-              </a:solidFill>
-              <a:latin typeface="Arial" panose="020B0604020202020204" pitchFamily="34" charset="0"/>
-              <a:cs typeface="Arial" panose="020B0604020202020204" pitchFamily="34" charset="0"/>
-            </a:endParaRPr>
           </a:p>
         </p:txBody>
       </p:sp>
@@ -5909,13 +5918,6 @@
               </a:rPr>
               <a:t>ứng dụng English Study Pro 2012 để thiết kế.</a:t>
             </a:r>
-            <a:endParaRPr lang="en-US" sz="2400" dirty="0">
-              <a:solidFill>
-                <a:schemeClr val="tx1"/>
-              </a:solidFill>
-              <a:latin typeface="Arial" panose="020B0604020202020204" pitchFamily="34" charset="0"/>
-              <a:cs typeface="Arial" panose="020B0604020202020204" pitchFamily="34" charset="0"/>
-            </a:endParaRPr>
           </a:p>
         </p:txBody>
       </p:sp>
@@ -6280,14 +6282,7 @@
                 <a:latin typeface="Arial" panose="020B0604020202020204" pitchFamily="34" charset="0"/>
                 <a:cs typeface="Arial" panose="020B0604020202020204" pitchFamily="34" charset="0"/>
               </a:rPr>
-              <a:t>GUI Layer: Dùng để hiển thị giao diện và các chức năng để người sử dụng thao tác</a:t>
-            </a:r>
-            <a:r>
-              <a:rPr lang="en-US" sz="2200" dirty="0" smtClean="0">
-                <a:latin typeface="Arial" panose="020B0604020202020204" pitchFamily="34" charset="0"/>
-                <a:cs typeface="Arial" panose="020B0604020202020204" pitchFamily="34" charset="0"/>
-              </a:rPr>
-              <a:t>.</a:t>
+              <a:t>GUI Layer: Dùng để hiển thị giao diện và các chức năng để người sử dụng thao tác.</a:t>
             </a:r>
           </a:p>
         </p:txBody>
@@ -6344,10 +6339,6 @@
               </a:rPr>
               <a:t>Lớp DTO: Sử dụng Entity Frameword để xây dựng, Entity Framework là một bộ ánh xạ đối tượng – quan hệ cho phép người lập trình .NET  làm việc với dữ liệu quan hệ qua các đối tượng (object) nó giúp lập trình viên không cần viết mã cho (hầu hết) những gì liên quan đến truy cập dữ liệu.</a:t>
             </a:r>
-            <a:endParaRPr lang="en-US" sz="2200" dirty="0">
-              <a:latin typeface="Arial" panose="020B0604020202020204" pitchFamily="34" charset="0"/>
-              <a:cs typeface="Arial" panose="020B0604020202020204" pitchFamily="34" charset="0"/>
-            </a:endParaRPr>
           </a:p>
         </p:txBody>
       </p:sp>
@@ -11848,13 +11839,6 @@
               </a:rPr>
               <a:t>). Ví dụ: dà (nước).</a:t>
             </a:r>
-            <a:endParaRPr lang="en-US" sz="2400" dirty="0">
-              <a:solidFill>
-                <a:schemeClr val="tx1"/>
-              </a:solidFill>
-              <a:latin typeface="TNKeyUni-Arial" panose="020B0604020202020204" pitchFamily="34" charset="0"/>
-              <a:cs typeface="TNKeyUni-Arial" panose="020B0604020202020204" pitchFamily="34" charset="0"/>
-            </a:endParaRPr>
           </a:p>
         </p:txBody>
       </p:sp>
